--- a/šablony/prezentace/Prezentace GJK.pptx
+++ b/šablony/prezentace/Prezentace GJK.pptx
@@ -3017,7 +3017,7 @@
         <p:spPr>
           <a:xfrm>
             <a:off x="311700" y="1152475"/>
-            <a:ext cx="8520600" cy="2916000"/>
+            <a:ext cx="8520600" cy="3079200"/>
           </a:xfrm>
           <a:prstGeom prst="rect">
             <a:avLst/>
@@ -3369,7 +3369,7 @@
         <p:spPr>
           <a:xfrm>
             <a:off x="311700" y="1152475"/>
-            <a:ext cx="3999900" cy="2916000"/>
+            <a:ext cx="3999900" cy="3102300"/>
           </a:xfrm>
           <a:prstGeom prst="rect">
             <a:avLst/>
@@ -3494,7 +3494,7 @@
         <p:spPr>
           <a:xfrm>
             <a:off x="4832400" y="1152475"/>
-            <a:ext cx="3999900" cy="2916000"/>
+            <a:ext cx="3999900" cy="3102300"/>
           </a:xfrm>
           <a:prstGeom prst="rect">
             <a:avLst/>
@@ -4073,7 +4073,7 @@
         <p:spPr>
           <a:xfrm>
             <a:off x="311700" y="1389600"/>
-            <a:ext cx="2808000" cy="2678700"/>
+            <a:ext cx="2808000" cy="2865300"/>
           </a:xfrm>
           <a:prstGeom prst="rect">
             <a:avLst/>
@@ -4525,7 +4525,7 @@
         <p:spPr>
           <a:xfrm>
             <a:off x="4572000" y="-125"/>
-            <a:ext cx="4572000" cy="4197000"/>
+            <a:ext cx="4572000" cy="4432800"/>
           </a:xfrm>
           <a:prstGeom prst="rect">
             <a:avLst/>
@@ -4846,8 +4846,8 @@
         </p:nvSpPr>
         <p:spPr>
           <a:xfrm>
-            <a:off x="4939500" y="208875"/>
-            <a:ext cx="3837000" cy="3859500"/>
+            <a:off x="4939500" y="216125"/>
+            <a:ext cx="3837000" cy="4015500"/>
           </a:xfrm>
           <a:prstGeom prst="rect">
             <a:avLst/>
@@ -5073,7 +5073,7 @@
         </p:nvSpPr>
         <p:spPr>
           <a:xfrm>
-            <a:off x="303975" y="3596225"/>
+            <a:off x="311175" y="3725900"/>
             <a:ext cx="5998800" cy="605100"/>
           </a:xfrm>
           <a:prstGeom prst="rect">
@@ -5420,7 +5420,7 @@
         <p:spPr>
           <a:xfrm>
             <a:off x="311700" y="1152475"/>
-            <a:ext cx="8520600" cy="2916000"/>
+            <a:ext cx="8520600" cy="3087000"/>
           </a:xfrm>
           <a:prstGeom prst="rect">
             <a:avLst/>
@@ -5761,8 +5761,8 @@
         </p:blipFill>
         <p:spPr>
           <a:xfrm>
-            <a:off x="0" y="4214118"/>
-            <a:ext cx="2661201" cy="929375"/>
+            <a:off x="0" y="4441075"/>
+            <a:ext cx="2011375" cy="702425"/>
           </a:xfrm>
           <a:prstGeom prst="rect">
             <a:avLst/>
@@ -5781,7 +5781,7 @@
         </p:nvCxnSpPr>
         <p:spPr>
           <a:xfrm>
-            <a:off x="170250" y="4214125"/>
+            <a:off x="170250" y="4441075"/>
             <a:ext cx="8803500" cy="0"/>
           </a:xfrm>
           <a:prstGeom prst="straightConnector1">
@@ -6599,7 +6599,7 @@
             </a:pPr>
             <a:r>
               <a:rPr lang="cs"/>
-              <a:t>Kateřina Zusková</a:t>
+              <a:t>Jméno Příjmení</a:t>
             </a:r>
             <a:endParaRPr/>
           </a:p>
@@ -6891,7 +6891,7 @@
         <p:spPr>
           <a:xfrm>
             <a:off x="311700" y="1152475"/>
-            <a:ext cx="8520600" cy="2916000"/>
+            <a:ext cx="8520600" cy="3079200"/>
           </a:xfrm>
           <a:prstGeom prst="rect">
             <a:avLst/>
@@ -6899,7 +6899,7 @@
         </p:spPr>
         <p:txBody>
           <a:bodyPr anchorCtr="0" anchor="t" bIns="91425" lIns="91425" spcFirstLastPara="1" rIns="91425" wrap="square" tIns="91425">
-            <a:normAutofit fontScale="85000" lnSpcReduction="20000"/>
+            <a:normAutofit fontScale="85000" lnSpcReduction="10000"/>
           </a:bodyPr>
           <a:lstStyle/>
           <a:p>
@@ -7133,7 +7133,7 @@
         <p:spPr>
           <a:xfrm>
             <a:off x="311700" y="1152475"/>
-            <a:ext cx="3999900" cy="2916000"/>
+            <a:ext cx="3999900" cy="3102300"/>
           </a:xfrm>
           <a:prstGeom prst="rect">
             <a:avLst/>
@@ -7141,7 +7141,7 @@
         </p:spPr>
         <p:txBody>
           <a:bodyPr anchorCtr="0" anchor="t" bIns="91425" lIns="91425" spcFirstLastPara="1" rIns="91425" wrap="square" tIns="91425">
-            <a:normAutofit lnSpcReduction="20000"/>
+            <a:normAutofit lnSpcReduction="10000"/>
           </a:bodyPr>
           <a:lstStyle/>
           <a:p>
@@ -7259,7 +7259,7 @@
         <p:spPr>
           <a:xfrm>
             <a:off x="4832400" y="1152475"/>
-            <a:ext cx="3999900" cy="2916000"/>
+            <a:ext cx="3999900" cy="3102300"/>
           </a:xfrm>
           <a:prstGeom prst="rect">
             <a:avLst/>
@@ -7267,7 +7267,7 @@
         </p:spPr>
         <p:txBody>
           <a:bodyPr anchorCtr="0" anchor="t" bIns="91425" lIns="91425" spcFirstLastPara="1" rIns="91425" wrap="square" tIns="91425">
-            <a:normAutofit fontScale="85000" lnSpcReduction="10000"/>
+            <a:normAutofit fontScale="85000"/>
           </a:bodyPr>
           <a:lstStyle/>
           <a:p>
@@ -7429,7 +7429,7 @@
         <p:spPr>
           <a:xfrm>
             <a:off x="311700" y="1389600"/>
-            <a:ext cx="2808000" cy="2678700"/>
+            <a:ext cx="2808000" cy="2865300"/>
           </a:xfrm>
           <a:prstGeom prst="rect">
             <a:avLst/>
@@ -7638,8 +7638,8 @@
         </p:nvSpPr>
         <p:spPr>
           <a:xfrm>
-            <a:off x="4939500" y="208875"/>
-            <a:ext cx="3837000" cy="3859500"/>
+            <a:off x="4939500" y="216125"/>
+            <a:ext cx="3837000" cy="4015500"/>
           </a:xfrm>
           <a:prstGeom prst="rect">
             <a:avLst/>
@@ -7703,7 +7703,7 @@
         </p:nvSpPr>
         <p:spPr>
           <a:xfrm>
-            <a:off x="303975" y="3596225"/>
+            <a:off x="311175" y="3725900"/>
             <a:ext cx="5998800" cy="605100"/>
           </a:xfrm>
           <a:prstGeom prst="rect">
@@ -7742,6 +7742,285 @@
 </file>
 
 <file path=ppt/theme/theme1.xml><?xml version="1.0" encoding="utf-8"?>
+<a:theme xmlns:a="http://schemas.openxmlformats.org/drawingml/2006/main" xmlns:r="http://schemas.openxmlformats.org/officeDocument/2006/relationships" name="Simple Light">
+  <a:themeElements>
+    <a:clrScheme name="Simple Light">
+      <a:dk1>
+        <a:srgbClr val="335599"/>
+      </a:dk1>
+      <a:lt1>
+        <a:srgbClr val="FFFFFF"/>
+      </a:lt1>
+      <a:dk2>
+        <a:srgbClr val="595959"/>
+      </a:dk2>
+      <a:lt2>
+        <a:srgbClr val="EEEEEE"/>
+      </a:lt2>
+      <a:accent1>
+        <a:srgbClr val="4285F4"/>
+      </a:accent1>
+      <a:accent2>
+        <a:srgbClr val="212121"/>
+      </a:accent2>
+      <a:accent3>
+        <a:srgbClr val="78909C"/>
+      </a:accent3>
+      <a:accent4>
+        <a:srgbClr val="FFAB40"/>
+      </a:accent4>
+      <a:accent5>
+        <a:srgbClr val="0097A7"/>
+      </a:accent5>
+      <a:accent6>
+        <a:srgbClr val="EEFF41"/>
+      </a:accent6>
+      <a:hlink>
+        <a:srgbClr val="0097A7"/>
+      </a:hlink>
+      <a:folHlink>
+        <a:srgbClr val="0097A7"/>
+      </a:folHlink>
+    </a:clrScheme>
+    <a:fontScheme name="Office">
+      <a:majorFont>
+        <a:latin typeface="Arial"/>
+        <a:ea typeface=""/>
+        <a:cs typeface=""/>
+        <a:font script="Jpan" typeface="ＭＳ Ｐゴシック"/>
+        <a:font script="Hang" typeface="맑은 고딕"/>
+        <a:font script="Hans" typeface="宋体"/>
+        <a:font script="Hant" typeface="新細明體"/>
+        <a:font script="Arab" typeface="Times New Roman"/>
+        <a:font script="Hebr" typeface="Times New Roman"/>
+        <a:font script="Thai" typeface="Angsana New"/>
+        <a:font script="Ethi" typeface="Nyala"/>
+        <a:font script="Beng" typeface="Vrinda"/>
+        <a:font script="Gujr" typeface="Shruti"/>
+        <a:font script="Khmr" typeface="MoolBoran"/>
+        <a:font script="Knda" typeface="Tunga"/>
+        <a:font script="Guru" typeface="Raavi"/>
+        <a:font script="Cans" typeface="Euphemia"/>
+        <a:font script="Cher" typeface="Plantagenet Cherokee"/>
+        <a:font script="Yiii" typeface="Microsoft Yi Baiti"/>
+        <a:font script="Tibt" typeface="Microsoft Himalaya"/>
+        <a:font script="Thaa" typeface="MV Boli"/>
+        <a:font script="Deva" typeface="Mangal"/>
+        <a:font script="Telu" typeface="Gautami"/>
+        <a:font script="Taml" typeface="Latha"/>
+        <a:font script="Syrc" typeface="Estrangelo Edessa"/>
+        <a:font script="Orya" typeface="Kalinga"/>
+        <a:font script="Mlym" typeface="Kartika"/>
+        <a:font script="Laoo" typeface="DokChampa"/>
+        <a:font script="Sinh" typeface="Iskoola Pota"/>
+        <a:font script="Mong" typeface="Mongolian Baiti"/>
+        <a:font script="Viet" typeface="Times New Roman"/>
+        <a:font script="Uigh" typeface="Microsoft Uighur"/>
+        <a:font script="Geor" typeface="Sylfaen"/>
+      </a:majorFont>
+      <a:minorFont>
+        <a:latin typeface="Arial"/>
+        <a:ea typeface=""/>
+        <a:cs typeface=""/>
+        <a:font script="Jpan" typeface="ＭＳ Ｐゴシック"/>
+        <a:font script="Hang" typeface="맑은 고딕"/>
+        <a:font script="Hans" typeface="宋体"/>
+        <a:font script="Hant" typeface="新細明體"/>
+        <a:font script="Arab" typeface="Arial"/>
+        <a:font script="Hebr" typeface="Arial"/>
+        <a:font script="Thai" typeface="Cordia New"/>
+        <a:font script="Ethi" typeface="Nyala"/>
+        <a:font script="Beng" typeface="Vrinda"/>
+        <a:font script="Gujr" typeface="Shruti"/>
+        <a:font script="Khmr" typeface="DaunPenh"/>
+        <a:font script="Knda" typeface="Tunga"/>
+        <a:font script="Guru" typeface="Raavi"/>
+        <a:font script="Cans" typeface="Euphemia"/>
+        <a:font script="Cher" typeface="Plantagenet Cherokee"/>
+        <a:font script="Yiii" typeface="Microsoft Yi Baiti"/>
+        <a:font script="Tibt" typeface="Microsoft Himalaya"/>
+        <a:font script="Thaa" typeface="MV Boli"/>
+        <a:font script="Deva" typeface="Mangal"/>
+        <a:font script="Telu" typeface="Gautami"/>
+        <a:font script="Taml" typeface="Latha"/>
+        <a:font script="Syrc" typeface="Estrangelo Edessa"/>
+        <a:font script="Orya" typeface="Kalinga"/>
+        <a:font script="Mlym" typeface="Kartika"/>
+        <a:font script="Laoo" typeface="DokChampa"/>
+        <a:font script="Sinh" typeface="Iskoola Pota"/>
+        <a:font script="Mong" typeface="Mongolian Baiti"/>
+        <a:font script="Viet" typeface="Arial"/>
+        <a:font script="Uigh" typeface="Microsoft Uighur"/>
+        <a:font script="Geor" typeface="Sylfaen"/>
+      </a:minorFont>
+    </a:fontScheme>
+    <a:fmtScheme name="Office">
+      <a:fillStyleLst>
+        <a:solidFill>
+          <a:schemeClr val="phClr"/>
+        </a:solidFill>
+        <a:gradFill rotWithShape="1">
+          <a:gsLst>
+            <a:gs pos="0">
+              <a:schemeClr val="phClr">
+                <a:tint val="50000"/>
+                <a:satMod val="300000"/>
+              </a:schemeClr>
+            </a:gs>
+            <a:gs pos="35000">
+              <a:schemeClr val="phClr">
+                <a:tint val="37000"/>
+                <a:satMod val="300000"/>
+              </a:schemeClr>
+            </a:gs>
+            <a:gs pos="100000">
+              <a:schemeClr val="phClr">
+                <a:tint val="15000"/>
+                <a:satMod val="350000"/>
+              </a:schemeClr>
+            </a:gs>
+          </a:gsLst>
+          <a:lin ang="16200000" scaled="1"/>
+        </a:gradFill>
+        <a:gradFill rotWithShape="1">
+          <a:gsLst>
+            <a:gs pos="0">
+              <a:schemeClr val="phClr">
+                <a:tint val="100000"/>
+                <a:shade val="100000"/>
+                <a:satMod val="130000"/>
+              </a:schemeClr>
+            </a:gs>
+            <a:gs pos="100000">
+              <a:schemeClr val="phClr">
+                <a:tint val="50000"/>
+                <a:shade val="100000"/>
+                <a:satMod val="350000"/>
+              </a:schemeClr>
+            </a:gs>
+          </a:gsLst>
+          <a:lin ang="16200000" scaled="0"/>
+        </a:gradFill>
+      </a:fillStyleLst>
+      <a:lnStyleLst>
+        <a:ln w="9525" cap="flat" cmpd="sng" algn="ctr">
+          <a:solidFill>
+            <a:schemeClr val="phClr">
+              <a:shade val="95000"/>
+              <a:satMod val="105000"/>
+            </a:schemeClr>
+          </a:solidFill>
+          <a:prstDash val="solid"/>
+        </a:ln>
+        <a:ln w="25400" cap="flat" cmpd="sng" algn="ctr">
+          <a:solidFill>
+            <a:schemeClr val="phClr"/>
+          </a:solidFill>
+          <a:prstDash val="solid"/>
+        </a:ln>
+        <a:ln w="38100" cap="flat" cmpd="sng" algn="ctr">
+          <a:solidFill>
+            <a:schemeClr val="phClr"/>
+          </a:solidFill>
+          <a:prstDash val="solid"/>
+        </a:ln>
+      </a:lnStyleLst>
+      <a:effectStyleLst>
+        <a:effectStyle>
+          <a:effectLst>
+            <a:outerShdw blurRad="40000" dist="20000" dir="5400000" rotWithShape="0">
+              <a:srgbClr val="000000">
+                <a:alpha val="38000"/>
+              </a:srgbClr>
+            </a:outerShdw>
+          </a:effectLst>
+        </a:effectStyle>
+        <a:effectStyle>
+          <a:effectLst>
+            <a:outerShdw blurRad="40000" dist="23000" dir="5400000" rotWithShape="0">
+              <a:srgbClr val="000000">
+                <a:alpha val="35000"/>
+              </a:srgbClr>
+            </a:outerShdw>
+          </a:effectLst>
+        </a:effectStyle>
+        <a:effectStyle>
+          <a:effectLst>
+            <a:outerShdw blurRad="40000" dist="23000" dir="5400000" rotWithShape="0">
+              <a:srgbClr val="000000">
+                <a:alpha val="35000"/>
+              </a:srgbClr>
+            </a:outerShdw>
+          </a:effectLst>
+          <a:scene3d>
+            <a:camera prst="orthographicFront">
+              <a:rot lat="0" lon="0" rev="0"/>
+            </a:camera>
+            <a:lightRig rig="threePt" dir="t">
+              <a:rot lat="0" lon="0" rev="1200000"/>
+            </a:lightRig>
+          </a:scene3d>
+          <a:sp3d>
+            <a:bevelT w="63500" h="25400"/>
+          </a:sp3d>
+        </a:effectStyle>
+      </a:effectStyleLst>
+      <a:bgFillStyleLst>
+        <a:solidFill>
+          <a:schemeClr val="phClr"/>
+        </a:solidFill>
+        <a:gradFill rotWithShape="1">
+          <a:gsLst>
+            <a:gs pos="0">
+              <a:schemeClr val="phClr">
+                <a:tint val="40000"/>
+                <a:satMod val="350000"/>
+              </a:schemeClr>
+            </a:gs>
+            <a:gs pos="40000">
+              <a:schemeClr val="phClr">
+                <a:tint val="45000"/>
+                <a:shade val="99000"/>
+                <a:satMod val="350000"/>
+              </a:schemeClr>
+            </a:gs>
+            <a:gs pos="100000">
+              <a:schemeClr val="phClr">
+                <a:shade val="20000"/>
+                <a:satMod val="255000"/>
+              </a:schemeClr>
+            </a:gs>
+          </a:gsLst>
+          <a:path path="circle">
+            <a:fillToRect l="50000" t="-80000" r="50000" b="180000"/>
+          </a:path>
+        </a:gradFill>
+        <a:gradFill rotWithShape="1">
+          <a:gsLst>
+            <a:gs pos="0">
+              <a:schemeClr val="phClr">
+                <a:tint val="80000"/>
+                <a:satMod val="300000"/>
+              </a:schemeClr>
+            </a:gs>
+            <a:gs pos="100000">
+              <a:schemeClr val="phClr">
+                <a:shade val="30000"/>
+                <a:satMod val="200000"/>
+              </a:schemeClr>
+            </a:gs>
+          </a:gsLst>
+          <a:path path="circle">
+            <a:fillToRect l="50000" t="50000" r="50000" b="50000"/>
+          </a:path>
+        </a:gradFill>
+      </a:bgFillStyleLst>
+    </a:fmtScheme>
+  </a:themeElements>
+</a:theme>
+</file>
+
+<file path=ppt/theme/theme2.xml><?xml version="1.0" encoding="utf-8"?>
 <a:theme xmlns:a="http://schemas.openxmlformats.org/drawingml/2006/main" xmlns:r="http://schemas.openxmlformats.org/officeDocument/2006/relationships">
   <a:themeElements>
     <a:clrScheme name="Default">
@@ -8018,283 +8297,4 @@
     </a:fmtScheme>
   </a:themeElements>
 </a:theme>
-</file>
-
-<file path=ppt/theme/theme2.xml><?xml version="1.0" encoding="utf-8"?>
-<a:theme xmlns:a="http://schemas.openxmlformats.org/drawingml/2006/main" xmlns:r="http://schemas.openxmlformats.org/officeDocument/2006/relationships" name="Simple Light">
-  <a:themeElements>
-    <a:clrScheme name="Simple Light">
-      <a:dk1>
-        <a:srgbClr val="335599"/>
-      </a:dk1>
-      <a:lt1>
-        <a:srgbClr val="FFFFFF"/>
-      </a:lt1>
-      <a:dk2>
-        <a:srgbClr val="595959"/>
-      </a:dk2>
-      <a:lt2>
-        <a:srgbClr val="EEEEEE"/>
-      </a:lt2>
-      <a:accent1>
-        <a:srgbClr val="4285F4"/>
-      </a:accent1>
-      <a:accent2>
-        <a:srgbClr val="212121"/>
-      </a:accent2>
-      <a:accent3>
-        <a:srgbClr val="78909C"/>
-      </a:accent3>
-      <a:accent4>
-        <a:srgbClr val="FFAB40"/>
-      </a:accent4>
-      <a:accent5>
-        <a:srgbClr val="0097A7"/>
-      </a:accent5>
-      <a:accent6>
-        <a:srgbClr val="EEFF41"/>
-      </a:accent6>
-      <a:hlink>
-        <a:srgbClr val="0097A7"/>
-      </a:hlink>
-      <a:folHlink>
-        <a:srgbClr val="0097A7"/>
-      </a:folHlink>
-    </a:clrScheme>
-    <a:fontScheme name="Office">
-      <a:majorFont>
-        <a:latin typeface="Arial"/>
-        <a:ea typeface=""/>
-        <a:cs typeface=""/>
-        <a:font script="Jpan" typeface="ＭＳ Ｐゴシック"/>
-        <a:font script="Hang" typeface="맑은 고딕"/>
-        <a:font script="Hans" typeface="宋体"/>
-        <a:font script="Hant" typeface="新細明體"/>
-        <a:font script="Arab" typeface="Times New Roman"/>
-        <a:font script="Hebr" typeface="Times New Roman"/>
-        <a:font script="Thai" typeface="Angsana New"/>
-        <a:font script="Ethi" typeface="Nyala"/>
-        <a:font script="Beng" typeface="Vrinda"/>
-        <a:font script="Gujr" typeface="Shruti"/>
-        <a:font script="Khmr" typeface="MoolBoran"/>
-        <a:font script="Knda" typeface="Tunga"/>
-        <a:font script="Guru" typeface="Raavi"/>
-        <a:font script="Cans" typeface="Euphemia"/>
-        <a:font script="Cher" typeface="Plantagenet Cherokee"/>
-        <a:font script="Yiii" typeface="Microsoft Yi Baiti"/>
-        <a:font script="Tibt" typeface="Microsoft Himalaya"/>
-        <a:font script="Thaa" typeface="MV Boli"/>
-        <a:font script="Deva" typeface="Mangal"/>
-        <a:font script="Telu" typeface="Gautami"/>
-        <a:font script="Taml" typeface="Latha"/>
-        <a:font script="Syrc" typeface="Estrangelo Edessa"/>
-        <a:font script="Orya" typeface="Kalinga"/>
-        <a:font script="Mlym" typeface="Kartika"/>
-        <a:font script="Laoo" typeface="DokChampa"/>
-        <a:font script="Sinh" typeface="Iskoola Pota"/>
-        <a:font script="Mong" typeface="Mongolian Baiti"/>
-        <a:font script="Viet" typeface="Times New Roman"/>
-        <a:font script="Uigh" typeface="Microsoft Uighur"/>
-        <a:font script="Geor" typeface="Sylfaen"/>
-      </a:majorFont>
-      <a:minorFont>
-        <a:latin typeface="Arial"/>
-        <a:ea typeface=""/>
-        <a:cs typeface=""/>
-        <a:font script="Jpan" typeface="ＭＳ Ｐゴシック"/>
-        <a:font script="Hang" typeface="맑은 고딕"/>
-        <a:font script="Hans" typeface="宋体"/>
-        <a:font script="Hant" typeface="新細明體"/>
-        <a:font script="Arab" typeface="Arial"/>
-        <a:font script="Hebr" typeface="Arial"/>
-        <a:font script="Thai" typeface="Cordia New"/>
-        <a:font script="Ethi" typeface="Nyala"/>
-        <a:font script="Beng" typeface="Vrinda"/>
-        <a:font script="Gujr" typeface="Shruti"/>
-        <a:font script="Khmr" typeface="DaunPenh"/>
-        <a:font script="Knda" typeface="Tunga"/>
-        <a:font script="Guru" typeface="Raavi"/>
-        <a:font script="Cans" typeface="Euphemia"/>
-        <a:font script="Cher" typeface="Plantagenet Cherokee"/>
-        <a:font script="Yiii" typeface="Microsoft Yi Baiti"/>
-        <a:font script="Tibt" typeface="Microsoft Himalaya"/>
-        <a:font script="Thaa" typeface="MV Boli"/>
-        <a:font script="Deva" typeface="Mangal"/>
-        <a:font script="Telu" typeface="Gautami"/>
-        <a:font script="Taml" typeface="Latha"/>
-        <a:font script="Syrc" typeface="Estrangelo Edessa"/>
-        <a:font script="Orya" typeface="Kalinga"/>
-        <a:font script="Mlym" typeface="Kartika"/>
-        <a:font script="Laoo" typeface="DokChampa"/>
-        <a:font script="Sinh" typeface="Iskoola Pota"/>
-        <a:font script="Mong" typeface="Mongolian Baiti"/>
-        <a:font script="Viet" typeface="Arial"/>
-        <a:font script="Uigh" typeface="Microsoft Uighur"/>
-        <a:font script="Geor" typeface="Sylfaen"/>
-      </a:minorFont>
-    </a:fontScheme>
-    <a:fmtScheme name="Office">
-      <a:fillStyleLst>
-        <a:solidFill>
-          <a:schemeClr val="phClr"/>
-        </a:solidFill>
-        <a:gradFill rotWithShape="1">
-          <a:gsLst>
-            <a:gs pos="0">
-              <a:schemeClr val="phClr">
-                <a:tint val="50000"/>
-                <a:satMod val="300000"/>
-              </a:schemeClr>
-            </a:gs>
-            <a:gs pos="35000">
-              <a:schemeClr val="phClr">
-                <a:tint val="37000"/>
-                <a:satMod val="300000"/>
-              </a:schemeClr>
-            </a:gs>
-            <a:gs pos="100000">
-              <a:schemeClr val="phClr">
-                <a:tint val="15000"/>
-                <a:satMod val="350000"/>
-              </a:schemeClr>
-            </a:gs>
-          </a:gsLst>
-          <a:lin ang="16200000" scaled="1"/>
-        </a:gradFill>
-        <a:gradFill rotWithShape="1">
-          <a:gsLst>
-            <a:gs pos="0">
-              <a:schemeClr val="phClr">
-                <a:tint val="100000"/>
-                <a:shade val="100000"/>
-                <a:satMod val="130000"/>
-              </a:schemeClr>
-            </a:gs>
-            <a:gs pos="100000">
-              <a:schemeClr val="phClr">
-                <a:tint val="50000"/>
-                <a:shade val="100000"/>
-                <a:satMod val="350000"/>
-              </a:schemeClr>
-            </a:gs>
-          </a:gsLst>
-          <a:lin ang="16200000" scaled="0"/>
-        </a:gradFill>
-      </a:fillStyleLst>
-      <a:lnStyleLst>
-        <a:ln w="9525" cap="flat" cmpd="sng" algn="ctr">
-          <a:solidFill>
-            <a:schemeClr val="phClr">
-              <a:shade val="95000"/>
-              <a:satMod val="105000"/>
-            </a:schemeClr>
-          </a:solidFill>
-          <a:prstDash val="solid"/>
-        </a:ln>
-        <a:ln w="25400" cap="flat" cmpd="sng" algn="ctr">
-          <a:solidFill>
-            <a:schemeClr val="phClr"/>
-          </a:solidFill>
-          <a:prstDash val="solid"/>
-        </a:ln>
-        <a:ln w="38100" cap="flat" cmpd="sng" algn="ctr">
-          <a:solidFill>
-            <a:schemeClr val="phClr"/>
-          </a:solidFill>
-          <a:prstDash val="solid"/>
-        </a:ln>
-      </a:lnStyleLst>
-      <a:effectStyleLst>
-        <a:effectStyle>
-          <a:effectLst>
-            <a:outerShdw blurRad="40000" dist="20000" dir="5400000" rotWithShape="0">
-              <a:srgbClr val="000000">
-                <a:alpha val="38000"/>
-              </a:srgbClr>
-            </a:outerShdw>
-          </a:effectLst>
-        </a:effectStyle>
-        <a:effectStyle>
-          <a:effectLst>
-            <a:outerShdw blurRad="40000" dist="23000" dir="5400000" rotWithShape="0">
-              <a:srgbClr val="000000">
-                <a:alpha val="35000"/>
-              </a:srgbClr>
-            </a:outerShdw>
-          </a:effectLst>
-        </a:effectStyle>
-        <a:effectStyle>
-          <a:effectLst>
-            <a:outerShdw blurRad="40000" dist="23000" dir="5400000" rotWithShape="0">
-              <a:srgbClr val="000000">
-                <a:alpha val="35000"/>
-              </a:srgbClr>
-            </a:outerShdw>
-          </a:effectLst>
-          <a:scene3d>
-            <a:camera prst="orthographicFront">
-              <a:rot lat="0" lon="0" rev="0"/>
-            </a:camera>
-            <a:lightRig rig="threePt" dir="t">
-              <a:rot lat="0" lon="0" rev="1200000"/>
-            </a:lightRig>
-          </a:scene3d>
-          <a:sp3d>
-            <a:bevelT w="63500" h="25400"/>
-          </a:sp3d>
-        </a:effectStyle>
-      </a:effectStyleLst>
-      <a:bgFillStyleLst>
-        <a:solidFill>
-          <a:schemeClr val="phClr"/>
-        </a:solidFill>
-        <a:gradFill rotWithShape="1">
-          <a:gsLst>
-            <a:gs pos="0">
-              <a:schemeClr val="phClr">
-                <a:tint val="40000"/>
-                <a:satMod val="350000"/>
-              </a:schemeClr>
-            </a:gs>
-            <a:gs pos="40000">
-              <a:schemeClr val="phClr">
-                <a:tint val="45000"/>
-                <a:shade val="99000"/>
-                <a:satMod val="350000"/>
-              </a:schemeClr>
-            </a:gs>
-            <a:gs pos="100000">
-              <a:schemeClr val="phClr">
-                <a:shade val="20000"/>
-                <a:satMod val="255000"/>
-              </a:schemeClr>
-            </a:gs>
-          </a:gsLst>
-          <a:path path="circle">
-            <a:fillToRect l="50000" t="-80000" r="50000" b="180000"/>
-          </a:path>
-        </a:gradFill>
-        <a:gradFill rotWithShape="1">
-          <a:gsLst>
-            <a:gs pos="0">
-              <a:schemeClr val="phClr">
-                <a:tint val="80000"/>
-                <a:satMod val="300000"/>
-              </a:schemeClr>
-            </a:gs>
-            <a:gs pos="100000">
-              <a:schemeClr val="phClr">
-                <a:shade val="30000"/>
-                <a:satMod val="200000"/>
-              </a:schemeClr>
-            </a:gs>
-          </a:gsLst>
-          <a:path path="circle">
-            <a:fillToRect l="50000" t="50000" r="50000" b="50000"/>
-          </a:path>
-        </a:gradFill>
-      </a:bgFillStyleLst>
-    </a:fmtScheme>
-  </a:themeElements>
-</a:theme>
 </file>
--- a/šablony/prezentace/Prezentace GJK.pptx
+++ b/šablony/prezentace/Prezentace GJK.pptx
@@ -5745,37 +5745,9 @@
           </a:p>
         </p:txBody>
       </p:sp>
-      <p:pic>
-        <p:nvPicPr>
-          <p:cNvPr id="9" name="Google Shape;9;p1"/>
-          <p:cNvPicPr preferRelativeResize="0"/>
-          <p:nvPr/>
-        </p:nvPicPr>
-        <p:blipFill>
-          <a:blip r:embed="rId1">
-            <a:alphaModFix/>
-          </a:blip>
-          <a:stretch>
-            <a:fillRect/>
-          </a:stretch>
-        </p:blipFill>
-        <p:spPr>
-          <a:xfrm>
-            <a:off x="0" y="4441075"/>
-            <a:ext cx="2011375" cy="702425"/>
-          </a:xfrm>
-          <a:prstGeom prst="rect">
-            <a:avLst/>
-          </a:prstGeom>
-          <a:noFill/>
-          <a:ln>
-            <a:noFill/>
-          </a:ln>
-        </p:spPr>
-      </p:pic>
       <p:cxnSp>
         <p:nvCxnSpPr>
-          <p:cNvPr id="10" name="Google Shape;10;p1"/>
+          <p:cNvPr id="9" name="Google Shape;9;p1"/>
           <p:cNvCxnSpPr/>
           <p:nvPr/>
         </p:nvCxnSpPr>
@@ -5799,6 +5771,34 @@
           </a:ln>
         </p:spPr>
       </p:cxnSp>
+      <p:pic>
+        <p:nvPicPr>
+          <p:cNvPr id="10" name="Google Shape;10;p1"/>
+          <p:cNvPicPr preferRelativeResize="0"/>
+          <p:nvPr/>
+        </p:nvPicPr>
+        <p:blipFill>
+          <a:blip r:embed="rId1">
+            <a:alphaModFix/>
+          </a:blip>
+          <a:stretch>
+            <a:fillRect/>
+          </a:stretch>
+        </p:blipFill>
+        <p:spPr>
+          <a:xfrm>
+            <a:off x="0" y="4441083"/>
+            <a:ext cx="2011375" cy="702434"/>
+          </a:xfrm>
+          <a:prstGeom prst="rect">
+            <a:avLst/>
+          </a:prstGeom>
+          <a:noFill/>
+          <a:ln>
+            <a:noFill/>
+          </a:ln>
+        </p:spPr>
+      </p:pic>
     </p:spTree>
   </p:cSld>
   <p:clrMap accent1="accent1" accent2="accent2" accent3="accent3" accent4="accent4" accent5="accent5" accent6="accent6" bg1="lt1" bg2="dk2" tx1="dk1" tx2="lt2" folHlink="folHlink" hlink="hlink"/>

--- a/šablony/prezentace/Prezentace GJK.pptx
+++ b/šablony/prezentace/Prezentace GJK.pptx
@@ -1,38 +1,38 @@
 
 <file path=ppt/presentation.xml><?xml version="1.0" encoding="utf-8"?>
-<p:presentation xmlns:a="http://schemas.openxmlformats.org/drawingml/2006/main" xmlns:r="http://schemas.openxmlformats.org/officeDocument/2006/relationships" xmlns:mc="http://schemas.openxmlformats.org/markup-compatibility/2006" xmlns:mv="urn:schemas-microsoft-com:mac:vml" xmlns:p="http://schemas.openxmlformats.org/presentationml/2006/main" xmlns:c="http://schemas.openxmlformats.org/drawingml/2006/chart" xmlns:dgm="http://schemas.openxmlformats.org/drawingml/2006/diagram" xmlns:o="urn:schemas-microsoft-com:office:office" xmlns:v="urn:schemas-microsoft-com:vml" xmlns:pvml="urn:schemas-microsoft-com:office:powerpoint" xmlns:com="http://schemas.openxmlformats.org/drawingml/2006/compatibility" xmlns:p14="http://schemas.microsoft.com/office/powerpoint/2010/main" xmlns:p15="http://schemas.microsoft.com/office/powerpoint/2012/main" xmlns:ahyp="http://schemas.microsoft.com/office/drawing/2018/hyperlinkcolor" autoCompressPictures="0" embedTrueTypeFonts="1" strictFirstAndLastChars="0" saveSubsetFonts="1">
+<p:presentation xmlns:a="http://schemas.openxmlformats.org/drawingml/2006/main" xmlns:r="http://schemas.openxmlformats.org/officeDocument/2006/relationships" xmlns:p="http://schemas.openxmlformats.org/presentationml/2006/main" strictFirstAndLastChars="0" embedTrueTypeFonts="1" saveSubsetFonts="1" autoCompressPictures="0">
   <p:sldMasterIdLst>
-    <p:sldMasterId id="2147483659" r:id="rId4"/>
+    <p:sldMasterId id="2147483660" r:id="rId1"/>
   </p:sldMasterIdLst>
   <p:notesMasterIdLst>
-    <p:notesMasterId r:id="rId5"/>
+    <p:notesMasterId r:id="rId13"/>
   </p:notesMasterIdLst>
   <p:sldIdLst>
-    <p:sldId id="256" r:id="rId6"/>
-    <p:sldId id="257" r:id="rId7"/>
-    <p:sldId id="258" r:id="rId8"/>
-    <p:sldId id="259" r:id="rId9"/>
-    <p:sldId id="260" r:id="rId10"/>
-    <p:sldId id="261" r:id="rId11"/>
-    <p:sldId id="262" r:id="rId12"/>
-    <p:sldId id="263" r:id="rId13"/>
-    <p:sldId id="264" r:id="rId14"/>
-    <p:sldId id="265" r:id="rId15"/>
-    <p:sldId id="266" r:id="rId16"/>
+    <p:sldId id="256" r:id="rId2"/>
+    <p:sldId id="257" r:id="rId3"/>
+    <p:sldId id="258" r:id="rId4"/>
+    <p:sldId id="259" r:id="rId5"/>
+    <p:sldId id="260" r:id="rId6"/>
+    <p:sldId id="261" r:id="rId7"/>
+    <p:sldId id="262" r:id="rId8"/>
+    <p:sldId id="263" r:id="rId9"/>
+    <p:sldId id="264" r:id="rId10"/>
+    <p:sldId id="265" r:id="rId11"/>
+    <p:sldId id="266" r:id="rId12"/>
   </p:sldIdLst>
-  <p:sldSz cy="5143500" cx="9144000"/>
+  <p:sldSz cx="9144000" cy="5143500" type="screen16x9"/>
   <p:notesSz cx="6858000" cy="9144000"/>
   <p:embeddedFontLst>
     <p:embeddedFont>
-      <p:font typeface="Prompt Medium"/>
-      <p:regular r:id="rId17"/>
-      <p:bold r:id="rId18"/>
-      <p:italic r:id="rId19"/>
-      <p:boldItalic r:id="rId20"/>
+      <p:font typeface="Prompt Medium" panose="00000600000000000000" pitchFamily="2" charset="-34"/>
+      <p:regular r:id="rId14"/>
+      <p:bold r:id="rId15"/>
+      <p:italic r:id="rId16"/>
+      <p:boldItalic r:id="rId17"/>
     </p:embeddedFont>
   </p:embeddedFontLst>
   <p:defaultTextStyle>
-    <a:defPPr lvl="0" marR="0" rtl="0" algn="l">
+    <a:defPPr marR="0" lvl="0" algn="l" rtl="0">
       <a:lnSpc>
         <a:spcPct val="100000"/>
       </a:lnSpc>
@@ -43,7 +43,7 @@
         <a:spcPts val="0"/>
       </a:spcAft>
     </a:defPPr>
-    <a:lvl1pPr lvl="0" marR="0" rtl="0" algn="l">
+    <a:lvl1pPr marR="0" lvl="0" algn="l" rtl="0">
       <a:lnSpc>
         <a:spcPct val="100000"/>
       </a:lnSpc>
@@ -57,7 +57,7 @@
         <a:srgbClr val="000000"/>
       </a:buClr>
       <a:buFont typeface="Arial"/>
-      <a:defRPr b="0" i="0" sz="1400" u="none" cap="none" strike="noStrike">
+      <a:defRPr sz="1400" b="0" i="0" u="none" strike="noStrike" cap="none">
         <a:solidFill>
           <a:srgbClr val="000000"/>
         </a:solidFill>
@@ -67,7 +67,7 @@
         <a:sym typeface="Arial"/>
       </a:defRPr>
     </a:lvl1pPr>
-    <a:lvl2pPr lvl="1" marR="0" rtl="0" algn="l">
+    <a:lvl2pPr marR="0" lvl="1" algn="l" rtl="0">
       <a:lnSpc>
         <a:spcPct val="100000"/>
       </a:lnSpc>
@@ -81,7 +81,7 @@
         <a:srgbClr val="000000"/>
       </a:buClr>
       <a:buFont typeface="Arial"/>
-      <a:defRPr b="0" i="0" sz="1400" u="none" cap="none" strike="noStrike">
+      <a:defRPr sz="1400" b="0" i="0" u="none" strike="noStrike" cap="none">
         <a:solidFill>
           <a:srgbClr val="000000"/>
         </a:solidFill>
@@ -91,7 +91,7 @@
         <a:sym typeface="Arial"/>
       </a:defRPr>
     </a:lvl2pPr>
-    <a:lvl3pPr lvl="2" marR="0" rtl="0" algn="l">
+    <a:lvl3pPr marR="0" lvl="2" algn="l" rtl="0">
       <a:lnSpc>
         <a:spcPct val="100000"/>
       </a:lnSpc>
@@ -105,7 +105,7 @@
         <a:srgbClr val="000000"/>
       </a:buClr>
       <a:buFont typeface="Arial"/>
-      <a:defRPr b="0" i="0" sz="1400" u="none" cap="none" strike="noStrike">
+      <a:defRPr sz="1400" b="0" i="0" u="none" strike="noStrike" cap="none">
         <a:solidFill>
           <a:srgbClr val="000000"/>
         </a:solidFill>
@@ -115,7 +115,7 @@
         <a:sym typeface="Arial"/>
       </a:defRPr>
     </a:lvl3pPr>
-    <a:lvl4pPr lvl="3" marR="0" rtl="0" algn="l">
+    <a:lvl4pPr marR="0" lvl="3" algn="l" rtl="0">
       <a:lnSpc>
         <a:spcPct val="100000"/>
       </a:lnSpc>
@@ -129,7 +129,7 @@
         <a:srgbClr val="000000"/>
       </a:buClr>
       <a:buFont typeface="Arial"/>
-      <a:defRPr b="0" i="0" sz="1400" u="none" cap="none" strike="noStrike">
+      <a:defRPr sz="1400" b="0" i="0" u="none" strike="noStrike" cap="none">
         <a:solidFill>
           <a:srgbClr val="000000"/>
         </a:solidFill>
@@ -139,7 +139,7 @@
         <a:sym typeface="Arial"/>
       </a:defRPr>
     </a:lvl4pPr>
-    <a:lvl5pPr lvl="4" marR="0" rtl="0" algn="l">
+    <a:lvl5pPr marR="0" lvl="4" algn="l" rtl="0">
       <a:lnSpc>
         <a:spcPct val="100000"/>
       </a:lnSpc>
@@ -153,7 +153,7 @@
         <a:srgbClr val="000000"/>
       </a:buClr>
       <a:buFont typeface="Arial"/>
-      <a:defRPr b="0" i="0" sz="1400" u="none" cap="none" strike="noStrike">
+      <a:defRPr sz="1400" b="0" i="0" u="none" strike="noStrike" cap="none">
         <a:solidFill>
           <a:srgbClr val="000000"/>
         </a:solidFill>
@@ -163,7 +163,7 @@
         <a:sym typeface="Arial"/>
       </a:defRPr>
     </a:lvl5pPr>
-    <a:lvl6pPr lvl="5" marR="0" rtl="0" algn="l">
+    <a:lvl6pPr marR="0" lvl="5" algn="l" rtl="0">
       <a:lnSpc>
         <a:spcPct val="100000"/>
       </a:lnSpc>
@@ -177,7 +177,7 @@
         <a:srgbClr val="000000"/>
       </a:buClr>
       <a:buFont typeface="Arial"/>
-      <a:defRPr b="0" i="0" sz="1400" u="none" cap="none" strike="noStrike">
+      <a:defRPr sz="1400" b="0" i="0" u="none" strike="noStrike" cap="none">
         <a:solidFill>
           <a:srgbClr val="000000"/>
         </a:solidFill>
@@ -187,7 +187,7 @@
         <a:sym typeface="Arial"/>
       </a:defRPr>
     </a:lvl6pPr>
-    <a:lvl7pPr lvl="6" marR="0" rtl="0" algn="l">
+    <a:lvl7pPr marR="0" lvl="6" algn="l" rtl="0">
       <a:lnSpc>
         <a:spcPct val="100000"/>
       </a:lnSpc>
@@ -201,7 +201,7 @@
         <a:srgbClr val="000000"/>
       </a:buClr>
       <a:buFont typeface="Arial"/>
-      <a:defRPr b="0" i="0" sz="1400" u="none" cap="none" strike="noStrike">
+      <a:defRPr sz="1400" b="0" i="0" u="none" strike="noStrike" cap="none">
         <a:solidFill>
           <a:srgbClr val="000000"/>
         </a:solidFill>
@@ -211,7 +211,7 @@
         <a:sym typeface="Arial"/>
       </a:defRPr>
     </a:lvl7pPr>
-    <a:lvl8pPr lvl="7" marR="0" rtl="0" algn="l">
+    <a:lvl8pPr marR="0" lvl="7" algn="l" rtl="0">
       <a:lnSpc>
         <a:spcPct val="100000"/>
       </a:lnSpc>
@@ -225,7 +225,7 @@
         <a:srgbClr val="000000"/>
       </a:buClr>
       <a:buFont typeface="Arial"/>
-      <a:defRPr b="0" i="0" sz="1400" u="none" cap="none" strike="noStrike">
+      <a:defRPr sz="1400" b="0" i="0" u="none" strike="noStrike" cap="none">
         <a:solidFill>
           <a:srgbClr val="000000"/>
         </a:solidFill>
@@ -235,7 +235,7 @@
         <a:sym typeface="Arial"/>
       </a:defRPr>
     </a:lvl8pPr>
-    <a:lvl9pPr lvl="8" marR="0" rtl="0" algn="l">
+    <a:lvl9pPr marR="0" lvl="8" algn="l" rtl="0">
       <a:lnSpc>
         <a:spcPct val="100000"/>
       </a:lnSpc>
@@ -249,7 +249,7 @@
         <a:srgbClr val="000000"/>
       </a:buClr>
       <a:buFont typeface="Arial"/>
-      <a:defRPr b="0" i="0" sz="1400" u="none" cap="none" strike="noStrike">
+      <a:defRPr sz="1400" b="0" i="0" u="none" strike="noStrike" cap="none">
         <a:solidFill>
           <a:srgbClr val="000000"/>
         </a:solidFill>
@@ -262,7 +262,7 @@
   </p:defaultTextStyle>
   <p:extLst>
     <p:ext uri="{EFAFB233-063F-42B5-8137-9DF3F51BA10A}">
-      <p15:sldGuideLst>
+      <p15:sldGuideLst xmlns:p15="http://schemas.microsoft.com/office/powerpoint/2012/main">
         <p15:guide id="1" orient="horz" pos="1620">
           <p15:clr>
             <a:srgbClr val="747775"/>
@@ -280,11 +280,16 @@
 </file>
 
 <file path=ppt/notesMasters/notesMaster1.xml><?xml version="1.0" encoding="utf-8"?>
-<p:notesMaster xmlns:a="http://schemas.openxmlformats.org/drawingml/2006/main" xmlns:r="http://schemas.openxmlformats.org/officeDocument/2006/relationships" xmlns:mc="http://schemas.openxmlformats.org/markup-compatibility/2006" xmlns:mv="urn:schemas-microsoft-com:mac:vml" xmlns:p="http://schemas.openxmlformats.org/presentationml/2006/main" xmlns:c="http://schemas.openxmlformats.org/drawingml/2006/chart" xmlns:dgm="http://schemas.openxmlformats.org/drawingml/2006/diagram" xmlns:o="urn:schemas-microsoft-com:office:office" xmlns:v="urn:schemas-microsoft-com:vml" xmlns:pvml="urn:schemas-microsoft-com:office:powerpoint" xmlns:com="http://schemas.openxmlformats.org/drawingml/2006/compatibility" xmlns:p14="http://schemas.microsoft.com/office/powerpoint/2010/main" xmlns:p15="http://schemas.microsoft.com/office/powerpoint/2012/main" xmlns:ahyp="http://schemas.microsoft.com/office/drawing/2018/hyperlinkcolor">
+<p:notesMaster xmlns:a="http://schemas.openxmlformats.org/drawingml/2006/main" xmlns:r="http://schemas.openxmlformats.org/officeDocument/2006/relationships" xmlns:p="http://schemas.openxmlformats.org/presentationml/2006/main">
   <p:cSld>
+    <p:bg>
+      <p:bgRef idx="1001">
+        <a:schemeClr val="bg1"/>
+      </p:bgRef>
+    </p:bg>
     <p:spTree>
       <p:nvGrpSpPr>
-        <p:cNvPr id="2" name="Shape 2"/>
+        <p:cNvPr id="1" name="Shape 2"/>
         <p:cNvGrpSpPr/>
         <p:nvPr/>
       </p:nvGrpSpPr>
@@ -299,9 +304,11 @@
       <p:sp>
         <p:nvSpPr>
           <p:cNvPr id="3" name="Google Shape;3;n"/>
-          <p:cNvSpPr/>
+          <p:cNvSpPr>
+            <a:spLocks noGrp="1" noRot="1" noChangeAspect="1"/>
+          </p:cNvSpPr>
           <p:nvPr>
-            <p:ph idx="2" type="sldImg"/>
+            <p:ph type="sldImg" idx="2"/>
           </p:nvPr>
         </p:nvSpPr>
         <p:spPr>
@@ -310,9 +317,13 @@
             <a:ext cx="6096075" cy="3429000"/>
           </a:xfrm>
           <a:custGeom>
-            <a:rect b="b" l="l" r="r" t="t"/>
+            <a:avLst/>
+            <a:gdLst/>
+            <a:ahLst/>
+            <a:cxnLst/>
+            <a:rect l="l" t="t" r="r" b="b"/>
             <a:pathLst>
-              <a:path extrusionOk="0" h="120000" w="120000">
+              <a:path w="120000" h="120000" extrusionOk="0">
                 <a:moveTo>
                   <a:pt x="0" y="0"/>
                 </a:moveTo>
@@ -330,23 +341,25 @@
             </a:pathLst>
           </a:custGeom>
           <a:noFill/>
-          <a:ln cap="flat" cmpd="sng" w="9525">
+          <a:ln w="9525" cap="flat" cmpd="sng">
             <a:solidFill>
               <a:srgbClr val="000000"/>
             </a:solidFill>
             <a:prstDash val="solid"/>
             <a:round/>
-            <a:headEnd len="sm" w="sm" type="none"/>
-            <a:tailEnd len="sm" w="sm" type="none"/>
+            <a:headEnd type="none" w="sm" len="sm"/>
+            <a:tailEnd type="none" w="sm" len="sm"/>
           </a:ln>
         </p:spPr>
       </p:sp>
       <p:sp>
         <p:nvSpPr>
           <p:cNvPr id="4" name="Google Shape;4;n"/>
-          <p:cNvSpPr txBox="1"/>
+          <p:cNvSpPr txBox="1">
+            <a:spLocks noGrp="1"/>
+          </p:cNvSpPr>
           <p:nvPr>
-            <p:ph idx="1" type="body"/>
+            <p:ph type="body" idx="1"/>
           </p:nvPr>
         </p:nvSpPr>
         <p:spPr>
@@ -363,11 +376,11 @@
           </a:ln>
         </p:spPr>
         <p:txBody>
-          <a:bodyPr anchorCtr="0" anchor="t" bIns="91425" lIns="91425" spcFirstLastPara="1" rIns="91425" wrap="square" tIns="91425">
+          <a:bodyPr spcFirstLastPara="1" wrap="square" lIns="91425" tIns="91425" rIns="91425" bIns="91425" anchor="t" anchorCtr="0">
             <a:noAutofit/>
           </a:bodyPr>
           <a:lstStyle>
-            <a:lvl1pPr indent="-298450" lvl="0" marL="457200">
+            <a:lvl1pPr marL="457200" lvl="0" indent="-298450">
               <a:spcBef>
                 <a:spcPts val="0"/>
               </a:spcBef>
@@ -378,7 +391,7 @@
               <a:buChar char="●"/>
               <a:defRPr sz="1100"/>
             </a:lvl1pPr>
-            <a:lvl2pPr indent="-298450" lvl="1" marL="914400">
+            <a:lvl2pPr marL="914400" lvl="1" indent="-298450">
               <a:spcBef>
                 <a:spcPts val="0"/>
               </a:spcBef>
@@ -389,7 +402,7 @@
               <a:buChar char="○"/>
               <a:defRPr sz="1100"/>
             </a:lvl2pPr>
-            <a:lvl3pPr indent="-298450" lvl="2" marL="1371600">
+            <a:lvl3pPr marL="1371600" lvl="2" indent="-298450">
               <a:spcBef>
                 <a:spcPts val="0"/>
               </a:spcBef>
@@ -400,7 +413,7 @@
               <a:buChar char="■"/>
               <a:defRPr sz="1100"/>
             </a:lvl3pPr>
-            <a:lvl4pPr indent="-298450" lvl="3" marL="1828800">
+            <a:lvl4pPr marL="1828800" lvl="3" indent="-298450">
               <a:spcBef>
                 <a:spcPts val="0"/>
               </a:spcBef>
@@ -411,7 +424,7 @@
               <a:buChar char="●"/>
               <a:defRPr sz="1100"/>
             </a:lvl4pPr>
-            <a:lvl5pPr indent="-298450" lvl="4" marL="2286000">
+            <a:lvl5pPr marL="2286000" lvl="4" indent="-298450">
               <a:spcBef>
                 <a:spcPts val="0"/>
               </a:spcBef>
@@ -422,7 +435,7 @@
               <a:buChar char="○"/>
               <a:defRPr sz="1100"/>
             </a:lvl5pPr>
-            <a:lvl6pPr indent="-298450" lvl="5" marL="2743200">
+            <a:lvl6pPr marL="2743200" lvl="5" indent="-298450">
               <a:spcBef>
                 <a:spcPts val="0"/>
               </a:spcBef>
@@ -433,7 +446,7 @@
               <a:buChar char="■"/>
               <a:defRPr sz="1100"/>
             </a:lvl6pPr>
-            <a:lvl7pPr indent="-298450" lvl="6" marL="3200400">
+            <a:lvl7pPr marL="3200400" lvl="6" indent="-298450">
               <a:spcBef>
                 <a:spcPts val="0"/>
               </a:spcBef>
@@ -444,7 +457,7 @@
               <a:buChar char="●"/>
               <a:defRPr sz="1100"/>
             </a:lvl7pPr>
-            <a:lvl8pPr indent="-298450" lvl="7" marL="3657600">
+            <a:lvl8pPr marL="3657600" lvl="7" indent="-298450">
               <a:spcBef>
                 <a:spcPts val="0"/>
               </a:spcBef>
@@ -455,7 +468,7 @@
               <a:buChar char="○"/>
               <a:defRPr sz="1100"/>
             </a:lvl8pPr>
-            <a:lvl9pPr indent="-298450" lvl="8" marL="4114800">
+            <a:lvl9pPr marL="4114800" lvl="8" indent="-298450">
               <a:spcBef>
                 <a:spcPts val="0"/>
               </a:spcBef>
@@ -467,14 +480,16 @@
               <a:defRPr sz="1100"/>
             </a:lvl9pPr>
           </a:lstStyle>
-          <a:p/>
+          <a:p>
+            <a:endParaRPr/>
+          </a:p>
         </p:txBody>
       </p:sp>
     </p:spTree>
   </p:cSld>
-  <p:clrMap accent1="accent1" accent2="accent2" accent3="accent3" accent4="accent4" accent5="accent5" accent6="accent6" bg1="lt1" bg2="dk2" tx1="dk1" tx2="lt2" folHlink="folHlink" hlink="hlink"/>
+  <p:clrMap bg1="lt1" tx1="dk1" bg2="dk2" tx2="lt2" accent1="accent1" accent2="accent2" accent3="accent3" accent4="accent4" accent5="accent5" accent6="accent6" hlink="hlink" folHlink="folHlink"/>
   <p:notesStyle>
-    <a:defPPr lvl="0" marR="0" rtl="0" algn="l">
+    <a:defPPr marR="0" lvl="0" algn="l" rtl="0">
       <a:lnSpc>
         <a:spcPct val="100000"/>
       </a:lnSpc>
@@ -485,7 +500,7 @@
         <a:spcPts val="0"/>
       </a:spcAft>
     </a:defPPr>
-    <a:lvl1pPr lvl="0" marR="0" rtl="0" algn="l">
+    <a:lvl1pPr marR="0" lvl="0" algn="l" rtl="0">
       <a:lnSpc>
         <a:spcPct val="100000"/>
       </a:lnSpc>
@@ -499,7 +514,7 @@
         <a:srgbClr val="000000"/>
       </a:buClr>
       <a:buFont typeface="Arial"/>
-      <a:defRPr b="0" i="0" sz="1400" u="none" cap="none" strike="noStrike">
+      <a:defRPr sz="1400" b="0" i="0" u="none" strike="noStrike" cap="none">
         <a:solidFill>
           <a:srgbClr val="000000"/>
         </a:solidFill>
@@ -509,7 +524,7 @@
         <a:sym typeface="Arial"/>
       </a:defRPr>
     </a:lvl1pPr>
-    <a:lvl2pPr lvl="1" marR="0" rtl="0" algn="l">
+    <a:lvl2pPr marR="0" lvl="1" algn="l" rtl="0">
       <a:lnSpc>
         <a:spcPct val="100000"/>
       </a:lnSpc>
@@ -523,7 +538,7 @@
         <a:srgbClr val="000000"/>
       </a:buClr>
       <a:buFont typeface="Arial"/>
-      <a:defRPr b="0" i="0" sz="1400" u="none" cap="none" strike="noStrike">
+      <a:defRPr sz="1400" b="0" i="0" u="none" strike="noStrike" cap="none">
         <a:solidFill>
           <a:srgbClr val="000000"/>
         </a:solidFill>
@@ -533,7 +548,7 @@
         <a:sym typeface="Arial"/>
       </a:defRPr>
     </a:lvl2pPr>
-    <a:lvl3pPr lvl="2" marR="0" rtl="0" algn="l">
+    <a:lvl3pPr marR="0" lvl="2" algn="l" rtl="0">
       <a:lnSpc>
         <a:spcPct val="100000"/>
       </a:lnSpc>
@@ -547,7 +562,7 @@
         <a:srgbClr val="000000"/>
       </a:buClr>
       <a:buFont typeface="Arial"/>
-      <a:defRPr b="0" i="0" sz="1400" u="none" cap="none" strike="noStrike">
+      <a:defRPr sz="1400" b="0" i="0" u="none" strike="noStrike" cap="none">
         <a:solidFill>
           <a:srgbClr val="000000"/>
         </a:solidFill>
@@ -557,7 +572,7 @@
         <a:sym typeface="Arial"/>
       </a:defRPr>
     </a:lvl3pPr>
-    <a:lvl4pPr lvl="3" marR="0" rtl="0" algn="l">
+    <a:lvl4pPr marR="0" lvl="3" algn="l" rtl="0">
       <a:lnSpc>
         <a:spcPct val="100000"/>
       </a:lnSpc>
@@ -571,7 +586,7 @@
         <a:srgbClr val="000000"/>
       </a:buClr>
       <a:buFont typeface="Arial"/>
-      <a:defRPr b="0" i="0" sz="1400" u="none" cap="none" strike="noStrike">
+      <a:defRPr sz="1400" b="0" i="0" u="none" strike="noStrike" cap="none">
         <a:solidFill>
           <a:srgbClr val="000000"/>
         </a:solidFill>
@@ -581,7 +596,7 @@
         <a:sym typeface="Arial"/>
       </a:defRPr>
     </a:lvl4pPr>
-    <a:lvl5pPr lvl="4" marR="0" rtl="0" algn="l">
+    <a:lvl5pPr marR="0" lvl="4" algn="l" rtl="0">
       <a:lnSpc>
         <a:spcPct val="100000"/>
       </a:lnSpc>
@@ -595,7 +610,7 @@
         <a:srgbClr val="000000"/>
       </a:buClr>
       <a:buFont typeface="Arial"/>
-      <a:defRPr b="0" i="0" sz="1400" u="none" cap="none" strike="noStrike">
+      <a:defRPr sz="1400" b="0" i="0" u="none" strike="noStrike" cap="none">
         <a:solidFill>
           <a:srgbClr val="000000"/>
         </a:solidFill>
@@ -605,7 +620,7 @@
         <a:sym typeface="Arial"/>
       </a:defRPr>
     </a:lvl5pPr>
-    <a:lvl6pPr lvl="5" marR="0" rtl="0" algn="l">
+    <a:lvl6pPr marR="0" lvl="5" algn="l" rtl="0">
       <a:lnSpc>
         <a:spcPct val="100000"/>
       </a:lnSpc>
@@ -619,7 +634,7 @@
         <a:srgbClr val="000000"/>
       </a:buClr>
       <a:buFont typeface="Arial"/>
-      <a:defRPr b="0" i="0" sz="1400" u="none" cap="none" strike="noStrike">
+      <a:defRPr sz="1400" b="0" i="0" u="none" strike="noStrike" cap="none">
         <a:solidFill>
           <a:srgbClr val="000000"/>
         </a:solidFill>
@@ -629,7 +644,7 @@
         <a:sym typeface="Arial"/>
       </a:defRPr>
     </a:lvl6pPr>
-    <a:lvl7pPr lvl="6" marR="0" rtl="0" algn="l">
+    <a:lvl7pPr marR="0" lvl="6" algn="l" rtl="0">
       <a:lnSpc>
         <a:spcPct val="100000"/>
       </a:lnSpc>
@@ -643,7 +658,7 @@
         <a:srgbClr val="000000"/>
       </a:buClr>
       <a:buFont typeface="Arial"/>
-      <a:defRPr b="0" i="0" sz="1400" u="none" cap="none" strike="noStrike">
+      <a:defRPr sz="1400" b="0" i="0" u="none" strike="noStrike" cap="none">
         <a:solidFill>
           <a:srgbClr val="000000"/>
         </a:solidFill>
@@ -653,7 +668,7 @@
         <a:sym typeface="Arial"/>
       </a:defRPr>
     </a:lvl7pPr>
-    <a:lvl8pPr lvl="7" marR="0" rtl="0" algn="l">
+    <a:lvl8pPr marR="0" lvl="7" algn="l" rtl="0">
       <a:lnSpc>
         <a:spcPct val="100000"/>
       </a:lnSpc>
@@ -667,7 +682,7 @@
         <a:srgbClr val="000000"/>
       </a:buClr>
       <a:buFont typeface="Arial"/>
-      <a:defRPr b="0" i="0" sz="1400" u="none" cap="none" strike="noStrike">
+      <a:defRPr sz="1400" b="0" i="0" u="none" strike="noStrike" cap="none">
         <a:solidFill>
           <a:srgbClr val="000000"/>
         </a:solidFill>
@@ -677,7 +692,7 @@
         <a:sym typeface="Arial"/>
       </a:defRPr>
     </a:lvl8pPr>
-    <a:lvl9pPr lvl="8" marR="0" rtl="0" algn="l">
+    <a:lvl9pPr marR="0" lvl="8" algn="l" rtl="0">
       <a:lnSpc>
         <a:spcPct val="100000"/>
       </a:lnSpc>
@@ -691,7 +706,7 @@
         <a:srgbClr val="000000"/>
       </a:buClr>
       <a:buFont typeface="Arial"/>
-      <a:defRPr b="0" i="0" sz="1400" u="none" cap="none" strike="noStrike">
+      <a:defRPr sz="1400" b="0" i="0" u="none" strike="noStrike" cap="none">
         <a:solidFill>
           <a:srgbClr val="000000"/>
         </a:solidFill>
@@ -706,11 +721,11 @@
 </file>
 
 <file path=ppt/notesSlides/notesSlide1.xml><?xml version="1.0" encoding="utf-8"?>
-<p:notes xmlns:a="http://schemas.openxmlformats.org/drawingml/2006/main" xmlns:r="http://schemas.openxmlformats.org/officeDocument/2006/relationships" xmlns:mc="http://schemas.openxmlformats.org/markup-compatibility/2006" xmlns:mv="urn:schemas-microsoft-com:mac:vml" xmlns:p="http://schemas.openxmlformats.org/presentationml/2006/main" xmlns:c="http://schemas.openxmlformats.org/drawingml/2006/chart" xmlns:dgm="http://schemas.openxmlformats.org/drawingml/2006/diagram" xmlns:o="urn:schemas-microsoft-com:office:office" xmlns:v="urn:schemas-microsoft-com:vml" xmlns:pvml="urn:schemas-microsoft-com:office:powerpoint" xmlns:com="http://schemas.openxmlformats.org/drawingml/2006/compatibility" xmlns:p14="http://schemas.microsoft.com/office/powerpoint/2010/main" xmlns:p15="http://schemas.microsoft.com/office/powerpoint/2012/main" xmlns:ahyp="http://schemas.microsoft.com/office/drawing/2018/hyperlinkcolor" showMasterPhAnim="0" showMasterSp="0">
+<p:notes xmlns:a="http://schemas.openxmlformats.org/drawingml/2006/main" xmlns:r="http://schemas.openxmlformats.org/officeDocument/2006/relationships" xmlns:p="http://schemas.openxmlformats.org/presentationml/2006/main" showMasterSp="0" showMasterPhAnim="0">
   <p:cSld>
     <p:spTree>
       <p:nvGrpSpPr>
-        <p:cNvPr id="52" name="Shape 52"/>
+        <p:cNvPr id="1" name="Shape 52"/>
         <p:cNvGrpSpPr/>
         <p:nvPr/>
       </p:nvGrpSpPr>
@@ -725,20 +740,26 @@
       <p:sp>
         <p:nvSpPr>
           <p:cNvPr id="53" name="Google Shape;53;p:notes"/>
-          <p:cNvSpPr/>
+          <p:cNvSpPr>
+            <a:spLocks noGrp="1" noRot="1" noChangeAspect="1"/>
+          </p:cNvSpPr>
           <p:nvPr>
-            <p:ph idx="2" type="sldImg"/>
+            <p:ph type="sldImg" idx="2"/>
           </p:nvPr>
         </p:nvSpPr>
         <p:spPr>
           <a:xfrm>
-            <a:off x="381300" y="685800"/>
-            <a:ext cx="6096075" cy="3429000"/>
+            <a:off x="381000" y="685800"/>
+            <a:ext cx="6096000" cy="3429000"/>
           </a:xfrm>
           <a:custGeom>
-            <a:rect b="b" l="l" r="r" t="t"/>
+            <a:avLst/>
+            <a:gdLst/>
+            <a:ahLst/>
+            <a:cxnLst/>
+            <a:rect l="l" t="t" r="r" b="b"/>
             <a:pathLst>
-              <a:path extrusionOk="0" h="120000" w="120000">
+              <a:path w="120000" h="120000" extrusionOk="0">
                 <a:moveTo>
                   <a:pt x="0" y="0"/>
                 </a:moveTo>
@@ -760,9 +781,11 @@
       <p:sp>
         <p:nvSpPr>
           <p:cNvPr id="54" name="Google Shape;54;p:notes"/>
-          <p:cNvSpPr txBox="1"/>
+          <p:cNvSpPr txBox="1">
+            <a:spLocks noGrp="1"/>
+          </p:cNvSpPr>
           <p:nvPr>
-            <p:ph idx="1" type="body"/>
+            <p:ph type="body" idx="1"/>
           </p:nvPr>
         </p:nvSpPr>
         <p:spPr>
@@ -775,12 +798,12 @@
           </a:prstGeom>
         </p:spPr>
         <p:txBody>
-          <a:bodyPr anchorCtr="0" anchor="t" bIns="91425" lIns="91425" spcFirstLastPara="1" rIns="91425" wrap="square" tIns="91425">
+          <a:bodyPr spcFirstLastPara="1" wrap="square" lIns="91425" tIns="91425" rIns="91425" bIns="91425" anchor="t" anchorCtr="0">
             <a:noAutofit/>
           </a:bodyPr>
           <a:lstStyle/>
           <a:p>
-            <a:pPr indent="0" lvl="0" marL="0" rtl="0" algn="l">
+            <a:pPr marL="0" lvl="0" indent="0" algn="l" rtl="0">
               <a:spcBef>
                 <a:spcPts val="0"/>
               </a:spcBef>
@@ -789,9 +812,6 @@
               </a:spcAft>
               <a:buNone/>
             </a:pPr>
-            <a:r>
-              <a:t/>
-            </a:r>
             <a:endParaRPr/>
           </a:p>
         </p:txBody>
@@ -805,11 +825,11 @@
 </file>
 
 <file path=ppt/notesSlides/notesSlide10.xml><?xml version="1.0" encoding="utf-8"?>
-<p:notes xmlns:a="http://schemas.openxmlformats.org/drawingml/2006/main" xmlns:r="http://schemas.openxmlformats.org/officeDocument/2006/relationships" xmlns:mc="http://schemas.openxmlformats.org/markup-compatibility/2006" xmlns:mv="urn:schemas-microsoft-com:mac:vml" xmlns:p="http://schemas.openxmlformats.org/presentationml/2006/main" xmlns:c="http://schemas.openxmlformats.org/drawingml/2006/chart" xmlns:dgm="http://schemas.openxmlformats.org/drawingml/2006/diagram" xmlns:o="urn:schemas-microsoft-com:office:office" xmlns:v="urn:schemas-microsoft-com:vml" xmlns:pvml="urn:schemas-microsoft-com:office:powerpoint" xmlns:com="http://schemas.openxmlformats.org/drawingml/2006/compatibility" xmlns:p14="http://schemas.microsoft.com/office/powerpoint/2010/main" xmlns:p15="http://schemas.microsoft.com/office/powerpoint/2012/main" xmlns:ahyp="http://schemas.microsoft.com/office/drawing/2018/hyperlinkcolor" showMasterPhAnim="0" showMasterSp="0">
+<p:notes xmlns:a="http://schemas.openxmlformats.org/drawingml/2006/main" xmlns:r="http://schemas.openxmlformats.org/officeDocument/2006/relationships" xmlns:p="http://schemas.openxmlformats.org/presentationml/2006/main" showMasterSp="0" showMasterPhAnim="0">
   <p:cSld>
     <p:spTree>
       <p:nvGrpSpPr>
-        <p:cNvPr id="104" name="Shape 104"/>
+        <p:cNvPr id="1" name="Shape 104"/>
         <p:cNvGrpSpPr/>
         <p:nvPr/>
       </p:nvGrpSpPr>
@@ -824,20 +844,26 @@
       <p:sp>
         <p:nvSpPr>
           <p:cNvPr id="105" name="Google Shape;105;g2195e5e3178_1_43:notes"/>
-          <p:cNvSpPr/>
+          <p:cNvSpPr>
+            <a:spLocks noGrp="1" noRot="1" noChangeAspect="1"/>
+          </p:cNvSpPr>
           <p:nvPr>
-            <p:ph idx="2" type="sldImg"/>
+            <p:ph type="sldImg" idx="2"/>
           </p:nvPr>
         </p:nvSpPr>
         <p:spPr>
           <a:xfrm>
-            <a:off x="381300" y="685800"/>
+            <a:off x="381000" y="685800"/>
             <a:ext cx="6096000" cy="3429000"/>
           </a:xfrm>
           <a:custGeom>
-            <a:rect b="b" l="l" r="r" t="t"/>
+            <a:avLst/>
+            <a:gdLst/>
+            <a:ahLst/>
+            <a:cxnLst/>
+            <a:rect l="l" t="t" r="r" b="b"/>
             <a:pathLst>
-              <a:path extrusionOk="0" h="120000" w="120000">
+              <a:path w="120000" h="120000" extrusionOk="0">
                 <a:moveTo>
                   <a:pt x="0" y="0"/>
                 </a:moveTo>
@@ -859,9 +885,11 @@
       <p:sp>
         <p:nvSpPr>
           <p:cNvPr id="106" name="Google Shape;106;g2195e5e3178_1_43:notes"/>
-          <p:cNvSpPr txBox="1"/>
+          <p:cNvSpPr txBox="1">
+            <a:spLocks noGrp="1"/>
+          </p:cNvSpPr>
           <p:nvPr>
-            <p:ph idx="1" type="body"/>
+            <p:ph type="body" idx="1"/>
           </p:nvPr>
         </p:nvSpPr>
         <p:spPr>
@@ -874,12 +902,12 @@
           </a:prstGeom>
         </p:spPr>
         <p:txBody>
-          <a:bodyPr anchorCtr="0" anchor="t" bIns="91425" lIns="91425" spcFirstLastPara="1" rIns="91425" wrap="square" tIns="91425">
+          <a:bodyPr spcFirstLastPara="1" wrap="square" lIns="91425" tIns="91425" rIns="91425" bIns="91425" anchor="t" anchorCtr="0">
             <a:noAutofit/>
           </a:bodyPr>
           <a:lstStyle/>
           <a:p>
-            <a:pPr indent="0" lvl="0" marL="0" rtl="0" algn="l">
+            <a:pPr marL="0" lvl="0" indent="0" algn="l" rtl="0">
               <a:spcBef>
                 <a:spcPts val="0"/>
               </a:spcBef>
@@ -888,9 +916,6 @@
               </a:spcAft>
               <a:buNone/>
             </a:pPr>
-            <a:r>
-              <a:t/>
-            </a:r>
             <a:endParaRPr/>
           </a:p>
         </p:txBody>
@@ -904,11 +929,11 @@
 </file>
 
 <file path=ppt/notesSlides/notesSlide11.xml><?xml version="1.0" encoding="utf-8"?>
-<p:notes xmlns:a="http://schemas.openxmlformats.org/drawingml/2006/main" xmlns:r="http://schemas.openxmlformats.org/officeDocument/2006/relationships" xmlns:mc="http://schemas.openxmlformats.org/markup-compatibility/2006" xmlns:mv="urn:schemas-microsoft-com:mac:vml" xmlns:p="http://schemas.openxmlformats.org/presentationml/2006/main" xmlns:c="http://schemas.openxmlformats.org/drawingml/2006/chart" xmlns:dgm="http://schemas.openxmlformats.org/drawingml/2006/diagram" xmlns:o="urn:schemas-microsoft-com:office:office" xmlns:v="urn:schemas-microsoft-com:vml" xmlns:pvml="urn:schemas-microsoft-com:office:powerpoint" xmlns:com="http://schemas.openxmlformats.org/drawingml/2006/compatibility" xmlns:p14="http://schemas.microsoft.com/office/powerpoint/2010/main" xmlns:p15="http://schemas.microsoft.com/office/powerpoint/2012/main" xmlns:ahyp="http://schemas.microsoft.com/office/drawing/2018/hyperlinkcolor" showMasterPhAnim="0" showMasterSp="0">
+<p:notes xmlns:a="http://schemas.openxmlformats.org/drawingml/2006/main" xmlns:r="http://schemas.openxmlformats.org/officeDocument/2006/relationships" xmlns:p="http://schemas.openxmlformats.org/presentationml/2006/main" showMasterSp="0" showMasterPhAnim="0">
   <p:cSld>
     <p:spTree>
       <p:nvGrpSpPr>
-        <p:cNvPr id="110" name="Shape 110"/>
+        <p:cNvPr id="1" name="Shape 110"/>
         <p:cNvGrpSpPr/>
         <p:nvPr/>
       </p:nvGrpSpPr>
@@ -923,20 +948,26 @@
       <p:sp>
         <p:nvSpPr>
           <p:cNvPr id="111" name="Google Shape;111;g2195e5e3178_1_48:notes"/>
-          <p:cNvSpPr/>
+          <p:cNvSpPr>
+            <a:spLocks noGrp="1" noRot="1" noChangeAspect="1"/>
+          </p:cNvSpPr>
           <p:nvPr>
-            <p:ph idx="2" type="sldImg"/>
+            <p:ph type="sldImg" idx="2"/>
           </p:nvPr>
         </p:nvSpPr>
         <p:spPr>
           <a:xfrm>
-            <a:off x="381300" y="685800"/>
+            <a:off x="381000" y="685800"/>
             <a:ext cx="6096000" cy="3429000"/>
           </a:xfrm>
           <a:custGeom>
-            <a:rect b="b" l="l" r="r" t="t"/>
+            <a:avLst/>
+            <a:gdLst/>
+            <a:ahLst/>
+            <a:cxnLst/>
+            <a:rect l="l" t="t" r="r" b="b"/>
             <a:pathLst>
-              <a:path extrusionOk="0" h="120000" w="120000">
+              <a:path w="120000" h="120000" extrusionOk="0">
                 <a:moveTo>
                   <a:pt x="0" y="0"/>
                 </a:moveTo>
@@ -958,9 +989,11 @@
       <p:sp>
         <p:nvSpPr>
           <p:cNvPr id="112" name="Google Shape;112;g2195e5e3178_1_48:notes"/>
-          <p:cNvSpPr txBox="1"/>
+          <p:cNvSpPr txBox="1">
+            <a:spLocks noGrp="1"/>
+          </p:cNvSpPr>
           <p:nvPr>
-            <p:ph idx="1" type="body"/>
+            <p:ph type="body" idx="1"/>
           </p:nvPr>
         </p:nvSpPr>
         <p:spPr>
@@ -973,12 +1006,12 @@
           </a:prstGeom>
         </p:spPr>
         <p:txBody>
-          <a:bodyPr anchorCtr="0" anchor="t" bIns="91425" lIns="91425" spcFirstLastPara="1" rIns="91425" wrap="square" tIns="91425">
+          <a:bodyPr spcFirstLastPara="1" wrap="square" lIns="91425" tIns="91425" rIns="91425" bIns="91425" anchor="t" anchorCtr="0">
             <a:noAutofit/>
           </a:bodyPr>
           <a:lstStyle/>
           <a:p>
-            <a:pPr indent="0" lvl="0" marL="0" rtl="0" algn="l">
+            <a:pPr marL="0" lvl="0" indent="0" algn="l" rtl="0">
               <a:spcBef>
                 <a:spcPts val="0"/>
               </a:spcBef>
@@ -987,9 +1020,6 @@
               </a:spcAft>
               <a:buNone/>
             </a:pPr>
-            <a:r>
-              <a:t/>
-            </a:r>
             <a:endParaRPr/>
           </a:p>
         </p:txBody>
@@ -1003,11 +1033,11 @@
 </file>
 
 <file path=ppt/notesSlides/notesSlide2.xml><?xml version="1.0" encoding="utf-8"?>
-<p:notes xmlns:a="http://schemas.openxmlformats.org/drawingml/2006/main" xmlns:r="http://schemas.openxmlformats.org/officeDocument/2006/relationships" xmlns:mc="http://schemas.openxmlformats.org/markup-compatibility/2006" xmlns:mv="urn:schemas-microsoft-com:mac:vml" xmlns:p="http://schemas.openxmlformats.org/presentationml/2006/main" xmlns:c="http://schemas.openxmlformats.org/drawingml/2006/chart" xmlns:dgm="http://schemas.openxmlformats.org/drawingml/2006/diagram" xmlns:o="urn:schemas-microsoft-com:office:office" xmlns:v="urn:schemas-microsoft-com:vml" xmlns:pvml="urn:schemas-microsoft-com:office:powerpoint" xmlns:com="http://schemas.openxmlformats.org/drawingml/2006/compatibility" xmlns:p14="http://schemas.microsoft.com/office/powerpoint/2010/main" xmlns:p15="http://schemas.microsoft.com/office/powerpoint/2012/main" xmlns:ahyp="http://schemas.microsoft.com/office/drawing/2018/hyperlinkcolor" showMasterPhAnim="0" showMasterSp="0">
+<p:notes xmlns:a="http://schemas.openxmlformats.org/drawingml/2006/main" xmlns:r="http://schemas.openxmlformats.org/officeDocument/2006/relationships" xmlns:p="http://schemas.openxmlformats.org/presentationml/2006/main" showMasterSp="0" showMasterPhAnim="0">
   <p:cSld>
     <p:spTree>
       <p:nvGrpSpPr>
-        <p:cNvPr id="58" name="Shape 58"/>
+        <p:cNvPr id="1" name="Shape 58"/>
         <p:cNvGrpSpPr/>
         <p:nvPr/>
       </p:nvGrpSpPr>
@@ -1022,20 +1052,26 @@
       <p:sp>
         <p:nvSpPr>
           <p:cNvPr id="59" name="Google Shape;59;g2195e5e3178_1_5:notes"/>
-          <p:cNvSpPr/>
+          <p:cNvSpPr>
+            <a:spLocks noGrp="1" noRot="1" noChangeAspect="1"/>
+          </p:cNvSpPr>
           <p:nvPr>
-            <p:ph idx="2" type="sldImg"/>
+            <p:ph type="sldImg" idx="2"/>
           </p:nvPr>
         </p:nvSpPr>
         <p:spPr>
           <a:xfrm>
-            <a:off x="381300" y="685800"/>
+            <a:off x="381000" y="685800"/>
             <a:ext cx="6096000" cy="3429000"/>
           </a:xfrm>
           <a:custGeom>
-            <a:rect b="b" l="l" r="r" t="t"/>
+            <a:avLst/>
+            <a:gdLst/>
+            <a:ahLst/>
+            <a:cxnLst/>
+            <a:rect l="l" t="t" r="r" b="b"/>
             <a:pathLst>
-              <a:path extrusionOk="0" h="120000" w="120000">
+              <a:path w="120000" h="120000" extrusionOk="0">
                 <a:moveTo>
                   <a:pt x="0" y="0"/>
                 </a:moveTo>
@@ -1057,9 +1093,11 @@
       <p:sp>
         <p:nvSpPr>
           <p:cNvPr id="60" name="Google Shape;60;g2195e5e3178_1_5:notes"/>
-          <p:cNvSpPr txBox="1"/>
+          <p:cNvSpPr txBox="1">
+            <a:spLocks noGrp="1"/>
+          </p:cNvSpPr>
           <p:nvPr>
-            <p:ph idx="1" type="body"/>
+            <p:ph type="body" idx="1"/>
           </p:nvPr>
         </p:nvSpPr>
         <p:spPr>
@@ -1072,12 +1110,12 @@
           </a:prstGeom>
         </p:spPr>
         <p:txBody>
-          <a:bodyPr anchorCtr="0" anchor="t" bIns="91425" lIns="91425" spcFirstLastPara="1" rIns="91425" wrap="square" tIns="91425">
+          <a:bodyPr spcFirstLastPara="1" wrap="square" lIns="91425" tIns="91425" rIns="91425" bIns="91425" anchor="t" anchorCtr="0">
             <a:noAutofit/>
           </a:bodyPr>
           <a:lstStyle/>
           <a:p>
-            <a:pPr indent="0" lvl="0" marL="0" rtl="0" algn="l">
+            <a:pPr marL="0" lvl="0" indent="0" algn="l" rtl="0">
               <a:spcBef>
                 <a:spcPts val="0"/>
               </a:spcBef>
@@ -1086,9 +1124,6 @@
               </a:spcAft>
               <a:buNone/>
             </a:pPr>
-            <a:r>
-              <a:t/>
-            </a:r>
             <a:endParaRPr/>
           </a:p>
         </p:txBody>
@@ -1102,11 +1137,11 @@
 </file>
 
 <file path=ppt/notesSlides/notesSlide3.xml><?xml version="1.0" encoding="utf-8"?>
-<p:notes xmlns:a="http://schemas.openxmlformats.org/drawingml/2006/main" xmlns:r="http://schemas.openxmlformats.org/officeDocument/2006/relationships" xmlns:mc="http://schemas.openxmlformats.org/markup-compatibility/2006" xmlns:mv="urn:schemas-microsoft-com:mac:vml" xmlns:p="http://schemas.openxmlformats.org/presentationml/2006/main" xmlns:c="http://schemas.openxmlformats.org/drawingml/2006/chart" xmlns:dgm="http://schemas.openxmlformats.org/drawingml/2006/diagram" xmlns:o="urn:schemas-microsoft-com:office:office" xmlns:v="urn:schemas-microsoft-com:vml" xmlns:pvml="urn:schemas-microsoft-com:office:powerpoint" xmlns:com="http://schemas.openxmlformats.org/drawingml/2006/compatibility" xmlns:p14="http://schemas.microsoft.com/office/powerpoint/2010/main" xmlns:p15="http://schemas.microsoft.com/office/powerpoint/2012/main" xmlns:ahyp="http://schemas.microsoft.com/office/drawing/2018/hyperlinkcolor" showMasterPhAnim="0" showMasterSp="0">
+<p:notes xmlns:a="http://schemas.openxmlformats.org/drawingml/2006/main" xmlns:r="http://schemas.openxmlformats.org/officeDocument/2006/relationships" xmlns:p="http://schemas.openxmlformats.org/presentationml/2006/main" showMasterSp="0" showMasterPhAnim="0">
   <p:cSld>
     <p:spTree>
       <p:nvGrpSpPr>
-        <p:cNvPr id="63" name="Shape 63"/>
+        <p:cNvPr id="1" name="Shape 63"/>
         <p:cNvGrpSpPr/>
         <p:nvPr/>
       </p:nvGrpSpPr>
@@ -1121,20 +1156,26 @@
       <p:sp>
         <p:nvSpPr>
           <p:cNvPr id="64" name="Google Shape;64;g2195e5e3178_1_9:notes"/>
-          <p:cNvSpPr/>
+          <p:cNvSpPr>
+            <a:spLocks noGrp="1" noRot="1" noChangeAspect="1"/>
+          </p:cNvSpPr>
           <p:nvPr>
-            <p:ph idx="2" type="sldImg"/>
+            <p:ph type="sldImg" idx="2"/>
           </p:nvPr>
         </p:nvSpPr>
         <p:spPr>
           <a:xfrm>
-            <a:off x="381300" y="685800"/>
+            <a:off x="381000" y="685800"/>
             <a:ext cx="6096000" cy="3429000"/>
           </a:xfrm>
           <a:custGeom>
-            <a:rect b="b" l="l" r="r" t="t"/>
+            <a:avLst/>
+            <a:gdLst/>
+            <a:ahLst/>
+            <a:cxnLst/>
+            <a:rect l="l" t="t" r="r" b="b"/>
             <a:pathLst>
-              <a:path extrusionOk="0" h="120000" w="120000">
+              <a:path w="120000" h="120000" extrusionOk="0">
                 <a:moveTo>
                   <a:pt x="0" y="0"/>
                 </a:moveTo>
@@ -1156,9 +1197,11 @@
       <p:sp>
         <p:nvSpPr>
           <p:cNvPr id="65" name="Google Shape;65;g2195e5e3178_1_9:notes"/>
-          <p:cNvSpPr txBox="1"/>
+          <p:cNvSpPr txBox="1">
+            <a:spLocks noGrp="1"/>
+          </p:cNvSpPr>
           <p:nvPr>
-            <p:ph idx="1" type="body"/>
+            <p:ph type="body" idx="1"/>
           </p:nvPr>
         </p:nvSpPr>
         <p:spPr>
@@ -1171,12 +1214,12 @@
           </a:prstGeom>
         </p:spPr>
         <p:txBody>
-          <a:bodyPr anchorCtr="0" anchor="t" bIns="91425" lIns="91425" spcFirstLastPara="1" rIns="91425" wrap="square" tIns="91425">
+          <a:bodyPr spcFirstLastPara="1" wrap="square" lIns="91425" tIns="91425" rIns="91425" bIns="91425" anchor="t" anchorCtr="0">
             <a:noAutofit/>
           </a:bodyPr>
           <a:lstStyle/>
           <a:p>
-            <a:pPr indent="0" lvl="0" marL="0" rtl="0" algn="l">
+            <a:pPr marL="0" lvl="0" indent="0" algn="l" rtl="0">
               <a:spcBef>
                 <a:spcPts val="0"/>
               </a:spcBef>
@@ -1185,9 +1228,6 @@
               </a:spcAft>
               <a:buNone/>
             </a:pPr>
-            <a:r>
-              <a:t/>
-            </a:r>
             <a:endParaRPr/>
           </a:p>
         </p:txBody>
@@ -1201,11 +1241,11 @@
 </file>
 
 <file path=ppt/notesSlides/notesSlide4.xml><?xml version="1.0" encoding="utf-8"?>
-<p:notes xmlns:a="http://schemas.openxmlformats.org/drawingml/2006/main" xmlns:r="http://schemas.openxmlformats.org/officeDocument/2006/relationships" xmlns:mc="http://schemas.openxmlformats.org/markup-compatibility/2006" xmlns:mv="urn:schemas-microsoft-com:mac:vml" xmlns:p="http://schemas.openxmlformats.org/presentationml/2006/main" xmlns:c="http://schemas.openxmlformats.org/drawingml/2006/chart" xmlns:dgm="http://schemas.openxmlformats.org/drawingml/2006/diagram" xmlns:o="urn:schemas-microsoft-com:office:office" xmlns:v="urn:schemas-microsoft-com:vml" xmlns:pvml="urn:schemas-microsoft-com:office:powerpoint" xmlns:com="http://schemas.openxmlformats.org/drawingml/2006/compatibility" xmlns:p14="http://schemas.microsoft.com/office/powerpoint/2010/main" xmlns:p15="http://schemas.microsoft.com/office/powerpoint/2012/main" xmlns:ahyp="http://schemas.microsoft.com/office/drawing/2018/hyperlinkcolor" showMasterPhAnim="0" showMasterSp="0">
+<p:notes xmlns:a="http://schemas.openxmlformats.org/drawingml/2006/main" xmlns:r="http://schemas.openxmlformats.org/officeDocument/2006/relationships" xmlns:p="http://schemas.openxmlformats.org/presentationml/2006/main" showMasterSp="0" showMasterPhAnim="0">
   <p:cSld>
     <p:spTree>
       <p:nvGrpSpPr>
-        <p:cNvPr id="69" name="Shape 69"/>
+        <p:cNvPr id="1" name="Shape 69"/>
         <p:cNvGrpSpPr/>
         <p:nvPr/>
       </p:nvGrpSpPr>
@@ -1220,20 +1260,26 @@
       <p:sp>
         <p:nvSpPr>
           <p:cNvPr id="70" name="Google Shape;70;g2195e5e3178_1_14:notes"/>
-          <p:cNvSpPr/>
+          <p:cNvSpPr>
+            <a:spLocks noGrp="1" noRot="1" noChangeAspect="1"/>
+          </p:cNvSpPr>
           <p:nvPr>
-            <p:ph idx="2" type="sldImg"/>
+            <p:ph type="sldImg" idx="2"/>
           </p:nvPr>
         </p:nvSpPr>
         <p:spPr>
           <a:xfrm>
-            <a:off x="381300" y="685800"/>
+            <a:off x="381000" y="685800"/>
             <a:ext cx="6096000" cy="3429000"/>
           </a:xfrm>
           <a:custGeom>
-            <a:rect b="b" l="l" r="r" t="t"/>
+            <a:avLst/>
+            <a:gdLst/>
+            <a:ahLst/>
+            <a:cxnLst/>
+            <a:rect l="l" t="t" r="r" b="b"/>
             <a:pathLst>
-              <a:path extrusionOk="0" h="120000" w="120000">
+              <a:path w="120000" h="120000" extrusionOk="0">
                 <a:moveTo>
                   <a:pt x="0" y="0"/>
                 </a:moveTo>
@@ -1255,9 +1301,11 @@
       <p:sp>
         <p:nvSpPr>
           <p:cNvPr id="71" name="Google Shape;71;g2195e5e3178_1_14:notes"/>
-          <p:cNvSpPr txBox="1"/>
+          <p:cNvSpPr txBox="1">
+            <a:spLocks noGrp="1"/>
+          </p:cNvSpPr>
           <p:nvPr>
-            <p:ph idx="1" type="body"/>
+            <p:ph type="body" idx="1"/>
           </p:nvPr>
         </p:nvSpPr>
         <p:spPr>
@@ -1270,12 +1318,12 @@
           </a:prstGeom>
         </p:spPr>
         <p:txBody>
-          <a:bodyPr anchorCtr="0" anchor="t" bIns="91425" lIns="91425" spcFirstLastPara="1" rIns="91425" wrap="square" tIns="91425">
+          <a:bodyPr spcFirstLastPara="1" wrap="square" lIns="91425" tIns="91425" rIns="91425" bIns="91425" anchor="t" anchorCtr="0">
             <a:noAutofit/>
           </a:bodyPr>
           <a:lstStyle/>
           <a:p>
-            <a:pPr indent="0" lvl="0" marL="0" rtl="0" algn="l">
+            <a:pPr marL="0" lvl="0" indent="0" algn="l" rtl="0">
               <a:spcBef>
                 <a:spcPts val="0"/>
               </a:spcBef>
@@ -1284,9 +1332,6 @@
               </a:spcAft>
               <a:buNone/>
             </a:pPr>
-            <a:r>
-              <a:t/>
-            </a:r>
             <a:endParaRPr/>
           </a:p>
         </p:txBody>
@@ -1300,11 +1345,11 @@
 </file>
 
 <file path=ppt/notesSlides/notesSlide5.xml><?xml version="1.0" encoding="utf-8"?>
-<p:notes xmlns:a="http://schemas.openxmlformats.org/drawingml/2006/main" xmlns:r="http://schemas.openxmlformats.org/officeDocument/2006/relationships" xmlns:mc="http://schemas.openxmlformats.org/markup-compatibility/2006" xmlns:mv="urn:schemas-microsoft-com:mac:vml" xmlns:p="http://schemas.openxmlformats.org/presentationml/2006/main" xmlns:c="http://schemas.openxmlformats.org/drawingml/2006/chart" xmlns:dgm="http://schemas.openxmlformats.org/drawingml/2006/diagram" xmlns:o="urn:schemas-microsoft-com:office:office" xmlns:v="urn:schemas-microsoft-com:vml" xmlns:pvml="urn:schemas-microsoft-com:office:powerpoint" xmlns:com="http://schemas.openxmlformats.org/drawingml/2006/compatibility" xmlns:p14="http://schemas.microsoft.com/office/powerpoint/2010/main" xmlns:p15="http://schemas.microsoft.com/office/powerpoint/2012/main" xmlns:ahyp="http://schemas.microsoft.com/office/drawing/2018/hyperlinkcolor" showMasterPhAnim="0" showMasterSp="0">
+<p:notes xmlns:a="http://schemas.openxmlformats.org/drawingml/2006/main" xmlns:r="http://schemas.openxmlformats.org/officeDocument/2006/relationships" xmlns:p="http://schemas.openxmlformats.org/presentationml/2006/main" showMasterSp="0" showMasterPhAnim="0">
   <p:cSld>
     <p:spTree>
       <p:nvGrpSpPr>
-        <p:cNvPr id="76" name="Shape 76"/>
+        <p:cNvPr id="1" name="Shape 76"/>
         <p:cNvGrpSpPr/>
         <p:nvPr/>
       </p:nvGrpSpPr>
@@ -1319,20 +1364,26 @@
       <p:sp>
         <p:nvSpPr>
           <p:cNvPr id="77" name="Google Shape;77;g2195e5e3178_1_20:notes"/>
-          <p:cNvSpPr/>
+          <p:cNvSpPr>
+            <a:spLocks noGrp="1" noRot="1" noChangeAspect="1"/>
+          </p:cNvSpPr>
           <p:nvPr>
-            <p:ph idx="2" type="sldImg"/>
+            <p:ph type="sldImg" idx="2"/>
           </p:nvPr>
         </p:nvSpPr>
         <p:spPr>
           <a:xfrm>
-            <a:off x="381300" y="685800"/>
+            <a:off x="381000" y="685800"/>
             <a:ext cx="6096000" cy="3429000"/>
           </a:xfrm>
           <a:custGeom>
-            <a:rect b="b" l="l" r="r" t="t"/>
+            <a:avLst/>
+            <a:gdLst/>
+            <a:ahLst/>
+            <a:cxnLst/>
+            <a:rect l="l" t="t" r="r" b="b"/>
             <a:pathLst>
-              <a:path extrusionOk="0" h="120000" w="120000">
+              <a:path w="120000" h="120000" extrusionOk="0">
                 <a:moveTo>
                   <a:pt x="0" y="0"/>
                 </a:moveTo>
@@ -1354,9 +1405,11 @@
       <p:sp>
         <p:nvSpPr>
           <p:cNvPr id="78" name="Google Shape;78;g2195e5e3178_1_20:notes"/>
-          <p:cNvSpPr txBox="1"/>
+          <p:cNvSpPr txBox="1">
+            <a:spLocks noGrp="1"/>
+          </p:cNvSpPr>
           <p:nvPr>
-            <p:ph idx="1" type="body"/>
+            <p:ph type="body" idx="1"/>
           </p:nvPr>
         </p:nvSpPr>
         <p:spPr>
@@ -1369,12 +1422,12 @@
           </a:prstGeom>
         </p:spPr>
         <p:txBody>
-          <a:bodyPr anchorCtr="0" anchor="t" bIns="91425" lIns="91425" spcFirstLastPara="1" rIns="91425" wrap="square" tIns="91425">
+          <a:bodyPr spcFirstLastPara="1" wrap="square" lIns="91425" tIns="91425" rIns="91425" bIns="91425" anchor="t" anchorCtr="0">
             <a:noAutofit/>
           </a:bodyPr>
           <a:lstStyle/>
           <a:p>
-            <a:pPr indent="0" lvl="0" marL="0" rtl="0" algn="l">
+            <a:pPr marL="0" lvl="0" indent="0" algn="l" rtl="0">
               <a:spcBef>
                 <a:spcPts val="0"/>
               </a:spcBef>
@@ -1383,9 +1436,6 @@
               </a:spcAft>
               <a:buNone/>
             </a:pPr>
-            <a:r>
-              <a:t/>
-            </a:r>
             <a:endParaRPr/>
           </a:p>
         </p:txBody>
@@ -1399,11 +1449,11 @@
 </file>
 
 <file path=ppt/notesSlides/notesSlide6.xml><?xml version="1.0" encoding="utf-8"?>
-<p:notes xmlns:a="http://schemas.openxmlformats.org/drawingml/2006/main" xmlns:r="http://schemas.openxmlformats.org/officeDocument/2006/relationships" xmlns:mc="http://schemas.openxmlformats.org/markup-compatibility/2006" xmlns:mv="urn:schemas-microsoft-com:mac:vml" xmlns:p="http://schemas.openxmlformats.org/presentationml/2006/main" xmlns:c="http://schemas.openxmlformats.org/drawingml/2006/chart" xmlns:dgm="http://schemas.openxmlformats.org/drawingml/2006/diagram" xmlns:o="urn:schemas-microsoft-com:office:office" xmlns:v="urn:schemas-microsoft-com:vml" xmlns:pvml="urn:schemas-microsoft-com:office:powerpoint" xmlns:com="http://schemas.openxmlformats.org/drawingml/2006/compatibility" xmlns:p14="http://schemas.microsoft.com/office/powerpoint/2010/main" xmlns:p15="http://schemas.microsoft.com/office/powerpoint/2012/main" xmlns:ahyp="http://schemas.microsoft.com/office/drawing/2018/hyperlinkcolor" showMasterPhAnim="0" showMasterSp="0">
+<p:notes xmlns:a="http://schemas.openxmlformats.org/drawingml/2006/main" xmlns:r="http://schemas.openxmlformats.org/officeDocument/2006/relationships" xmlns:p="http://schemas.openxmlformats.org/presentationml/2006/main" showMasterSp="0" showMasterPhAnim="0">
   <p:cSld>
     <p:spTree>
       <p:nvGrpSpPr>
-        <p:cNvPr id="81" name="Shape 81"/>
+        <p:cNvPr id="1" name="Shape 81"/>
         <p:cNvGrpSpPr/>
         <p:nvPr/>
       </p:nvGrpSpPr>
@@ -1418,20 +1468,26 @@
       <p:sp>
         <p:nvSpPr>
           <p:cNvPr id="82" name="Google Shape;82;g2195e5e3178_1_24:notes"/>
-          <p:cNvSpPr/>
+          <p:cNvSpPr>
+            <a:spLocks noGrp="1" noRot="1" noChangeAspect="1"/>
+          </p:cNvSpPr>
           <p:nvPr>
-            <p:ph idx="2" type="sldImg"/>
+            <p:ph type="sldImg" idx="2"/>
           </p:nvPr>
         </p:nvSpPr>
         <p:spPr>
           <a:xfrm>
-            <a:off x="381300" y="685800"/>
+            <a:off x="381000" y="685800"/>
             <a:ext cx="6096000" cy="3429000"/>
           </a:xfrm>
           <a:custGeom>
-            <a:rect b="b" l="l" r="r" t="t"/>
+            <a:avLst/>
+            <a:gdLst/>
+            <a:ahLst/>
+            <a:cxnLst/>
+            <a:rect l="l" t="t" r="r" b="b"/>
             <a:pathLst>
-              <a:path extrusionOk="0" h="120000" w="120000">
+              <a:path w="120000" h="120000" extrusionOk="0">
                 <a:moveTo>
                   <a:pt x="0" y="0"/>
                 </a:moveTo>
@@ -1453,9 +1509,11 @@
       <p:sp>
         <p:nvSpPr>
           <p:cNvPr id="83" name="Google Shape;83;g2195e5e3178_1_24:notes"/>
-          <p:cNvSpPr txBox="1"/>
+          <p:cNvSpPr txBox="1">
+            <a:spLocks noGrp="1"/>
+          </p:cNvSpPr>
           <p:nvPr>
-            <p:ph idx="1" type="body"/>
+            <p:ph type="body" idx="1"/>
           </p:nvPr>
         </p:nvSpPr>
         <p:spPr>
@@ -1468,12 +1526,12 @@
           </a:prstGeom>
         </p:spPr>
         <p:txBody>
-          <a:bodyPr anchorCtr="0" anchor="t" bIns="91425" lIns="91425" spcFirstLastPara="1" rIns="91425" wrap="square" tIns="91425">
+          <a:bodyPr spcFirstLastPara="1" wrap="square" lIns="91425" tIns="91425" rIns="91425" bIns="91425" anchor="t" anchorCtr="0">
             <a:noAutofit/>
           </a:bodyPr>
           <a:lstStyle/>
           <a:p>
-            <a:pPr indent="0" lvl="0" marL="0" rtl="0" algn="l">
+            <a:pPr marL="0" lvl="0" indent="0" algn="l" rtl="0">
               <a:spcBef>
                 <a:spcPts val="0"/>
               </a:spcBef>
@@ -1482,9 +1540,6 @@
               </a:spcAft>
               <a:buNone/>
             </a:pPr>
-            <a:r>
-              <a:t/>
-            </a:r>
             <a:endParaRPr/>
           </a:p>
         </p:txBody>
@@ -1498,11 +1553,11 @@
 </file>
 
 <file path=ppt/notesSlides/notesSlide7.xml><?xml version="1.0" encoding="utf-8"?>
-<p:notes xmlns:a="http://schemas.openxmlformats.org/drawingml/2006/main" xmlns:r="http://schemas.openxmlformats.org/officeDocument/2006/relationships" xmlns:mc="http://schemas.openxmlformats.org/markup-compatibility/2006" xmlns:mv="urn:schemas-microsoft-com:mac:vml" xmlns:p="http://schemas.openxmlformats.org/presentationml/2006/main" xmlns:c="http://schemas.openxmlformats.org/drawingml/2006/chart" xmlns:dgm="http://schemas.openxmlformats.org/drawingml/2006/diagram" xmlns:o="urn:schemas-microsoft-com:office:office" xmlns:v="urn:schemas-microsoft-com:vml" xmlns:pvml="urn:schemas-microsoft-com:office:powerpoint" xmlns:com="http://schemas.openxmlformats.org/drawingml/2006/compatibility" xmlns:p14="http://schemas.microsoft.com/office/powerpoint/2010/main" xmlns:p15="http://schemas.microsoft.com/office/powerpoint/2012/main" xmlns:ahyp="http://schemas.microsoft.com/office/drawing/2018/hyperlinkcolor" showMasterPhAnim="0" showMasterSp="0">
+<p:notes xmlns:a="http://schemas.openxmlformats.org/drawingml/2006/main" xmlns:r="http://schemas.openxmlformats.org/officeDocument/2006/relationships" xmlns:p="http://schemas.openxmlformats.org/presentationml/2006/main" showMasterSp="0" showMasterPhAnim="0">
   <p:cSld>
     <p:spTree>
       <p:nvGrpSpPr>
-        <p:cNvPr id="87" name="Shape 87"/>
+        <p:cNvPr id="1" name="Shape 87"/>
         <p:cNvGrpSpPr/>
         <p:nvPr/>
       </p:nvGrpSpPr>
@@ -1517,20 +1572,26 @@
       <p:sp>
         <p:nvSpPr>
           <p:cNvPr id="88" name="Google Shape;88;g2195e5e3178_1_29:notes"/>
-          <p:cNvSpPr/>
+          <p:cNvSpPr>
+            <a:spLocks noGrp="1" noRot="1" noChangeAspect="1"/>
+          </p:cNvSpPr>
           <p:nvPr>
-            <p:ph idx="2" type="sldImg"/>
+            <p:ph type="sldImg" idx="2"/>
           </p:nvPr>
         </p:nvSpPr>
         <p:spPr>
           <a:xfrm>
-            <a:off x="381300" y="685800"/>
+            <a:off x="381000" y="685800"/>
             <a:ext cx="6096000" cy="3429000"/>
           </a:xfrm>
           <a:custGeom>
-            <a:rect b="b" l="l" r="r" t="t"/>
+            <a:avLst/>
+            <a:gdLst/>
+            <a:ahLst/>
+            <a:cxnLst/>
+            <a:rect l="l" t="t" r="r" b="b"/>
             <a:pathLst>
-              <a:path extrusionOk="0" h="120000" w="120000">
+              <a:path w="120000" h="120000" extrusionOk="0">
                 <a:moveTo>
                   <a:pt x="0" y="0"/>
                 </a:moveTo>
@@ -1552,9 +1613,11 @@
       <p:sp>
         <p:nvSpPr>
           <p:cNvPr id="89" name="Google Shape;89;g2195e5e3178_1_29:notes"/>
-          <p:cNvSpPr txBox="1"/>
+          <p:cNvSpPr txBox="1">
+            <a:spLocks noGrp="1"/>
+          </p:cNvSpPr>
           <p:nvPr>
-            <p:ph idx="1" type="body"/>
+            <p:ph type="body" idx="1"/>
           </p:nvPr>
         </p:nvSpPr>
         <p:spPr>
@@ -1567,12 +1630,12 @@
           </a:prstGeom>
         </p:spPr>
         <p:txBody>
-          <a:bodyPr anchorCtr="0" anchor="t" bIns="91425" lIns="91425" spcFirstLastPara="1" rIns="91425" wrap="square" tIns="91425">
+          <a:bodyPr spcFirstLastPara="1" wrap="square" lIns="91425" tIns="91425" rIns="91425" bIns="91425" anchor="t" anchorCtr="0">
             <a:noAutofit/>
           </a:bodyPr>
           <a:lstStyle/>
           <a:p>
-            <a:pPr indent="0" lvl="0" marL="0" rtl="0" algn="l">
+            <a:pPr marL="0" lvl="0" indent="0" algn="l" rtl="0">
               <a:spcBef>
                 <a:spcPts val="0"/>
               </a:spcBef>
@@ -1581,9 +1644,6 @@
               </a:spcAft>
               <a:buNone/>
             </a:pPr>
-            <a:r>
-              <a:t/>
-            </a:r>
             <a:endParaRPr/>
           </a:p>
         </p:txBody>
@@ -1597,11 +1657,11 @@
 </file>
 
 <file path=ppt/notesSlides/notesSlide8.xml><?xml version="1.0" encoding="utf-8"?>
-<p:notes xmlns:a="http://schemas.openxmlformats.org/drawingml/2006/main" xmlns:r="http://schemas.openxmlformats.org/officeDocument/2006/relationships" xmlns:mc="http://schemas.openxmlformats.org/markup-compatibility/2006" xmlns:mv="urn:schemas-microsoft-com:mac:vml" xmlns:p="http://schemas.openxmlformats.org/presentationml/2006/main" xmlns:c="http://schemas.openxmlformats.org/drawingml/2006/chart" xmlns:dgm="http://schemas.openxmlformats.org/drawingml/2006/diagram" xmlns:o="urn:schemas-microsoft-com:office:office" xmlns:v="urn:schemas-microsoft-com:vml" xmlns:pvml="urn:schemas-microsoft-com:office:powerpoint" xmlns:com="http://schemas.openxmlformats.org/drawingml/2006/compatibility" xmlns:p14="http://schemas.microsoft.com/office/powerpoint/2010/main" xmlns:p15="http://schemas.microsoft.com/office/powerpoint/2012/main" xmlns:ahyp="http://schemas.microsoft.com/office/drawing/2018/hyperlinkcolor" showMasterPhAnim="0" showMasterSp="0">
+<p:notes xmlns:a="http://schemas.openxmlformats.org/drawingml/2006/main" xmlns:r="http://schemas.openxmlformats.org/officeDocument/2006/relationships" xmlns:p="http://schemas.openxmlformats.org/presentationml/2006/main" showMasterSp="0" showMasterPhAnim="0">
   <p:cSld>
     <p:spTree>
       <p:nvGrpSpPr>
-        <p:cNvPr id="92" name="Shape 92"/>
+        <p:cNvPr id="1" name="Shape 92"/>
         <p:cNvGrpSpPr/>
         <p:nvPr/>
       </p:nvGrpSpPr>
@@ -1616,20 +1676,26 @@
       <p:sp>
         <p:nvSpPr>
           <p:cNvPr id="93" name="Google Shape;93;g2195e5e3178_1_33:notes"/>
-          <p:cNvSpPr/>
+          <p:cNvSpPr>
+            <a:spLocks noGrp="1" noRot="1" noChangeAspect="1"/>
+          </p:cNvSpPr>
           <p:nvPr>
-            <p:ph idx="2" type="sldImg"/>
+            <p:ph type="sldImg" idx="2"/>
           </p:nvPr>
         </p:nvSpPr>
         <p:spPr>
           <a:xfrm>
-            <a:off x="381300" y="685800"/>
+            <a:off x="381000" y="685800"/>
             <a:ext cx="6096000" cy="3429000"/>
           </a:xfrm>
           <a:custGeom>
-            <a:rect b="b" l="l" r="r" t="t"/>
+            <a:avLst/>
+            <a:gdLst/>
+            <a:ahLst/>
+            <a:cxnLst/>
+            <a:rect l="l" t="t" r="r" b="b"/>
             <a:pathLst>
-              <a:path extrusionOk="0" h="120000" w="120000">
+              <a:path w="120000" h="120000" extrusionOk="0">
                 <a:moveTo>
                   <a:pt x="0" y="0"/>
                 </a:moveTo>
@@ -1651,9 +1717,11 @@
       <p:sp>
         <p:nvSpPr>
           <p:cNvPr id="94" name="Google Shape;94;g2195e5e3178_1_33:notes"/>
-          <p:cNvSpPr txBox="1"/>
+          <p:cNvSpPr txBox="1">
+            <a:spLocks noGrp="1"/>
+          </p:cNvSpPr>
           <p:nvPr>
-            <p:ph idx="1" type="body"/>
+            <p:ph type="body" idx="1"/>
           </p:nvPr>
         </p:nvSpPr>
         <p:spPr>
@@ -1666,12 +1734,12 @@
           </a:prstGeom>
         </p:spPr>
         <p:txBody>
-          <a:bodyPr anchorCtr="0" anchor="t" bIns="91425" lIns="91425" spcFirstLastPara="1" rIns="91425" wrap="square" tIns="91425">
+          <a:bodyPr spcFirstLastPara="1" wrap="square" lIns="91425" tIns="91425" rIns="91425" bIns="91425" anchor="t" anchorCtr="0">
             <a:noAutofit/>
           </a:bodyPr>
           <a:lstStyle/>
           <a:p>
-            <a:pPr indent="0" lvl="0" marL="0" rtl="0" algn="l">
+            <a:pPr marL="0" lvl="0" indent="0" algn="l" rtl="0">
               <a:spcBef>
                 <a:spcPts val="0"/>
               </a:spcBef>
@@ -1680,9 +1748,6 @@
               </a:spcAft>
               <a:buNone/>
             </a:pPr>
-            <a:r>
-              <a:t/>
-            </a:r>
             <a:endParaRPr/>
           </a:p>
         </p:txBody>
@@ -1696,11 +1761,11 @@
 </file>
 
 <file path=ppt/notesSlides/notesSlide9.xml><?xml version="1.0" encoding="utf-8"?>
-<p:notes xmlns:a="http://schemas.openxmlformats.org/drawingml/2006/main" xmlns:r="http://schemas.openxmlformats.org/officeDocument/2006/relationships" xmlns:mc="http://schemas.openxmlformats.org/markup-compatibility/2006" xmlns:mv="urn:schemas-microsoft-com:mac:vml" xmlns:p="http://schemas.openxmlformats.org/presentationml/2006/main" xmlns:c="http://schemas.openxmlformats.org/drawingml/2006/chart" xmlns:dgm="http://schemas.openxmlformats.org/drawingml/2006/diagram" xmlns:o="urn:schemas-microsoft-com:office:office" xmlns:v="urn:schemas-microsoft-com:vml" xmlns:pvml="urn:schemas-microsoft-com:office:powerpoint" xmlns:com="http://schemas.openxmlformats.org/drawingml/2006/compatibility" xmlns:p14="http://schemas.microsoft.com/office/powerpoint/2010/main" xmlns:p15="http://schemas.microsoft.com/office/powerpoint/2012/main" xmlns:ahyp="http://schemas.microsoft.com/office/drawing/2018/hyperlinkcolor" showMasterPhAnim="0" showMasterSp="0">
+<p:notes xmlns:a="http://schemas.openxmlformats.org/drawingml/2006/main" xmlns:r="http://schemas.openxmlformats.org/officeDocument/2006/relationships" xmlns:p="http://schemas.openxmlformats.org/presentationml/2006/main" showMasterSp="0" showMasterPhAnim="0">
   <p:cSld>
     <p:spTree>
       <p:nvGrpSpPr>
-        <p:cNvPr id="99" name="Shape 99"/>
+        <p:cNvPr id="1" name="Shape 99"/>
         <p:cNvGrpSpPr/>
         <p:nvPr/>
       </p:nvGrpSpPr>
@@ -1715,20 +1780,26 @@
       <p:sp>
         <p:nvSpPr>
           <p:cNvPr id="100" name="Google Shape;100;g2195e5e3178_1_39:notes"/>
-          <p:cNvSpPr/>
+          <p:cNvSpPr>
+            <a:spLocks noGrp="1" noRot="1" noChangeAspect="1"/>
+          </p:cNvSpPr>
           <p:nvPr>
-            <p:ph idx="2" type="sldImg"/>
+            <p:ph type="sldImg" idx="2"/>
           </p:nvPr>
         </p:nvSpPr>
         <p:spPr>
           <a:xfrm>
-            <a:off x="381300" y="685800"/>
+            <a:off x="381000" y="685800"/>
             <a:ext cx="6096000" cy="3429000"/>
           </a:xfrm>
           <a:custGeom>
-            <a:rect b="b" l="l" r="r" t="t"/>
+            <a:avLst/>
+            <a:gdLst/>
+            <a:ahLst/>
+            <a:cxnLst/>
+            <a:rect l="l" t="t" r="r" b="b"/>
             <a:pathLst>
-              <a:path extrusionOk="0" h="120000" w="120000">
+              <a:path w="120000" h="120000" extrusionOk="0">
                 <a:moveTo>
                   <a:pt x="0" y="0"/>
                 </a:moveTo>
@@ -1750,9 +1821,11 @@
       <p:sp>
         <p:nvSpPr>
           <p:cNvPr id="101" name="Google Shape;101;g2195e5e3178_1_39:notes"/>
-          <p:cNvSpPr txBox="1"/>
+          <p:cNvSpPr txBox="1">
+            <a:spLocks noGrp="1"/>
+          </p:cNvSpPr>
           <p:nvPr>
-            <p:ph idx="1" type="body"/>
+            <p:ph type="body" idx="1"/>
           </p:nvPr>
         </p:nvSpPr>
         <p:spPr>
@@ -1765,12 +1838,12 @@
           </a:prstGeom>
         </p:spPr>
         <p:txBody>
-          <a:bodyPr anchorCtr="0" anchor="t" bIns="91425" lIns="91425" spcFirstLastPara="1" rIns="91425" wrap="square" tIns="91425">
+          <a:bodyPr spcFirstLastPara="1" wrap="square" lIns="91425" tIns="91425" rIns="91425" bIns="91425" anchor="t" anchorCtr="0">
             <a:noAutofit/>
           </a:bodyPr>
           <a:lstStyle/>
           <a:p>
-            <a:pPr indent="0" lvl="0" marL="0" rtl="0" algn="l">
+            <a:pPr marL="0" lvl="0" indent="0" algn="l" rtl="0">
               <a:spcBef>
                 <a:spcPts val="0"/>
               </a:spcBef>
@@ -1779,9 +1852,6 @@
               </a:spcAft>
               <a:buNone/>
             </a:pPr>
-            <a:r>
-              <a:t/>
-            </a:r>
             <a:endParaRPr/>
           </a:p>
         </p:txBody>
@@ -1795,11 +1865,11 @@
 </file>
 
 <file path=ppt/slideLayouts/slideLayout1.xml><?xml version="1.0" encoding="utf-8"?>
-<p:sldLayout xmlns:a="http://schemas.openxmlformats.org/drawingml/2006/main" xmlns:r="http://schemas.openxmlformats.org/officeDocument/2006/relationships" xmlns:mc="http://schemas.openxmlformats.org/markup-compatibility/2006" xmlns:mv="urn:schemas-microsoft-com:mac:vml" xmlns:p="http://schemas.openxmlformats.org/presentationml/2006/main" xmlns:c="http://schemas.openxmlformats.org/drawingml/2006/chart" xmlns:dgm="http://schemas.openxmlformats.org/drawingml/2006/diagram" xmlns:o="urn:schemas-microsoft-com:office:office" xmlns:v="urn:schemas-microsoft-com:vml" xmlns:pvml="urn:schemas-microsoft-com:office:powerpoint" xmlns:com="http://schemas.openxmlformats.org/drawingml/2006/compatibility" xmlns:p14="http://schemas.microsoft.com/office/powerpoint/2010/main" xmlns:p15="http://schemas.microsoft.com/office/powerpoint/2012/main" xmlns:ahyp="http://schemas.microsoft.com/office/drawing/2018/hyperlinkcolor" matchingName="Title slide" type="title">
-  <p:cSld name="TITLE">
+<p:sldLayout xmlns:a="http://schemas.openxmlformats.org/drawingml/2006/main" xmlns:r="http://schemas.openxmlformats.org/officeDocument/2006/relationships" xmlns:p="http://schemas.openxmlformats.org/presentationml/2006/main" matchingName="Title slide" type="title">
+  <p:cSld name="Title slide">
     <p:spTree>
       <p:nvGrpSpPr>
-        <p:cNvPr id="11" name="Shape 11"/>
+        <p:cNvPr id="1" name="Shape 11"/>
         <p:cNvGrpSpPr/>
         <p:nvPr/>
       </p:nvGrpSpPr>
@@ -1814,7 +1884,9 @@
       <p:sp>
         <p:nvSpPr>
           <p:cNvPr id="12" name="Google Shape;12;p2"/>
-          <p:cNvSpPr txBox="1"/>
+          <p:cNvSpPr txBox="1">
+            <a:spLocks noGrp="1"/>
+          </p:cNvSpPr>
           <p:nvPr>
             <p:ph type="ctrTitle"/>
           </p:nvPr>
@@ -1829,11 +1901,11 @@
           </a:prstGeom>
         </p:spPr>
         <p:txBody>
-          <a:bodyPr anchorCtr="0" anchor="b" bIns="91425" lIns="91425" spcFirstLastPara="1" rIns="91425" wrap="square" tIns="91425">
+          <a:bodyPr spcFirstLastPara="1" wrap="square" lIns="91425" tIns="91425" rIns="91425" bIns="91425" anchor="b" anchorCtr="0">
             <a:normAutofit/>
           </a:bodyPr>
           <a:lstStyle>
-            <a:lvl1pPr lvl="0" rtl="0" algn="ctr">
+            <a:lvl1pPr lvl="0" algn="ctr" rtl="0">
               <a:spcBef>
                 <a:spcPts val="0"/>
               </a:spcBef>
@@ -1850,7 +1922,7 @@
                 <a:sym typeface="Prompt Medium"/>
               </a:defRPr>
             </a:lvl1pPr>
-            <a:lvl2pPr lvl="1" rtl="0" algn="ctr">
+            <a:lvl2pPr lvl="1" algn="ctr" rtl="0">
               <a:spcBef>
                 <a:spcPts val="0"/>
               </a:spcBef>
@@ -1861,7 +1933,7 @@
               <a:buNone/>
               <a:defRPr sz="5200"/>
             </a:lvl2pPr>
-            <a:lvl3pPr lvl="2" rtl="0" algn="ctr">
+            <a:lvl3pPr lvl="2" algn="ctr" rtl="0">
               <a:spcBef>
                 <a:spcPts val="0"/>
               </a:spcBef>
@@ -1872,7 +1944,7 @@
               <a:buNone/>
               <a:defRPr sz="5200"/>
             </a:lvl3pPr>
-            <a:lvl4pPr lvl="3" rtl="0" algn="ctr">
+            <a:lvl4pPr lvl="3" algn="ctr" rtl="0">
               <a:spcBef>
                 <a:spcPts val="0"/>
               </a:spcBef>
@@ -1883,7 +1955,7 @@
               <a:buNone/>
               <a:defRPr sz="5200"/>
             </a:lvl4pPr>
-            <a:lvl5pPr lvl="4" rtl="0" algn="ctr">
+            <a:lvl5pPr lvl="4" algn="ctr" rtl="0">
               <a:spcBef>
                 <a:spcPts val="0"/>
               </a:spcBef>
@@ -1894,7 +1966,7 @@
               <a:buNone/>
               <a:defRPr sz="5200"/>
             </a:lvl5pPr>
-            <a:lvl6pPr lvl="5" rtl="0" algn="ctr">
+            <a:lvl6pPr lvl="5" algn="ctr" rtl="0">
               <a:spcBef>
                 <a:spcPts val="0"/>
               </a:spcBef>
@@ -1905,7 +1977,7 @@
               <a:buNone/>
               <a:defRPr sz="5200"/>
             </a:lvl6pPr>
-            <a:lvl7pPr lvl="6" rtl="0" algn="ctr">
+            <a:lvl7pPr lvl="6" algn="ctr" rtl="0">
               <a:spcBef>
                 <a:spcPts val="0"/>
               </a:spcBef>
@@ -1916,7 +1988,7 @@
               <a:buNone/>
               <a:defRPr sz="5200"/>
             </a:lvl7pPr>
-            <a:lvl8pPr lvl="7" rtl="0" algn="ctr">
+            <a:lvl8pPr lvl="7" algn="ctr" rtl="0">
               <a:spcBef>
                 <a:spcPts val="0"/>
               </a:spcBef>
@@ -1927,7 +1999,7 @@
               <a:buNone/>
               <a:defRPr sz="5200"/>
             </a:lvl8pPr>
-            <a:lvl9pPr lvl="8" rtl="0" algn="ctr">
+            <a:lvl9pPr lvl="8" algn="ctr" rtl="0">
               <a:spcBef>
                 <a:spcPts val="0"/>
               </a:spcBef>
@@ -1939,15 +2011,23 @@
               <a:defRPr sz="5200"/>
             </a:lvl9pPr>
           </a:lstStyle>
-          <a:p/>
+          <a:p>
+            <a:r>
+              <a:rPr lang="cs-CZ"/>
+              <a:t>Kliknutím lze upravit styl.</a:t>
+            </a:r>
+            <a:endParaRPr/>
+          </a:p>
         </p:txBody>
       </p:sp>
       <p:sp>
         <p:nvSpPr>
           <p:cNvPr id="13" name="Google Shape;13;p2"/>
-          <p:cNvSpPr txBox="1"/>
+          <p:cNvSpPr txBox="1">
+            <a:spLocks noGrp="1"/>
+          </p:cNvSpPr>
           <p:nvPr>
-            <p:ph idx="1" type="subTitle"/>
+            <p:ph type="subTitle" idx="1"/>
           </p:nvPr>
         </p:nvSpPr>
         <p:spPr>
@@ -1960,11 +2040,11 @@
           </a:prstGeom>
         </p:spPr>
         <p:txBody>
-          <a:bodyPr anchorCtr="0" anchor="t" bIns="91425" lIns="91425" spcFirstLastPara="1" rIns="91425" wrap="square" tIns="91425">
+          <a:bodyPr spcFirstLastPara="1" wrap="square" lIns="91425" tIns="91425" rIns="91425" bIns="91425" anchor="t" anchorCtr="0">
             <a:normAutofit/>
           </a:bodyPr>
           <a:lstStyle>
-            <a:lvl1pPr lvl="0" rtl="0" algn="ctr">
+            <a:lvl1pPr lvl="0" algn="ctr" rtl="0">
               <a:lnSpc>
                 <a:spcPct val="100000"/>
               </a:lnSpc>
@@ -1978,7 +2058,7 @@
               <a:buNone/>
               <a:defRPr sz="2800"/>
             </a:lvl1pPr>
-            <a:lvl2pPr lvl="1" rtl="0" algn="ctr">
+            <a:lvl2pPr lvl="1" algn="ctr" rtl="0">
               <a:lnSpc>
                 <a:spcPct val="100000"/>
               </a:lnSpc>
@@ -1992,7 +2072,7 @@
               <a:buNone/>
               <a:defRPr sz="2800"/>
             </a:lvl2pPr>
-            <a:lvl3pPr lvl="2" rtl="0" algn="ctr">
+            <a:lvl3pPr lvl="2" algn="ctr" rtl="0">
               <a:lnSpc>
                 <a:spcPct val="100000"/>
               </a:lnSpc>
@@ -2006,7 +2086,7 @@
               <a:buNone/>
               <a:defRPr sz="2800"/>
             </a:lvl3pPr>
-            <a:lvl4pPr lvl="3" rtl="0" algn="ctr">
+            <a:lvl4pPr lvl="3" algn="ctr" rtl="0">
               <a:lnSpc>
                 <a:spcPct val="100000"/>
               </a:lnSpc>
@@ -2020,7 +2100,7 @@
               <a:buNone/>
               <a:defRPr sz="2800"/>
             </a:lvl4pPr>
-            <a:lvl5pPr lvl="4" rtl="0" algn="ctr">
+            <a:lvl5pPr lvl="4" algn="ctr" rtl="0">
               <a:lnSpc>
                 <a:spcPct val="100000"/>
               </a:lnSpc>
@@ -2034,7 +2114,7 @@
               <a:buNone/>
               <a:defRPr sz="2800"/>
             </a:lvl5pPr>
-            <a:lvl6pPr lvl="5" rtl="0" algn="ctr">
+            <a:lvl6pPr lvl="5" algn="ctr" rtl="0">
               <a:lnSpc>
                 <a:spcPct val="100000"/>
               </a:lnSpc>
@@ -2048,7 +2128,7 @@
               <a:buNone/>
               <a:defRPr sz="2800"/>
             </a:lvl6pPr>
-            <a:lvl7pPr lvl="6" rtl="0" algn="ctr">
+            <a:lvl7pPr lvl="6" algn="ctr" rtl="0">
               <a:lnSpc>
                 <a:spcPct val="100000"/>
               </a:lnSpc>
@@ -2062,7 +2142,7 @@
               <a:buNone/>
               <a:defRPr sz="2800"/>
             </a:lvl7pPr>
-            <a:lvl8pPr lvl="7" rtl="0" algn="ctr">
+            <a:lvl8pPr lvl="7" algn="ctr" rtl="0">
               <a:lnSpc>
                 <a:spcPct val="100000"/>
               </a:lnSpc>
@@ -2076,7 +2156,7 @@
               <a:buNone/>
               <a:defRPr sz="2800"/>
             </a:lvl8pPr>
-            <a:lvl9pPr lvl="8" rtl="0" algn="ctr">
+            <a:lvl9pPr lvl="8" algn="ctr" rtl="0">
               <a:lnSpc>
                 <a:spcPct val="100000"/>
               </a:lnSpc>
@@ -2091,15 +2171,23 @@
               <a:defRPr sz="2800"/>
             </a:lvl9pPr>
           </a:lstStyle>
-          <a:p/>
+          <a:p>
+            <a:r>
+              <a:rPr lang="cs-CZ"/>
+              <a:t>Kliknutím můžete upravit styl předlohy.</a:t>
+            </a:r>
+            <a:endParaRPr/>
+          </a:p>
         </p:txBody>
       </p:sp>
       <p:sp>
         <p:nvSpPr>
           <p:cNvPr id="14" name="Google Shape;14;p2"/>
-          <p:cNvSpPr txBox="1"/>
+          <p:cNvSpPr txBox="1">
+            <a:spLocks noGrp="1"/>
+          </p:cNvSpPr>
           <p:nvPr>
-            <p:ph idx="12" type="sldNum"/>
+            <p:ph type="sldNum" idx="12"/>
           </p:nvPr>
         </p:nvSpPr>
         <p:spPr>
@@ -2112,7 +2200,7 @@
           </a:prstGeom>
         </p:spPr>
         <p:txBody>
-          <a:bodyPr anchorCtr="0" anchor="ctr" bIns="91425" lIns="91425" spcFirstLastPara="1" rIns="91425" wrap="square" tIns="91425">
+          <a:bodyPr spcFirstLastPara="1" wrap="square" lIns="91425" tIns="91425" rIns="91425" bIns="91425" anchor="ctr" anchorCtr="0">
             <a:normAutofit/>
           </a:bodyPr>
           <a:lstStyle>
@@ -2154,7 +2242,7 @@
             </a:lvl9pPr>
           </a:lstStyle>
           <a:p>
-            <a:pPr indent="0" lvl="0" marL="0" rtl="0" algn="r">
+            <a:pPr marL="0" lvl="0" indent="0" algn="r" rtl="0">
               <a:spcBef>
                 <a:spcPts val="0"/>
               </a:spcBef>
@@ -2164,14 +2252,19 @@
               <a:buNone/>
             </a:pPr>
             <a:fld id="{00000000-1234-1234-1234-123412341234}" type="slidenum">
-              <a:rPr lang="cs"/>
+              <a:rPr lang="cs" smtClean="0"/>
               <a:t>‹#›</a:t>
             </a:fld>
-            <a:endParaRPr/>
+            <a:endParaRPr lang="cs"/>
           </a:p>
         </p:txBody>
       </p:sp>
     </p:spTree>
+    <p:extLst>
+      <p:ext uri="{BB962C8B-B14F-4D97-AF65-F5344CB8AC3E}">
+        <p14:creationId xmlns:p14="http://schemas.microsoft.com/office/powerpoint/2010/main" val="2373485442"/>
+      </p:ext>
+    </p:extLst>
   </p:cSld>
   <p:clrMapOvr>
     <a:masterClrMapping/>
@@ -2180,11 +2273,11 @@
 </file>
 
 <file path=ppt/slideLayouts/slideLayout10.xml><?xml version="1.0" encoding="utf-8"?>
-<p:sldLayout xmlns:a="http://schemas.openxmlformats.org/drawingml/2006/main" xmlns:r="http://schemas.openxmlformats.org/officeDocument/2006/relationships" xmlns:mc="http://schemas.openxmlformats.org/markup-compatibility/2006" xmlns:mv="urn:schemas-microsoft-com:mac:vml" xmlns:p="http://schemas.openxmlformats.org/presentationml/2006/main" xmlns:c="http://schemas.openxmlformats.org/drawingml/2006/chart" xmlns:dgm="http://schemas.openxmlformats.org/drawingml/2006/diagram" xmlns:o="urn:schemas-microsoft-com:office:office" xmlns:v="urn:schemas-microsoft-com:vml" xmlns:pvml="urn:schemas-microsoft-com:office:powerpoint" xmlns:com="http://schemas.openxmlformats.org/drawingml/2006/compatibility" xmlns:p14="http://schemas.microsoft.com/office/powerpoint/2010/main" xmlns:p15="http://schemas.microsoft.com/office/powerpoint/2012/main" xmlns:ahyp="http://schemas.microsoft.com/office/drawing/2018/hyperlinkcolor" matchingName="Big number">
-  <p:cSld name="BIG_NUMBER">
+<p:sldLayout xmlns:a="http://schemas.openxmlformats.org/drawingml/2006/main" xmlns:r="http://schemas.openxmlformats.org/officeDocument/2006/relationships" xmlns:p="http://schemas.openxmlformats.org/presentationml/2006/main" matchingName="Big number">
+  <p:cSld name="Big number">
     <p:spTree>
       <p:nvGrpSpPr>
-        <p:cNvPr id="46" name="Shape 46"/>
+        <p:cNvPr id="1" name="Shape 46"/>
         <p:cNvGrpSpPr/>
         <p:nvPr/>
       </p:nvGrpSpPr>
@@ -2199,9 +2292,11 @@
       <p:sp>
         <p:nvSpPr>
           <p:cNvPr id="47" name="Google Shape;47;p11"/>
-          <p:cNvSpPr txBox="1"/>
+          <p:cNvSpPr txBox="1">
+            <a:spLocks noGrp="1"/>
+          </p:cNvSpPr>
           <p:nvPr>
-            <p:ph hasCustomPrompt="1" type="title"/>
+            <p:ph type="title" hasCustomPrompt="1"/>
           </p:nvPr>
         </p:nvSpPr>
         <p:spPr>
@@ -2214,11 +2309,11 @@
           </a:prstGeom>
         </p:spPr>
         <p:txBody>
-          <a:bodyPr anchorCtr="0" anchor="b" bIns="91425" lIns="91425" spcFirstLastPara="1" rIns="91425" wrap="square" tIns="91425">
+          <a:bodyPr spcFirstLastPara="1" wrap="square" lIns="91425" tIns="91425" rIns="91425" bIns="91425" anchor="b" anchorCtr="0">
             <a:normAutofit/>
           </a:bodyPr>
           <a:lstStyle>
-            <a:lvl1pPr lvl="0" rtl="0" algn="ctr">
+            <a:lvl1pPr lvl="0" algn="ctr" rtl="0">
               <a:spcBef>
                 <a:spcPts val="0"/>
               </a:spcBef>
@@ -2229,7 +2324,7 @@
               <a:buNone/>
               <a:defRPr sz="12000"/>
             </a:lvl1pPr>
-            <a:lvl2pPr lvl="1" rtl="0" algn="ctr">
+            <a:lvl2pPr lvl="1" algn="ctr" rtl="0">
               <a:spcBef>
                 <a:spcPts val="0"/>
               </a:spcBef>
@@ -2240,7 +2335,7 @@
               <a:buNone/>
               <a:defRPr sz="12000"/>
             </a:lvl2pPr>
-            <a:lvl3pPr lvl="2" rtl="0" algn="ctr">
+            <a:lvl3pPr lvl="2" algn="ctr" rtl="0">
               <a:spcBef>
                 <a:spcPts val="0"/>
               </a:spcBef>
@@ -2251,7 +2346,7 @@
               <a:buNone/>
               <a:defRPr sz="12000"/>
             </a:lvl3pPr>
-            <a:lvl4pPr lvl="3" rtl="0" algn="ctr">
+            <a:lvl4pPr lvl="3" algn="ctr" rtl="0">
               <a:spcBef>
                 <a:spcPts val="0"/>
               </a:spcBef>
@@ -2262,7 +2357,7 @@
               <a:buNone/>
               <a:defRPr sz="12000"/>
             </a:lvl4pPr>
-            <a:lvl5pPr lvl="4" rtl="0" algn="ctr">
+            <a:lvl5pPr lvl="4" algn="ctr" rtl="0">
               <a:spcBef>
                 <a:spcPts val="0"/>
               </a:spcBef>
@@ -2273,7 +2368,7 @@
               <a:buNone/>
               <a:defRPr sz="12000"/>
             </a:lvl5pPr>
-            <a:lvl6pPr lvl="5" rtl="0" algn="ctr">
+            <a:lvl6pPr lvl="5" algn="ctr" rtl="0">
               <a:spcBef>
                 <a:spcPts val="0"/>
               </a:spcBef>
@@ -2284,7 +2379,7 @@
               <a:buNone/>
               <a:defRPr sz="12000"/>
             </a:lvl6pPr>
-            <a:lvl7pPr lvl="6" rtl="0" algn="ctr">
+            <a:lvl7pPr lvl="6" algn="ctr" rtl="0">
               <a:spcBef>
                 <a:spcPts val="0"/>
               </a:spcBef>
@@ -2295,7 +2390,7 @@
               <a:buNone/>
               <a:defRPr sz="12000"/>
             </a:lvl7pPr>
-            <a:lvl8pPr lvl="7" rtl="0" algn="ctr">
+            <a:lvl8pPr lvl="7" algn="ctr" rtl="0">
               <a:spcBef>
                 <a:spcPts val="0"/>
               </a:spcBef>
@@ -2306,7 +2401,7 @@
               <a:buNone/>
               <a:defRPr sz="12000"/>
             </a:lvl8pPr>
-            <a:lvl9pPr lvl="8" rtl="0" algn="ctr">
+            <a:lvl9pPr lvl="8" algn="ctr" rtl="0">
               <a:spcBef>
                 <a:spcPts val="0"/>
               </a:spcBef>
@@ -2328,9 +2423,11 @@
       <p:sp>
         <p:nvSpPr>
           <p:cNvPr id="48" name="Google Shape;48;p11"/>
-          <p:cNvSpPr txBox="1"/>
+          <p:cNvSpPr txBox="1">
+            <a:spLocks noGrp="1"/>
+          </p:cNvSpPr>
           <p:nvPr>
-            <p:ph idx="1" type="body"/>
+            <p:ph type="body" idx="1"/>
           </p:nvPr>
         </p:nvSpPr>
         <p:spPr>
@@ -2343,11 +2440,11 @@
           </a:prstGeom>
         </p:spPr>
         <p:txBody>
-          <a:bodyPr anchorCtr="0" anchor="t" bIns="91425" lIns="91425" spcFirstLastPara="1" rIns="91425" wrap="square" tIns="91425">
+          <a:bodyPr spcFirstLastPara="1" wrap="square" lIns="91425" tIns="91425" rIns="91425" bIns="91425" anchor="t" anchorCtr="0">
             <a:normAutofit/>
           </a:bodyPr>
           <a:lstStyle>
-            <a:lvl1pPr indent="-342900" lvl="0" marL="457200" rtl="0" algn="ctr">
+            <a:lvl1pPr marL="457200" lvl="0" indent="-342900" algn="ctr" rtl="0">
               <a:spcBef>
                 <a:spcPts val="0"/>
               </a:spcBef>
@@ -2358,7 +2455,7 @@
               <a:buChar char="⎼"/>
               <a:defRPr/>
             </a:lvl1pPr>
-            <a:lvl2pPr indent="-317500" lvl="1" marL="914400" rtl="0" algn="ctr">
+            <a:lvl2pPr marL="914400" lvl="1" indent="-317500" algn="ctr" rtl="0">
               <a:spcBef>
                 <a:spcPts val="0"/>
               </a:spcBef>
@@ -2369,7 +2466,7 @@
               <a:buChar char="⎼"/>
               <a:defRPr/>
             </a:lvl2pPr>
-            <a:lvl3pPr indent="-317500" lvl="2" marL="1371600" rtl="0" algn="ctr">
+            <a:lvl3pPr marL="1371600" lvl="2" indent="-317500" algn="ctr" rtl="0">
               <a:spcBef>
                 <a:spcPts val="0"/>
               </a:spcBef>
@@ -2380,7 +2477,7 @@
               <a:buChar char="⎼"/>
               <a:defRPr/>
             </a:lvl3pPr>
-            <a:lvl4pPr indent="-317500" lvl="3" marL="1828800" rtl="0" algn="ctr">
+            <a:lvl4pPr marL="1828800" lvl="3" indent="-317500" algn="ctr" rtl="0">
               <a:spcBef>
                 <a:spcPts val="0"/>
               </a:spcBef>
@@ -2391,7 +2488,7 @@
               <a:buChar char="⎼"/>
               <a:defRPr/>
             </a:lvl4pPr>
-            <a:lvl5pPr indent="-317500" lvl="4" marL="2286000" rtl="0" algn="ctr">
+            <a:lvl5pPr marL="2286000" lvl="4" indent="-317500" algn="ctr" rtl="0">
               <a:spcBef>
                 <a:spcPts val="0"/>
               </a:spcBef>
@@ -2402,7 +2499,7 @@
               <a:buChar char="⎼"/>
               <a:defRPr/>
             </a:lvl5pPr>
-            <a:lvl6pPr indent="-317500" lvl="5" marL="2743200" rtl="0" algn="ctr">
+            <a:lvl6pPr marL="2743200" lvl="5" indent="-317500" algn="ctr" rtl="0">
               <a:spcBef>
                 <a:spcPts val="0"/>
               </a:spcBef>
@@ -2413,7 +2510,7 @@
               <a:buChar char="⎼"/>
               <a:defRPr/>
             </a:lvl6pPr>
-            <a:lvl7pPr indent="-317500" lvl="6" marL="3200400" rtl="0" algn="ctr">
+            <a:lvl7pPr marL="3200400" lvl="6" indent="-317500" algn="ctr" rtl="0">
               <a:spcBef>
                 <a:spcPts val="0"/>
               </a:spcBef>
@@ -2424,7 +2521,7 @@
               <a:buChar char="⎼"/>
               <a:defRPr/>
             </a:lvl7pPr>
-            <a:lvl8pPr indent="-317500" lvl="7" marL="3657600" rtl="0" algn="ctr">
+            <a:lvl8pPr marL="3657600" lvl="7" indent="-317500" algn="ctr" rtl="0">
               <a:spcBef>
                 <a:spcPts val="0"/>
               </a:spcBef>
@@ -2435,7 +2532,7 @@
               <a:buChar char="⎼"/>
               <a:defRPr/>
             </a:lvl8pPr>
-            <a:lvl9pPr indent="-317500" lvl="8" marL="4114800" rtl="0" algn="ctr">
+            <a:lvl9pPr marL="4114800" lvl="8" indent="-317500" algn="ctr" rtl="0">
               <a:spcBef>
                 <a:spcPts val="0"/>
               </a:spcBef>
@@ -2447,15 +2544,23 @@
               <a:defRPr/>
             </a:lvl9pPr>
           </a:lstStyle>
-          <a:p/>
+          <a:p>
+            <a:pPr lvl="0"/>
+            <a:r>
+              <a:rPr lang="cs-CZ"/>
+              <a:t>Po kliknutí můžete upravovat styly textu v předloze.</a:t>
+            </a:r>
+          </a:p>
         </p:txBody>
       </p:sp>
       <p:sp>
         <p:nvSpPr>
           <p:cNvPr id="49" name="Google Shape;49;p11"/>
-          <p:cNvSpPr txBox="1"/>
+          <p:cNvSpPr txBox="1">
+            <a:spLocks noGrp="1"/>
+          </p:cNvSpPr>
           <p:nvPr>
-            <p:ph idx="12" type="sldNum"/>
+            <p:ph type="sldNum" idx="12"/>
           </p:nvPr>
         </p:nvSpPr>
         <p:spPr>
@@ -2468,7 +2573,7 @@
           </a:prstGeom>
         </p:spPr>
         <p:txBody>
-          <a:bodyPr anchorCtr="0" anchor="ctr" bIns="91425" lIns="91425" spcFirstLastPara="1" rIns="91425" wrap="square" tIns="91425">
+          <a:bodyPr spcFirstLastPara="1" wrap="square" lIns="91425" tIns="91425" rIns="91425" bIns="91425" anchor="ctr" anchorCtr="0">
             <a:normAutofit/>
           </a:bodyPr>
           <a:lstStyle>
@@ -2510,7 +2615,7 @@
             </a:lvl9pPr>
           </a:lstStyle>
           <a:p>
-            <a:pPr indent="0" lvl="0" marL="0" rtl="0" algn="r">
+            <a:pPr marL="0" lvl="0" indent="0" algn="r" rtl="0">
               <a:spcBef>
                 <a:spcPts val="0"/>
               </a:spcBef>
@@ -2520,14 +2625,19 @@
               <a:buNone/>
             </a:pPr>
             <a:fld id="{00000000-1234-1234-1234-123412341234}" type="slidenum">
-              <a:rPr lang="cs"/>
+              <a:rPr lang="cs" smtClean="0"/>
               <a:t>‹#›</a:t>
             </a:fld>
-            <a:endParaRPr/>
+            <a:endParaRPr lang="cs"/>
           </a:p>
         </p:txBody>
       </p:sp>
     </p:spTree>
+    <p:extLst>
+      <p:ext uri="{BB962C8B-B14F-4D97-AF65-F5344CB8AC3E}">
+        <p14:creationId xmlns:p14="http://schemas.microsoft.com/office/powerpoint/2010/main" val="1509885692"/>
+      </p:ext>
+    </p:extLst>
   </p:cSld>
   <p:clrMapOvr>
     <a:masterClrMapping/>
@@ -2536,11 +2646,11 @@
 </file>
 
 <file path=ppt/slideLayouts/slideLayout11.xml><?xml version="1.0" encoding="utf-8"?>
-<p:sldLayout xmlns:a="http://schemas.openxmlformats.org/drawingml/2006/main" xmlns:r="http://schemas.openxmlformats.org/officeDocument/2006/relationships" xmlns:mc="http://schemas.openxmlformats.org/markup-compatibility/2006" xmlns:mv="urn:schemas-microsoft-com:mac:vml" xmlns:p="http://schemas.openxmlformats.org/presentationml/2006/main" xmlns:c="http://schemas.openxmlformats.org/drawingml/2006/chart" xmlns:dgm="http://schemas.openxmlformats.org/drawingml/2006/diagram" xmlns:o="urn:schemas-microsoft-com:office:office" xmlns:v="urn:schemas-microsoft-com:vml" xmlns:pvml="urn:schemas-microsoft-com:office:powerpoint" xmlns:com="http://schemas.openxmlformats.org/drawingml/2006/compatibility" xmlns:p14="http://schemas.microsoft.com/office/powerpoint/2010/main" xmlns:p15="http://schemas.microsoft.com/office/powerpoint/2012/main" xmlns:ahyp="http://schemas.microsoft.com/office/drawing/2018/hyperlinkcolor" matchingName="GJK" type="blank">
-  <p:cSld name="BLANK">
+<p:sldLayout xmlns:a="http://schemas.openxmlformats.org/drawingml/2006/main" xmlns:r="http://schemas.openxmlformats.org/officeDocument/2006/relationships" xmlns:p="http://schemas.openxmlformats.org/presentationml/2006/main" matchingName="GJK" type="blank">
+  <p:cSld name="GJK">
     <p:spTree>
       <p:nvGrpSpPr>
-        <p:cNvPr id="50" name="Shape 50"/>
+        <p:cNvPr id="1" name="Shape 50"/>
         <p:cNvGrpSpPr/>
         <p:nvPr/>
       </p:nvGrpSpPr>
@@ -2555,9 +2665,11 @@
       <p:sp>
         <p:nvSpPr>
           <p:cNvPr id="51" name="Google Shape;51;p12"/>
-          <p:cNvSpPr txBox="1"/>
+          <p:cNvSpPr txBox="1">
+            <a:spLocks noGrp="1"/>
+          </p:cNvSpPr>
           <p:nvPr>
-            <p:ph idx="12" type="sldNum"/>
+            <p:ph type="sldNum" idx="12"/>
           </p:nvPr>
         </p:nvSpPr>
         <p:spPr>
@@ -2570,7 +2682,7 @@
           </a:prstGeom>
         </p:spPr>
         <p:txBody>
-          <a:bodyPr anchorCtr="0" anchor="ctr" bIns="91425" lIns="91425" spcFirstLastPara="1" rIns="91425" wrap="square" tIns="91425">
+          <a:bodyPr spcFirstLastPara="1" wrap="square" lIns="91425" tIns="91425" rIns="91425" bIns="91425" anchor="ctr" anchorCtr="0">
             <a:normAutofit/>
           </a:bodyPr>
           <a:lstStyle>
@@ -2612,7 +2724,7 @@
             </a:lvl9pPr>
           </a:lstStyle>
           <a:p>
-            <a:pPr indent="0" lvl="0" marL="0" rtl="0" algn="r">
+            <a:pPr marL="0" lvl="0" indent="0" algn="r" rtl="0">
               <a:spcBef>
                 <a:spcPts val="0"/>
               </a:spcBef>
@@ -2622,14 +2734,19 @@
               <a:buNone/>
             </a:pPr>
             <a:fld id="{00000000-1234-1234-1234-123412341234}" type="slidenum">
-              <a:rPr lang="cs"/>
+              <a:rPr lang="cs" smtClean="0"/>
               <a:t>‹#›</a:t>
             </a:fld>
-            <a:endParaRPr/>
+            <a:endParaRPr lang="cs"/>
           </a:p>
         </p:txBody>
       </p:sp>
     </p:spTree>
+    <p:extLst>
+      <p:ext uri="{BB962C8B-B14F-4D97-AF65-F5344CB8AC3E}">
+        <p14:creationId xmlns:p14="http://schemas.microsoft.com/office/powerpoint/2010/main" val="187117858"/>
+      </p:ext>
+    </p:extLst>
   </p:cSld>
   <p:clrMapOvr>
     <a:masterClrMapping/>
@@ -2638,11 +2755,11 @@
 </file>
 
 <file path=ppt/slideLayouts/slideLayout2.xml><?xml version="1.0" encoding="utf-8"?>
-<p:sldLayout xmlns:a="http://schemas.openxmlformats.org/drawingml/2006/main" xmlns:r="http://schemas.openxmlformats.org/officeDocument/2006/relationships" xmlns:mc="http://schemas.openxmlformats.org/markup-compatibility/2006" xmlns:mv="urn:schemas-microsoft-com:mac:vml" xmlns:p="http://schemas.openxmlformats.org/presentationml/2006/main" xmlns:c="http://schemas.openxmlformats.org/drawingml/2006/chart" xmlns:dgm="http://schemas.openxmlformats.org/drawingml/2006/diagram" xmlns:o="urn:schemas-microsoft-com:office:office" xmlns:v="urn:schemas-microsoft-com:vml" xmlns:pvml="urn:schemas-microsoft-com:office:powerpoint" xmlns:com="http://schemas.openxmlformats.org/drawingml/2006/compatibility" xmlns:p14="http://schemas.microsoft.com/office/powerpoint/2010/main" xmlns:p15="http://schemas.microsoft.com/office/powerpoint/2012/main" xmlns:ahyp="http://schemas.microsoft.com/office/drawing/2018/hyperlinkcolor" matchingName="Section header" type="secHead">
-  <p:cSld name="SECTION_HEADER">
+<p:sldLayout xmlns:a="http://schemas.openxmlformats.org/drawingml/2006/main" xmlns:r="http://schemas.openxmlformats.org/officeDocument/2006/relationships" xmlns:p="http://schemas.openxmlformats.org/presentationml/2006/main" matchingName="Section header" type="secHead">
+  <p:cSld name="Section header">
     <p:spTree>
       <p:nvGrpSpPr>
-        <p:cNvPr id="15" name="Shape 15"/>
+        <p:cNvPr id="1" name="Shape 15"/>
         <p:cNvGrpSpPr/>
         <p:nvPr/>
       </p:nvGrpSpPr>
@@ -2657,7 +2774,9 @@
       <p:sp>
         <p:nvSpPr>
           <p:cNvPr id="16" name="Google Shape;16;p3"/>
-          <p:cNvSpPr txBox="1"/>
+          <p:cNvSpPr txBox="1">
+            <a:spLocks noGrp="1"/>
+          </p:cNvSpPr>
           <p:nvPr>
             <p:ph type="title"/>
           </p:nvPr>
@@ -2672,11 +2791,11 @@
           </a:prstGeom>
         </p:spPr>
         <p:txBody>
-          <a:bodyPr anchorCtr="0" anchor="ctr" bIns="91425" lIns="91425" spcFirstLastPara="1" rIns="91425" wrap="square" tIns="91425">
+          <a:bodyPr spcFirstLastPara="1" wrap="square" lIns="91425" tIns="91425" rIns="91425" bIns="91425" anchor="ctr" anchorCtr="0">
             <a:normAutofit/>
           </a:bodyPr>
           <a:lstStyle>
-            <a:lvl1pPr lvl="0" rtl="0" algn="ctr">
+            <a:lvl1pPr lvl="0" algn="ctr" rtl="0">
               <a:spcBef>
                 <a:spcPts val="0"/>
               </a:spcBef>
@@ -2687,7 +2806,7 @@
               <a:buNone/>
               <a:defRPr sz="3600"/>
             </a:lvl1pPr>
-            <a:lvl2pPr lvl="1" rtl="0" algn="ctr">
+            <a:lvl2pPr lvl="1" algn="ctr" rtl="0">
               <a:spcBef>
                 <a:spcPts val="0"/>
               </a:spcBef>
@@ -2698,7 +2817,7 @@
               <a:buNone/>
               <a:defRPr sz="3600"/>
             </a:lvl2pPr>
-            <a:lvl3pPr lvl="2" rtl="0" algn="ctr">
+            <a:lvl3pPr lvl="2" algn="ctr" rtl="0">
               <a:spcBef>
                 <a:spcPts val="0"/>
               </a:spcBef>
@@ -2709,7 +2828,7 @@
               <a:buNone/>
               <a:defRPr sz="3600"/>
             </a:lvl3pPr>
-            <a:lvl4pPr lvl="3" rtl="0" algn="ctr">
+            <a:lvl4pPr lvl="3" algn="ctr" rtl="0">
               <a:spcBef>
                 <a:spcPts val="0"/>
               </a:spcBef>
@@ -2720,7 +2839,7 @@
               <a:buNone/>
               <a:defRPr sz="3600"/>
             </a:lvl4pPr>
-            <a:lvl5pPr lvl="4" rtl="0" algn="ctr">
+            <a:lvl5pPr lvl="4" algn="ctr" rtl="0">
               <a:spcBef>
                 <a:spcPts val="0"/>
               </a:spcBef>
@@ -2731,7 +2850,7 @@
               <a:buNone/>
               <a:defRPr sz="3600"/>
             </a:lvl5pPr>
-            <a:lvl6pPr lvl="5" rtl="0" algn="ctr">
+            <a:lvl6pPr lvl="5" algn="ctr" rtl="0">
               <a:spcBef>
                 <a:spcPts val="0"/>
               </a:spcBef>
@@ -2742,7 +2861,7 @@
               <a:buNone/>
               <a:defRPr sz="3600"/>
             </a:lvl6pPr>
-            <a:lvl7pPr lvl="6" rtl="0" algn="ctr">
+            <a:lvl7pPr lvl="6" algn="ctr" rtl="0">
               <a:spcBef>
                 <a:spcPts val="0"/>
               </a:spcBef>
@@ -2753,7 +2872,7 @@
               <a:buNone/>
               <a:defRPr sz="3600"/>
             </a:lvl7pPr>
-            <a:lvl8pPr lvl="7" rtl="0" algn="ctr">
+            <a:lvl8pPr lvl="7" algn="ctr" rtl="0">
               <a:spcBef>
                 <a:spcPts val="0"/>
               </a:spcBef>
@@ -2764,7 +2883,7 @@
               <a:buNone/>
               <a:defRPr sz="3600"/>
             </a:lvl8pPr>
-            <a:lvl9pPr lvl="8" rtl="0" algn="ctr">
+            <a:lvl9pPr lvl="8" algn="ctr" rtl="0">
               <a:spcBef>
                 <a:spcPts val="0"/>
               </a:spcBef>
@@ -2776,15 +2895,23 @@
               <a:defRPr sz="3600"/>
             </a:lvl9pPr>
           </a:lstStyle>
-          <a:p/>
+          <a:p>
+            <a:r>
+              <a:rPr lang="cs-CZ"/>
+              <a:t>Kliknutím lze upravit styl.</a:t>
+            </a:r>
+            <a:endParaRPr/>
+          </a:p>
         </p:txBody>
       </p:sp>
       <p:sp>
         <p:nvSpPr>
           <p:cNvPr id="17" name="Google Shape;17;p3"/>
-          <p:cNvSpPr txBox="1"/>
+          <p:cNvSpPr txBox="1">
+            <a:spLocks noGrp="1"/>
+          </p:cNvSpPr>
           <p:nvPr>
-            <p:ph idx="12" type="sldNum"/>
+            <p:ph type="sldNum" idx="12"/>
           </p:nvPr>
         </p:nvSpPr>
         <p:spPr>
@@ -2797,7 +2924,7 @@
           </a:prstGeom>
         </p:spPr>
         <p:txBody>
-          <a:bodyPr anchorCtr="0" anchor="ctr" bIns="91425" lIns="91425" spcFirstLastPara="1" rIns="91425" wrap="square" tIns="91425">
+          <a:bodyPr spcFirstLastPara="1" wrap="square" lIns="91425" tIns="91425" rIns="91425" bIns="91425" anchor="ctr" anchorCtr="0">
             <a:normAutofit/>
           </a:bodyPr>
           <a:lstStyle>
@@ -2839,7 +2966,7 @@
             </a:lvl9pPr>
           </a:lstStyle>
           <a:p>
-            <a:pPr indent="0" lvl="0" marL="0" rtl="0" algn="r">
+            <a:pPr marL="0" lvl="0" indent="0" algn="r" rtl="0">
               <a:spcBef>
                 <a:spcPts val="0"/>
               </a:spcBef>
@@ -2849,14 +2976,19 @@
               <a:buNone/>
             </a:pPr>
             <a:fld id="{00000000-1234-1234-1234-123412341234}" type="slidenum">
-              <a:rPr lang="cs"/>
+              <a:rPr lang="cs" smtClean="0"/>
               <a:t>‹#›</a:t>
             </a:fld>
-            <a:endParaRPr/>
+            <a:endParaRPr lang="cs"/>
           </a:p>
         </p:txBody>
       </p:sp>
     </p:spTree>
+    <p:extLst>
+      <p:ext uri="{BB962C8B-B14F-4D97-AF65-F5344CB8AC3E}">
+        <p14:creationId xmlns:p14="http://schemas.microsoft.com/office/powerpoint/2010/main" val="239316803"/>
+      </p:ext>
+    </p:extLst>
   </p:cSld>
   <p:clrMapOvr>
     <a:masterClrMapping/>
@@ -2865,11 +2997,11 @@
 </file>
 
 <file path=ppt/slideLayouts/slideLayout3.xml><?xml version="1.0" encoding="utf-8"?>
-<p:sldLayout xmlns:a="http://schemas.openxmlformats.org/drawingml/2006/main" xmlns:r="http://schemas.openxmlformats.org/officeDocument/2006/relationships" xmlns:mc="http://schemas.openxmlformats.org/markup-compatibility/2006" xmlns:mv="urn:schemas-microsoft-com:mac:vml" xmlns:p="http://schemas.openxmlformats.org/presentationml/2006/main" xmlns:c="http://schemas.openxmlformats.org/drawingml/2006/chart" xmlns:dgm="http://schemas.openxmlformats.org/drawingml/2006/diagram" xmlns:o="urn:schemas-microsoft-com:office:office" xmlns:v="urn:schemas-microsoft-com:vml" xmlns:pvml="urn:schemas-microsoft-com:office:powerpoint" xmlns:com="http://schemas.openxmlformats.org/drawingml/2006/compatibility" xmlns:p14="http://schemas.microsoft.com/office/powerpoint/2010/main" xmlns:p15="http://schemas.microsoft.com/office/powerpoint/2012/main" xmlns:ahyp="http://schemas.microsoft.com/office/drawing/2018/hyperlinkcolor" matchingName="Title and body" type="tx">
-  <p:cSld name="TITLE_AND_BODY">
+<p:sldLayout xmlns:a="http://schemas.openxmlformats.org/drawingml/2006/main" xmlns:r="http://schemas.openxmlformats.org/officeDocument/2006/relationships" xmlns:p="http://schemas.openxmlformats.org/presentationml/2006/main" matchingName="Title and body" type="tx">
+  <p:cSld name="Title and body">
     <p:spTree>
       <p:nvGrpSpPr>
-        <p:cNvPr id="18" name="Shape 18"/>
+        <p:cNvPr id="1" name="Shape 18"/>
         <p:cNvGrpSpPr/>
         <p:nvPr/>
       </p:nvGrpSpPr>
@@ -2884,7 +3016,9 @@
       <p:sp>
         <p:nvSpPr>
           <p:cNvPr id="19" name="Google Shape;19;p4"/>
-          <p:cNvSpPr txBox="1"/>
+          <p:cNvSpPr txBox="1">
+            <a:spLocks noGrp="1"/>
+          </p:cNvSpPr>
           <p:nvPr>
             <p:ph type="title"/>
           </p:nvPr>
@@ -2899,7 +3033,7 @@
           </a:prstGeom>
         </p:spPr>
         <p:txBody>
-          <a:bodyPr anchorCtr="0" anchor="t" bIns="91425" lIns="91425" spcFirstLastPara="1" rIns="91425" wrap="square" tIns="91425">
+          <a:bodyPr spcFirstLastPara="1" wrap="square" lIns="91425" tIns="91425" rIns="91425" bIns="91425" anchor="t" anchorCtr="0">
             <a:normAutofit/>
           </a:bodyPr>
           <a:lstStyle>
@@ -3003,15 +3137,23 @@
               <a:defRPr/>
             </a:lvl9pPr>
           </a:lstStyle>
-          <a:p/>
+          <a:p>
+            <a:r>
+              <a:rPr lang="cs-CZ"/>
+              <a:t>Kliknutím lze upravit styl.</a:t>
+            </a:r>
+            <a:endParaRPr/>
+          </a:p>
         </p:txBody>
       </p:sp>
       <p:sp>
         <p:nvSpPr>
           <p:cNvPr id="20" name="Google Shape;20;p4"/>
-          <p:cNvSpPr txBox="1"/>
+          <p:cNvSpPr txBox="1">
+            <a:spLocks noGrp="1"/>
+          </p:cNvSpPr>
           <p:nvPr>
-            <p:ph idx="1" type="body"/>
+            <p:ph type="body" idx="1"/>
           </p:nvPr>
         </p:nvSpPr>
         <p:spPr>
@@ -3024,11 +3166,11 @@
           </a:prstGeom>
         </p:spPr>
         <p:txBody>
-          <a:bodyPr anchorCtr="0" anchor="t" bIns="91425" lIns="91425" spcFirstLastPara="1" rIns="91425" wrap="square" tIns="91425">
+          <a:bodyPr spcFirstLastPara="1" wrap="square" lIns="91425" tIns="91425" rIns="91425" bIns="91425" anchor="t" anchorCtr="0">
             <a:normAutofit/>
           </a:bodyPr>
           <a:lstStyle>
-            <a:lvl1pPr indent="-342900" lvl="0" marL="457200" rtl="0">
+            <a:lvl1pPr marL="457200" lvl="0" indent="-342900" rtl="0">
               <a:spcBef>
                 <a:spcPts val="0"/>
               </a:spcBef>
@@ -3039,7 +3181,7 @@
               <a:buChar char="−"/>
               <a:defRPr/>
             </a:lvl1pPr>
-            <a:lvl2pPr indent="-317500" lvl="1" marL="914400" rtl="0">
+            <a:lvl2pPr marL="914400" lvl="1" indent="-317500" rtl="0">
               <a:spcBef>
                 <a:spcPts val="0"/>
               </a:spcBef>
@@ -3050,7 +3192,7 @@
               <a:buChar char="⎼"/>
               <a:defRPr/>
             </a:lvl2pPr>
-            <a:lvl3pPr indent="-317500" lvl="2" marL="1371600" rtl="0">
+            <a:lvl3pPr marL="1371600" lvl="2" indent="-317500" rtl="0">
               <a:spcBef>
                 <a:spcPts val="0"/>
               </a:spcBef>
@@ -3061,7 +3203,7 @@
               <a:buChar char="⎼"/>
               <a:defRPr/>
             </a:lvl3pPr>
-            <a:lvl4pPr indent="-317500" lvl="3" marL="1828800" rtl="0">
+            <a:lvl4pPr marL="1828800" lvl="3" indent="-317500" rtl="0">
               <a:spcBef>
                 <a:spcPts val="0"/>
               </a:spcBef>
@@ -3072,7 +3214,7 @@
               <a:buChar char="⎼"/>
               <a:defRPr/>
             </a:lvl4pPr>
-            <a:lvl5pPr indent="-317500" lvl="4" marL="2286000" rtl="0">
+            <a:lvl5pPr marL="2286000" lvl="4" indent="-317500" rtl="0">
               <a:spcBef>
                 <a:spcPts val="0"/>
               </a:spcBef>
@@ -3083,7 +3225,7 @@
               <a:buChar char="⎼"/>
               <a:defRPr/>
             </a:lvl5pPr>
-            <a:lvl6pPr indent="-317500" lvl="5" marL="2743200" rtl="0">
+            <a:lvl6pPr marL="2743200" lvl="5" indent="-317500" rtl="0">
               <a:spcBef>
                 <a:spcPts val="0"/>
               </a:spcBef>
@@ -3094,7 +3236,7 @@
               <a:buChar char="⎼"/>
               <a:defRPr/>
             </a:lvl6pPr>
-            <a:lvl7pPr indent="-317500" lvl="6" marL="3200400" rtl="0">
+            <a:lvl7pPr marL="3200400" lvl="6" indent="-317500" rtl="0">
               <a:spcBef>
                 <a:spcPts val="0"/>
               </a:spcBef>
@@ -3105,7 +3247,7 @@
               <a:buChar char="⎼"/>
               <a:defRPr/>
             </a:lvl7pPr>
-            <a:lvl8pPr indent="-317500" lvl="7" marL="3657600" rtl="0">
+            <a:lvl8pPr marL="3657600" lvl="7" indent="-317500" rtl="0">
               <a:spcBef>
                 <a:spcPts val="0"/>
               </a:spcBef>
@@ -3116,7 +3258,7 @@
               <a:buChar char="⎼"/>
               <a:defRPr/>
             </a:lvl8pPr>
-            <a:lvl9pPr indent="-317500" lvl="8" marL="4114800" rtl="0">
+            <a:lvl9pPr marL="4114800" lvl="8" indent="-317500" rtl="0">
               <a:spcBef>
                 <a:spcPts val="0"/>
               </a:spcBef>
@@ -3128,15 +3270,23 @@
               <a:defRPr/>
             </a:lvl9pPr>
           </a:lstStyle>
-          <a:p/>
+          <a:p>
+            <a:pPr lvl="0"/>
+            <a:r>
+              <a:rPr lang="cs-CZ"/>
+              <a:t>Po kliknutí můžete upravovat styly textu v předloze.</a:t>
+            </a:r>
+          </a:p>
         </p:txBody>
       </p:sp>
       <p:sp>
         <p:nvSpPr>
           <p:cNvPr id="21" name="Google Shape;21;p4"/>
-          <p:cNvSpPr txBox="1"/>
+          <p:cNvSpPr txBox="1">
+            <a:spLocks noGrp="1"/>
+          </p:cNvSpPr>
           <p:nvPr>
-            <p:ph idx="12" type="sldNum"/>
+            <p:ph type="sldNum" idx="12"/>
           </p:nvPr>
         </p:nvSpPr>
         <p:spPr>
@@ -3149,7 +3299,7 @@
           </a:prstGeom>
         </p:spPr>
         <p:txBody>
-          <a:bodyPr anchorCtr="0" anchor="ctr" bIns="91425" lIns="91425" spcFirstLastPara="1" rIns="91425" wrap="square" tIns="91425">
+          <a:bodyPr spcFirstLastPara="1" wrap="square" lIns="91425" tIns="91425" rIns="91425" bIns="91425" anchor="ctr" anchorCtr="0">
             <a:normAutofit/>
           </a:bodyPr>
           <a:lstStyle>
@@ -3191,7 +3341,7 @@
             </a:lvl9pPr>
           </a:lstStyle>
           <a:p>
-            <a:pPr indent="0" lvl="0" marL="0" rtl="0" algn="r">
+            <a:pPr marL="0" lvl="0" indent="0" algn="r" rtl="0">
               <a:spcBef>
                 <a:spcPts val="0"/>
               </a:spcBef>
@@ -3201,14 +3351,19 @@
               <a:buNone/>
             </a:pPr>
             <a:fld id="{00000000-1234-1234-1234-123412341234}" type="slidenum">
-              <a:rPr lang="cs"/>
+              <a:rPr lang="cs" smtClean="0"/>
               <a:t>‹#›</a:t>
             </a:fld>
-            <a:endParaRPr/>
+            <a:endParaRPr lang="cs"/>
           </a:p>
         </p:txBody>
       </p:sp>
     </p:spTree>
+    <p:extLst>
+      <p:ext uri="{BB962C8B-B14F-4D97-AF65-F5344CB8AC3E}">
+        <p14:creationId xmlns:p14="http://schemas.microsoft.com/office/powerpoint/2010/main" val="3841734278"/>
+      </p:ext>
+    </p:extLst>
   </p:cSld>
   <p:clrMapOvr>
     <a:masterClrMapping/>
@@ -3217,11 +3372,11 @@
 </file>
 
 <file path=ppt/slideLayouts/slideLayout4.xml><?xml version="1.0" encoding="utf-8"?>
-<p:sldLayout xmlns:a="http://schemas.openxmlformats.org/drawingml/2006/main" xmlns:r="http://schemas.openxmlformats.org/officeDocument/2006/relationships" xmlns:mc="http://schemas.openxmlformats.org/markup-compatibility/2006" xmlns:mv="urn:schemas-microsoft-com:mac:vml" xmlns:p="http://schemas.openxmlformats.org/presentationml/2006/main" xmlns:c="http://schemas.openxmlformats.org/drawingml/2006/chart" xmlns:dgm="http://schemas.openxmlformats.org/drawingml/2006/diagram" xmlns:o="urn:schemas-microsoft-com:office:office" xmlns:v="urn:schemas-microsoft-com:vml" xmlns:pvml="urn:schemas-microsoft-com:office:powerpoint" xmlns:com="http://schemas.openxmlformats.org/drawingml/2006/compatibility" xmlns:p14="http://schemas.microsoft.com/office/powerpoint/2010/main" xmlns:p15="http://schemas.microsoft.com/office/powerpoint/2012/main" xmlns:ahyp="http://schemas.microsoft.com/office/drawing/2018/hyperlinkcolor" matchingName="Title and two columns" type="twoColTx">
-  <p:cSld name="TITLE_AND_TWO_COLUMNS">
+<p:sldLayout xmlns:a="http://schemas.openxmlformats.org/drawingml/2006/main" xmlns:r="http://schemas.openxmlformats.org/officeDocument/2006/relationships" xmlns:p="http://schemas.openxmlformats.org/presentationml/2006/main" matchingName="Title and two columns" type="twoColTx">
+  <p:cSld name="Title and two columns">
     <p:spTree>
       <p:nvGrpSpPr>
-        <p:cNvPr id="22" name="Shape 22"/>
+        <p:cNvPr id="1" name="Shape 22"/>
         <p:cNvGrpSpPr/>
         <p:nvPr/>
       </p:nvGrpSpPr>
@@ -3236,7 +3391,9 @@
       <p:sp>
         <p:nvSpPr>
           <p:cNvPr id="23" name="Google Shape;23;p5"/>
-          <p:cNvSpPr txBox="1"/>
+          <p:cNvSpPr txBox="1">
+            <a:spLocks noGrp="1"/>
+          </p:cNvSpPr>
           <p:nvPr>
             <p:ph type="title"/>
           </p:nvPr>
@@ -3251,7 +3408,7 @@
           </a:prstGeom>
         </p:spPr>
         <p:txBody>
-          <a:bodyPr anchorCtr="0" anchor="t" bIns="91425" lIns="91425" spcFirstLastPara="1" rIns="91425" wrap="square" tIns="91425">
+          <a:bodyPr spcFirstLastPara="1" wrap="square" lIns="91425" tIns="91425" rIns="91425" bIns="91425" anchor="t" anchorCtr="0">
             <a:normAutofit/>
           </a:bodyPr>
           <a:lstStyle>
@@ -3355,15 +3512,23 @@
               <a:defRPr/>
             </a:lvl9pPr>
           </a:lstStyle>
-          <a:p/>
+          <a:p>
+            <a:r>
+              <a:rPr lang="cs-CZ"/>
+              <a:t>Kliknutím lze upravit styl.</a:t>
+            </a:r>
+            <a:endParaRPr/>
+          </a:p>
         </p:txBody>
       </p:sp>
       <p:sp>
         <p:nvSpPr>
           <p:cNvPr id="24" name="Google Shape;24;p5"/>
-          <p:cNvSpPr txBox="1"/>
+          <p:cNvSpPr txBox="1">
+            <a:spLocks noGrp="1"/>
+          </p:cNvSpPr>
           <p:nvPr>
-            <p:ph idx="1" type="body"/>
+            <p:ph type="body" idx="1"/>
           </p:nvPr>
         </p:nvSpPr>
         <p:spPr>
@@ -3376,11 +3541,11 @@
           </a:prstGeom>
         </p:spPr>
         <p:txBody>
-          <a:bodyPr anchorCtr="0" anchor="t" bIns="91425" lIns="91425" spcFirstLastPara="1" rIns="91425" wrap="square" tIns="91425">
+          <a:bodyPr spcFirstLastPara="1" wrap="square" lIns="91425" tIns="91425" rIns="91425" bIns="91425" anchor="t" anchorCtr="0">
             <a:normAutofit/>
           </a:bodyPr>
           <a:lstStyle>
-            <a:lvl1pPr indent="-317500" lvl="0" marL="457200" rtl="0" algn="just">
+            <a:lvl1pPr marL="457200" lvl="0" indent="-317500" algn="just" rtl="0">
               <a:spcBef>
                 <a:spcPts val="0"/>
               </a:spcBef>
@@ -3391,7 +3556,7 @@
               <a:buChar char="⎼"/>
               <a:defRPr sz="1400"/>
             </a:lvl1pPr>
-            <a:lvl2pPr indent="-304800" lvl="1" marL="914400" rtl="0" algn="just">
+            <a:lvl2pPr marL="914400" lvl="1" indent="-304800" algn="just" rtl="0">
               <a:spcBef>
                 <a:spcPts val="0"/>
               </a:spcBef>
@@ -3402,7 +3567,7 @@
               <a:buChar char="⎼"/>
               <a:defRPr sz="1200"/>
             </a:lvl2pPr>
-            <a:lvl3pPr indent="-304800" lvl="2" marL="1371600" rtl="0" algn="just">
+            <a:lvl3pPr marL="1371600" lvl="2" indent="-304800" algn="just" rtl="0">
               <a:spcBef>
                 <a:spcPts val="0"/>
               </a:spcBef>
@@ -3413,7 +3578,7 @@
               <a:buChar char="⎼"/>
               <a:defRPr sz="1200"/>
             </a:lvl3pPr>
-            <a:lvl4pPr indent="-304800" lvl="3" marL="1828800" rtl="0" algn="just">
+            <a:lvl4pPr marL="1828800" lvl="3" indent="-304800" algn="just" rtl="0">
               <a:spcBef>
                 <a:spcPts val="0"/>
               </a:spcBef>
@@ -3424,7 +3589,7 @@
               <a:buChar char="⎼"/>
               <a:defRPr sz="1200"/>
             </a:lvl4pPr>
-            <a:lvl5pPr indent="-304800" lvl="4" marL="2286000" rtl="0" algn="just">
+            <a:lvl5pPr marL="2286000" lvl="4" indent="-304800" algn="just" rtl="0">
               <a:spcBef>
                 <a:spcPts val="0"/>
               </a:spcBef>
@@ -3435,7 +3600,7 @@
               <a:buChar char="⎼"/>
               <a:defRPr sz="1200"/>
             </a:lvl5pPr>
-            <a:lvl6pPr indent="-304800" lvl="5" marL="2743200" rtl="0" algn="just">
+            <a:lvl6pPr marL="2743200" lvl="5" indent="-304800" algn="just" rtl="0">
               <a:spcBef>
                 <a:spcPts val="0"/>
               </a:spcBef>
@@ -3446,7 +3611,7 @@
               <a:buChar char="⎼"/>
               <a:defRPr sz="1200"/>
             </a:lvl6pPr>
-            <a:lvl7pPr indent="-304800" lvl="6" marL="3200400" rtl="0" algn="just">
+            <a:lvl7pPr marL="3200400" lvl="6" indent="-304800" algn="just" rtl="0">
               <a:spcBef>
                 <a:spcPts val="0"/>
               </a:spcBef>
@@ -3457,7 +3622,7 @@
               <a:buChar char="⎼"/>
               <a:defRPr sz="1200"/>
             </a:lvl7pPr>
-            <a:lvl8pPr indent="-304800" lvl="7" marL="3657600" rtl="0" algn="just">
+            <a:lvl8pPr marL="3657600" lvl="7" indent="-304800" algn="just" rtl="0">
               <a:spcBef>
                 <a:spcPts val="0"/>
               </a:spcBef>
@@ -3468,7 +3633,7 @@
               <a:buChar char="⎼"/>
               <a:defRPr sz="1200"/>
             </a:lvl8pPr>
-            <a:lvl9pPr indent="-304800" lvl="8" marL="4114800" rtl="0" algn="just">
+            <a:lvl9pPr marL="4114800" lvl="8" indent="-304800" algn="just" rtl="0">
               <a:spcBef>
                 <a:spcPts val="0"/>
               </a:spcBef>
@@ -3480,15 +3645,23 @@
               <a:defRPr sz="1200"/>
             </a:lvl9pPr>
           </a:lstStyle>
-          <a:p/>
+          <a:p>
+            <a:pPr lvl="0"/>
+            <a:r>
+              <a:rPr lang="cs-CZ"/>
+              <a:t>Po kliknutí můžete upravovat styly textu v předloze.</a:t>
+            </a:r>
+          </a:p>
         </p:txBody>
       </p:sp>
       <p:sp>
         <p:nvSpPr>
           <p:cNvPr id="25" name="Google Shape;25;p5"/>
-          <p:cNvSpPr txBox="1"/>
+          <p:cNvSpPr txBox="1">
+            <a:spLocks noGrp="1"/>
+          </p:cNvSpPr>
           <p:nvPr>
-            <p:ph idx="2" type="body"/>
+            <p:ph type="body" idx="2"/>
           </p:nvPr>
         </p:nvSpPr>
         <p:spPr>
@@ -3501,11 +3674,11 @@
           </a:prstGeom>
         </p:spPr>
         <p:txBody>
-          <a:bodyPr anchorCtr="0" anchor="t" bIns="91425" lIns="91425" spcFirstLastPara="1" rIns="91425" wrap="square" tIns="91425">
+          <a:bodyPr spcFirstLastPara="1" wrap="square" lIns="91425" tIns="91425" rIns="91425" bIns="91425" anchor="t" anchorCtr="0">
             <a:normAutofit/>
           </a:bodyPr>
           <a:lstStyle>
-            <a:lvl1pPr indent="-317500" lvl="0" marL="457200" rtl="0" algn="just">
+            <a:lvl1pPr marL="457200" lvl="0" indent="-317500" algn="just" rtl="0">
               <a:spcBef>
                 <a:spcPts val="0"/>
               </a:spcBef>
@@ -3516,7 +3689,7 @@
               <a:buChar char="⎼"/>
               <a:defRPr sz="1400"/>
             </a:lvl1pPr>
-            <a:lvl2pPr indent="-304800" lvl="1" marL="914400" rtl="0" algn="just">
+            <a:lvl2pPr marL="914400" lvl="1" indent="-304800" algn="just" rtl="0">
               <a:spcBef>
                 <a:spcPts val="0"/>
               </a:spcBef>
@@ -3527,7 +3700,7 @@
               <a:buChar char="⎼"/>
               <a:defRPr sz="1200"/>
             </a:lvl2pPr>
-            <a:lvl3pPr indent="-304800" lvl="2" marL="1371600" rtl="0" algn="just">
+            <a:lvl3pPr marL="1371600" lvl="2" indent="-304800" algn="just" rtl="0">
               <a:spcBef>
                 <a:spcPts val="0"/>
               </a:spcBef>
@@ -3538,7 +3711,7 @@
               <a:buChar char="⎼"/>
               <a:defRPr sz="1200"/>
             </a:lvl3pPr>
-            <a:lvl4pPr indent="-304800" lvl="3" marL="1828800" rtl="0" algn="just">
+            <a:lvl4pPr marL="1828800" lvl="3" indent="-304800" algn="just" rtl="0">
               <a:spcBef>
                 <a:spcPts val="0"/>
               </a:spcBef>
@@ -3549,7 +3722,7 @@
               <a:buChar char="⎼"/>
               <a:defRPr sz="1200"/>
             </a:lvl4pPr>
-            <a:lvl5pPr indent="-304800" lvl="4" marL="2286000" rtl="0" algn="just">
+            <a:lvl5pPr marL="2286000" lvl="4" indent="-304800" algn="just" rtl="0">
               <a:spcBef>
                 <a:spcPts val="0"/>
               </a:spcBef>
@@ -3560,7 +3733,7 @@
               <a:buChar char="⎼"/>
               <a:defRPr sz="1200"/>
             </a:lvl5pPr>
-            <a:lvl6pPr indent="-304800" lvl="5" marL="2743200" rtl="0" algn="just">
+            <a:lvl6pPr marL="2743200" lvl="5" indent="-304800" algn="just" rtl="0">
               <a:spcBef>
                 <a:spcPts val="0"/>
               </a:spcBef>
@@ -3571,7 +3744,7 @@
               <a:buChar char="⎼"/>
               <a:defRPr sz="1200"/>
             </a:lvl6pPr>
-            <a:lvl7pPr indent="-304800" lvl="6" marL="3200400" rtl="0" algn="just">
+            <a:lvl7pPr marL="3200400" lvl="6" indent="-304800" algn="just" rtl="0">
               <a:spcBef>
                 <a:spcPts val="0"/>
               </a:spcBef>
@@ -3582,7 +3755,7 @@
               <a:buChar char="⎼"/>
               <a:defRPr sz="1200"/>
             </a:lvl7pPr>
-            <a:lvl8pPr indent="-304800" lvl="7" marL="3657600" rtl="0" algn="just">
+            <a:lvl8pPr marL="3657600" lvl="7" indent="-304800" algn="just" rtl="0">
               <a:spcBef>
                 <a:spcPts val="0"/>
               </a:spcBef>
@@ -3593,7 +3766,7 @@
               <a:buChar char="⎼"/>
               <a:defRPr sz="1200"/>
             </a:lvl8pPr>
-            <a:lvl9pPr indent="-304800" lvl="8" marL="4114800" rtl="0" algn="just">
+            <a:lvl9pPr marL="4114800" lvl="8" indent="-304800" algn="just" rtl="0">
               <a:spcBef>
                 <a:spcPts val="0"/>
               </a:spcBef>
@@ -3605,15 +3778,23 @@
               <a:defRPr sz="1200"/>
             </a:lvl9pPr>
           </a:lstStyle>
-          <a:p/>
+          <a:p>
+            <a:pPr lvl="0"/>
+            <a:r>
+              <a:rPr lang="cs-CZ"/>
+              <a:t>Po kliknutí můžete upravovat styly textu v předloze.</a:t>
+            </a:r>
+          </a:p>
         </p:txBody>
       </p:sp>
       <p:sp>
         <p:nvSpPr>
           <p:cNvPr id="26" name="Google Shape;26;p5"/>
-          <p:cNvSpPr txBox="1"/>
+          <p:cNvSpPr txBox="1">
+            <a:spLocks noGrp="1"/>
+          </p:cNvSpPr>
           <p:nvPr>
-            <p:ph idx="12" type="sldNum"/>
+            <p:ph type="sldNum" idx="12"/>
           </p:nvPr>
         </p:nvSpPr>
         <p:spPr>
@@ -3626,7 +3807,7 @@
           </a:prstGeom>
         </p:spPr>
         <p:txBody>
-          <a:bodyPr anchorCtr="0" anchor="ctr" bIns="91425" lIns="91425" spcFirstLastPara="1" rIns="91425" wrap="square" tIns="91425">
+          <a:bodyPr spcFirstLastPara="1" wrap="square" lIns="91425" tIns="91425" rIns="91425" bIns="91425" anchor="ctr" anchorCtr="0">
             <a:normAutofit/>
           </a:bodyPr>
           <a:lstStyle>
@@ -3668,7 +3849,7 @@
             </a:lvl9pPr>
           </a:lstStyle>
           <a:p>
-            <a:pPr indent="0" lvl="0" marL="0" rtl="0" algn="r">
+            <a:pPr marL="0" lvl="0" indent="0" algn="r" rtl="0">
               <a:spcBef>
                 <a:spcPts val="0"/>
               </a:spcBef>
@@ -3678,14 +3859,19 @@
               <a:buNone/>
             </a:pPr>
             <a:fld id="{00000000-1234-1234-1234-123412341234}" type="slidenum">
-              <a:rPr lang="cs"/>
+              <a:rPr lang="cs" smtClean="0"/>
               <a:t>‹#›</a:t>
             </a:fld>
-            <a:endParaRPr/>
+            <a:endParaRPr lang="cs"/>
           </a:p>
         </p:txBody>
       </p:sp>
     </p:spTree>
+    <p:extLst>
+      <p:ext uri="{BB962C8B-B14F-4D97-AF65-F5344CB8AC3E}">
+        <p14:creationId xmlns:p14="http://schemas.microsoft.com/office/powerpoint/2010/main" val="3862971505"/>
+      </p:ext>
+    </p:extLst>
   </p:cSld>
   <p:clrMapOvr>
     <a:masterClrMapping/>
@@ -3694,11 +3880,11 @@
 </file>
 
 <file path=ppt/slideLayouts/slideLayout5.xml><?xml version="1.0" encoding="utf-8"?>
-<p:sldLayout xmlns:a="http://schemas.openxmlformats.org/drawingml/2006/main" xmlns:r="http://schemas.openxmlformats.org/officeDocument/2006/relationships" xmlns:mc="http://schemas.openxmlformats.org/markup-compatibility/2006" xmlns:mv="urn:schemas-microsoft-com:mac:vml" xmlns:p="http://schemas.openxmlformats.org/presentationml/2006/main" xmlns:c="http://schemas.openxmlformats.org/drawingml/2006/chart" xmlns:dgm="http://schemas.openxmlformats.org/drawingml/2006/diagram" xmlns:o="urn:schemas-microsoft-com:office:office" xmlns:v="urn:schemas-microsoft-com:vml" xmlns:pvml="urn:schemas-microsoft-com:office:powerpoint" xmlns:com="http://schemas.openxmlformats.org/drawingml/2006/compatibility" xmlns:p14="http://schemas.microsoft.com/office/powerpoint/2010/main" xmlns:p15="http://schemas.microsoft.com/office/powerpoint/2012/main" xmlns:ahyp="http://schemas.microsoft.com/office/drawing/2018/hyperlinkcolor" matchingName="Title only" type="titleOnly">
-  <p:cSld name="TITLE_ONLY">
+<p:sldLayout xmlns:a="http://schemas.openxmlformats.org/drawingml/2006/main" xmlns:r="http://schemas.openxmlformats.org/officeDocument/2006/relationships" xmlns:p="http://schemas.openxmlformats.org/presentationml/2006/main" matchingName="Title only" type="titleOnly">
+  <p:cSld name="Title only">
     <p:spTree>
       <p:nvGrpSpPr>
-        <p:cNvPr id="27" name="Shape 27"/>
+        <p:cNvPr id="1" name="Shape 27"/>
         <p:cNvGrpSpPr/>
         <p:nvPr/>
       </p:nvGrpSpPr>
@@ -3713,7 +3899,9 @@
       <p:sp>
         <p:nvSpPr>
           <p:cNvPr id="28" name="Google Shape;28;p6"/>
-          <p:cNvSpPr txBox="1"/>
+          <p:cNvSpPr txBox="1">
+            <a:spLocks noGrp="1"/>
+          </p:cNvSpPr>
           <p:nvPr>
             <p:ph type="title"/>
           </p:nvPr>
@@ -3728,7 +3916,7 @@
           </a:prstGeom>
         </p:spPr>
         <p:txBody>
-          <a:bodyPr anchorCtr="0" anchor="t" bIns="91425" lIns="91425" spcFirstLastPara="1" rIns="91425" wrap="square" tIns="91425">
+          <a:bodyPr spcFirstLastPara="1" wrap="square" lIns="91425" tIns="91425" rIns="91425" bIns="91425" anchor="t" anchorCtr="0">
             <a:normAutofit/>
           </a:bodyPr>
           <a:lstStyle>
@@ -3832,15 +4020,23 @@
               <a:defRPr/>
             </a:lvl9pPr>
           </a:lstStyle>
-          <a:p/>
+          <a:p>
+            <a:r>
+              <a:rPr lang="cs-CZ"/>
+              <a:t>Kliknutím lze upravit styl.</a:t>
+            </a:r>
+            <a:endParaRPr/>
+          </a:p>
         </p:txBody>
       </p:sp>
       <p:sp>
         <p:nvSpPr>
           <p:cNvPr id="29" name="Google Shape;29;p6"/>
-          <p:cNvSpPr txBox="1"/>
+          <p:cNvSpPr txBox="1">
+            <a:spLocks noGrp="1"/>
+          </p:cNvSpPr>
           <p:nvPr>
-            <p:ph idx="12" type="sldNum"/>
+            <p:ph type="sldNum" idx="12"/>
           </p:nvPr>
         </p:nvSpPr>
         <p:spPr>
@@ -3853,7 +4049,7 @@
           </a:prstGeom>
         </p:spPr>
         <p:txBody>
-          <a:bodyPr anchorCtr="0" anchor="ctr" bIns="91425" lIns="91425" spcFirstLastPara="1" rIns="91425" wrap="square" tIns="91425">
+          <a:bodyPr spcFirstLastPara="1" wrap="square" lIns="91425" tIns="91425" rIns="91425" bIns="91425" anchor="ctr" anchorCtr="0">
             <a:normAutofit/>
           </a:bodyPr>
           <a:lstStyle>
@@ -3895,7 +4091,7 @@
             </a:lvl9pPr>
           </a:lstStyle>
           <a:p>
-            <a:pPr indent="0" lvl="0" marL="0" rtl="0" algn="r">
+            <a:pPr marL="0" lvl="0" indent="0" algn="r" rtl="0">
               <a:spcBef>
                 <a:spcPts val="0"/>
               </a:spcBef>
@@ -3905,14 +4101,19 @@
               <a:buNone/>
             </a:pPr>
             <a:fld id="{00000000-1234-1234-1234-123412341234}" type="slidenum">
-              <a:rPr lang="cs"/>
+              <a:rPr lang="cs" smtClean="0"/>
               <a:t>‹#›</a:t>
             </a:fld>
-            <a:endParaRPr/>
+            <a:endParaRPr lang="cs"/>
           </a:p>
         </p:txBody>
       </p:sp>
     </p:spTree>
+    <p:extLst>
+      <p:ext uri="{BB962C8B-B14F-4D97-AF65-F5344CB8AC3E}">
+        <p14:creationId xmlns:p14="http://schemas.microsoft.com/office/powerpoint/2010/main" val="252845501"/>
+      </p:ext>
+    </p:extLst>
   </p:cSld>
   <p:clrMapOvr>
     <a:masterClrMapping/>
@@ -3921,11 +4122,11 @@
 </file>
 
 <file path=ppt/slideLayouts/slideLayout6.xml><?xml version="1.0" encoding="utf-8"?>
-<p:sldLayout xmlns:a="http://schemas.openxmlformats.org/drawingml/2006/main" xmlns:r="http://schemas.openxmlformats.org/officeDocument/2006/relationships" xmlns:mc="http://schemas.openxmlformats.org/markup-compatibility/2006" xmlns:mv="urn:schemas-microsoft-com:mac:vml" xmlns:p="http://schemas.openxmlformats.org/presentationml/2006/main" xmlns:c="http://schemas.openxmlformats.org/drawingml/2006/chart" xmlns:dgm="http://schemas.openxmlformats.org/drawingml/2006/diagram" xmlns:o="urn:schemas-microsoft-com:office:office" xmlns:v="urn:schemas-microsoft-com:vml" xmlns:pvml="urn:schemas-microsoft-com:office:powerpoint" xmlns:com="http://schemas.openxmlformats.org/drawingml/2006/compatibility" xmlns:p14="http://schemas.microsoft.com/office/powerpoint/2010/main" xmlns:p15="http://schemas.microsoft.com/office/powerpoint/2012/main" xmlns:ahyp="http://schemas.microsoft.com/office/drawing/2018/hyperlinkcolor" matchingName="One column text">
-  <p:cSld name="ONE_COLUMN_TEXT">
+<p:sldLayout xmlns:a="http://schemas.openxmlformats.org/drawingml/2006/main" xmlns:r="http://schemas.openxmlformats.org/officeDocument/2006/relationships" xmlns:p="http://schemas.openxmlformats.org/presentationml/2006/main" matchingName="One column text">
+  <p:cSld name="One column text">
     <p:spTree>
       <p:nvGrpSpPr>
-        <p:cNvPr id="30" name="Shape 30"/>
+        <p:cNvPr id="1" name="Shape 30"/>
         <p:cNvGrpSpPr/>
         <p:nvPr/>
       </p:nvGrpSpPr>
@@ -3940,7 +4141,9 @@
       <p:sp>
         <p:nvSpPr>
           <p:cNvPr id="31" name="Google Shape;31;p7"/>
-          <p:cNvSpPr txBox="1"/>
+          <p:cNvSpPr txBox="1">
+            <a:spLocks noGrp="1"/>
+          </p:cNvSpPr>
           <p:nvPr>
             <p:ph type="title"/>
           </p:nvPr>
@@ -3955,7 +4158,7 @@
           </a:prstGeom>
         </p:spPr>
         <p:txBody>
-          <a:bodyPr anchorCtr="0" anchor="b" bIns="91425" lIns="91425" spcFirstLastPara="1" rIns="91425" wrap="square" tIns="91425">
+          <a:bodyPr spcFirstLastPara="1" wrap="square" lIns="91425" tIns="91425" rIns="91425" bIns="91425" anchor="b" anchorCtr="0">
             <a:normAutofit/>
           </a:bodyPr>
           <a:lstStyle>
@@ -4059,15 +4262,23 @@
               <a:defRPr sz="2400"/>
             </a:lvl9pPr>
           </a:lstStyle>
-          <a:p/>
+          <a:p>
+            <a:r>
+              <a:rPr lang="cs-CZ"/>
+              <a:t>Kliknutím lze upravit styl.</a:t>
+            </a:r>
+            <a:endParaRPr/>
+          </a:p>
         </p:txBody>
       </p:sp>
       <p:sp>
         <p:nvSpPr>
           <p:cNvPr id="32" name="Google Shape;32;p7"/>
-          <p:cNvSpPr txBox="1"/>
+          <p:cNvSpPr txBox="1">
+            <a:spLocks noGrp="1"/>
+          </p:cNvSpPr>
           <p:nvPr>
-            <p:ph idx="1" type="body"/>
+            <p:ph type="body" idx="1"/>
           </p:nvPr>
         </p:nvSpPr>
         <p:spPr>
@@ -4080,11 +4291,11 @@
           </a:prstGeom>
         </p:spPr>
         <p:txBody>
-          <a:bodyPr anchorCtr="0" anchor="t" bIns="91425" lIns="91425" spcFirstLastPara="1" rIns="91425" wrap="square" tIns="91425">
+          <a:bodyPr spcFirstLastPara="1" wrap="square" lIns="91425" tIns="91425" rIns="91425" bIns="91425" anchor="t" anchorCtr="0">
             <a:normAutofit/>
           </a:bodyPr>
           <a:lstStyle>
-            <a:lvl1pPr indent="-304800" lvl="0" marL="457200" rtl="0" algn="just">
+            <a:lvl1pPr marL="457200" lvl="0" indent="-304800" algn="just" rtl="0">
               <a:spcBef>
                 <a:spcPts val="0"/>
               </a:spcBef>
@@ -4095,7 +4306,7 @@
               <a:buChar char="⎼"/>
               <a:defRPr sz="1200"/>
             </a:lvl1pPr>
-            <a:lvl2pPr indent="-304800" lvl="1" marL="914400" rtl="0" algn="just">
+            <a:lvl2pPr marL="914400" lvl="1" indent="-304800" algn="just" rtl="0">
               <a:spcBef>
                 <a:spcPts val="0"/>
               </a:spcBef>
@@ -4106,7 +4317,7 @@
               <a:buChar char="⎼"/>
               <a:defRPr sz="1200"/>
             </a:lvl2pPr>
-            <a:lvl3pPr indent="-304800" lvl="2" marL="1371600" rtl="0" algn="just">
+            <a:lvl3pPr marL="1371600" lvl="2" indent="-304800" algn="just" rtl="0">
               <a:spcBef>
                 <a:spcPts val="0"/>
               </a:spcBef>
@@ -4117,7 +4328,7 @@
               <a:buChar char="⎼"/>
               <a:defRPr sz="1200"/>
             </a:lvl3pPr>
-            <a:lvl4pPr indent="-304800" lvl="3" marL="1828800" rtl="0" algn="just">
+            <a:lvl4pPr marL="1828800" lvl="3" indent="-304800" algn="just" rtl="0">
               <a:spcBef>
                 <a:spcPts val="0"/>
               </a:spcBef>
@@ -4128,7 +4339,7 @@
               <a:buChar char="⎼"/>
               <a:defRPr sz="1200"/>
             </a:lvl4pPr>
-            <a:lvl5pPr indent="-304800" lvl="4" marL="2286000" rtl="0" algn="just">
+            <a:lvl5pPr marL="2286000" lvl="4" indent="-304800" algn="just" rtl="0">
               <a:spcBef>
                 <a:spcPts val="0"/>
               </a:spcBef>
@@ -4139,7 +4350,7 @@
               <a:buChar char="⎼"/>
               <a:defRPr sz="1200"/>
             </a:lvl5pPr>
-            <a:lvl6pPr indent="-304800" lvl="5" marL="2743200" rtl="0" algn="just">
+            <a:lvl6pPr marL="2743200" lvl="5" indent="-304800" algn="just" rtl="0">
               <a:spcBef>
                 <a:spcPts val="0"/>
               </a:spcBef>
@@ -4150,7 +4361,7 @@
               <a:buChar char="⎼"/>
               <a:defRPr sz="1200"/>
             </a:lvl6pPr>
-            <a:lvl7pPr indent="-304800" lvl="6" marL="3200400" rtl="0" algn="just">
+            <a:lvl7pPr marL="3200400" lvl="6" indent="-304800" algn="just" rtl="0">
               <a:spcBef>
                 <a:spcPts val="0"/>
               </a:spcBef>
@@ -4161,7 +4372,7 @@
               <a:buChar char="⎼"/>
               <a:defRPr sz="1200"/>
             </a:lvl7pPr>
-            <a:lvl8pPr indent="-304800" lvl="7" marL="3657600" rtl="0" algn="just">
+            <a:lvl8pPr marL="3657600" lvl="7" indent="-304800" algn="just" rtl="0">
               <a:spcBef>
                 <a:spcPts val="0"/>
               </a:spcBef>
@@ -4172,7 +4383,7 @@
               <a:buChar char="⎼"/>
               <a:defRPr sz="1200"/>
             </a:lvl8pPr>
-            <a:lvl9pPr indent="-304800" lvl="8" marL="4114800" rtl="0" algn="just">
+            <a:lvl9pPr marL="4114800" lvl="8" indent="-304800" algn="just" rtl="0">
               <a:spcBef>
                 <a:spcPts val="0"/>
               </a:spcBef>
@@ -4184,15 +4395,23 @@
               <a:defRPr sz="1200"/>
             </a:lvl9pPr>
           </a:lstStyle>
-          <a:p/>
+          <a:p>
+            <a:pPr lvl="0"/>
+            <a:r>
+              <a:rPr lang="cs-CZ"/>
+              <a:t>Po kliknutí můžete upravovat styly textu v předloze.</a:t>
+            </a:r>
+          </a:p>
         </p:txBody>
       </p:sp>
       <p:sp>
         <p:nvSpPr>
           <p:cNvPr id="33" name="Google Shape;33;p7"/>
-          <p:cNvSpPr txBox="1"/>
+          <p:cNvSpPr txBox="1">
+            <a:spLocks noGrp="1"/>
+          </p:cNvSpPr>
           <p:nvPr>
-            <p:ph idx="12" type="sldNum"/>
+            <p:ph type="sldNum" idx="12"/>
           </p:nvPr>
         </p:nvSpPr>
         <p:spPr>
@@ -4205,7 +4424,7 @@
           </a:prstGeom>
         </p:spPr>
         <p:txBody>
-          <a:bodyPr anchorCtr="0" anchor="ctr" bIns="91425" lIns="91425" spcFirstLastPara="1" rIns="91425" wrap="square" tIns="91425">
+          <a:bodyPr spcFirstLastPara="1" wrap="square" lIns="91425" tIns="91425" rIns="91425" bIns="91425" anchor="ctr" anchorCtr="0">
             <a:normAutofit/>
           </a:bodyPr>
           <a:lstStyle>
@@ -4247,7 +4466,7 @@
             </a:lvl9pPr>
           </a:lstStyle>
           <a:p>
-            <a:pPr indent="0" lvl="0" marL="0" rtl="0" algn="r">
+            <a:pPr marL="0" lvl="0" indent="0" algn="r" rtl="0">
               <a:spcBef>
                 <a:spcPts val="0"/>
               </a:spcBef>
@@ -4257,14 +4476,19 @@
               <a:buNone/>
             </a:pPr>
             <a:fld id="{00000000-1234-1234-1234-123412341234}" type="slidenum">
-              <a:rPr lang="cs"/>
+              <a:rPr lang="cs" smtClean="0"/>
               <a:t>‹#›</a:t>
             </a:fld>
-            <a:endParaRPr/>
+            <a:endParaRPr lang="cs"/>
           </a:p>
         </p:txBody>
       </p:sp>
     </p:spTree>
+    <p:extLst>
+      <p:ext uri="{BB962C8B-B14F-4D97-AF65-F5344CB8AC3E}">
+        <p14:creationId xmlns:p14="http://schemas.microsoft.com/office/powerpoint/2010/main" val="919274874"/>
+      </p:ext>
+    </p:extLst>
   </p:cSld>
   <p:clrMapOvr>
     <a:masterClrMapping/>
@@ -4273,11 +4497,11 @@
 </file>
 
 <file path=ppt/slideLayouts/slideLayout7.xml><?xml version="1.0" encoding="utf-8"?>
-<p:sldLayout xmlns:a="http://schemas.openxmlformats.org/drawingml/2006/main" xmlns:r="http://schemas.openxmlformats.org/officeDocument/2006/relationships" xmlns:mc="http://schemas.openxmlformats.org/markup-compatibility/2006" xmlns:mv="urn:schemas-microsoft-com:mac:vml" xmlns:p="http://schemas.openxmlformats.org/presentationml/2006/main" xmlns:c="http://schemas.openxmlformats.org/drawingml/2006/chart" xmlns:dgm="http://schemas.openxmlformats.org/drawingml/2006/diagram" xmlns:o="urn:schemas-microsoft-com:office:office" xmlns:v="urn:schemas-microsoft-com:vml" xmlns:pvml="urn:schemas-microsoft-com:office:powerpoint" xmlns:com="http://schemas.openxmlformats.org/drawingml/2006/compatibility" xmlns:p14="http://schemas.microsoft.com/office/powerpoint/2010/main" xmlns:p15="http://schemas.microsoft.com/office/powerpoint/2012/main" xmlns:ahyp="http://schemas.microsoft.com/office/drawing/2018/hyperlinkcolor" matchingName="Main point">
-  <p:cSld name="MAIN_POINT">
+<p:sldLayout xmlns:a="http://schemas.openxmlformats.org/drawingml/2006/main" xmlns:r="http://schemas.openxmlformats.org/officeDocument/2006/relationships" xmlns:p="http://schemas.openxmlformats.org/presentationml/2006/main" matchingName="Main point">
+  <p:cSld name="Main point">
     <p:spTree>
       <p:nvGrpSpPr>
-        <p:cNvPr id="34" name="Shape 34"/>
+        <p:cNvPr id="1" name="Shape 34"/>
         <p:cNvGrpSpPr/>
         <p:nvPr/>
       </p:nvGrpSpPr>
@@ -4292,7 +4516,9 @@
       <p:sp>
         <p:nvSpPr>
           <p:cNvPr id="35" name="Google Shape;35;p8"/>
-          <p:cNvSpPr txBox="1"/>
+          <p:cNvSpPr txBox="1">
+            <a:spLocks noGrp="1"/>
+          </p:cNvSpPr>
           <p:nvPr>
             <p:ph type="title"/>
           </p:nvPr>
@@ -4307,7 +4533,7 @@
           </a:prstGeom>
         </p:spPr>
         <p:txBody>
-          <a:bodyPr anchorCtr="0" anchor="ctr" bIns="91425" lIns="91425" spcFirstLastPara="1" rIns="91425" wrap="square" tIns="91425">
+          <a:bodyPr spcFirstLastPara="1" wrap="square" lIns="91425" tIns="91425" rIns="91425" bIns="91425" anchor="ctr" anchorCtr="0">
             <a:normAutofit/>
           </a:bodyPr>
           <a:lstStyle>
@@ -4411,15 +4637,23 @@
               <a:defRPr sz="4800"/>
             </a:lvl9pPr>
           </a:lstStyle>
-          <a:p/>
+          <a:p>
+            <a:r>
+              <a:rPr lang="cs-CZ"/>
+              <a:t>Kliknutím lze upravit styl.</a:t>
+            </a:r>
+            <a:endParaRPr/>
+          </a:p>
         </p:txBody>
       </p:sp>
       <p:sp>
         <p:nvSpPr>
           <p:cNvPr id="36" name="Google Shape;36;p8"/>
-          <p:cNvSpPr txBox="1"/>
+          <p:cNvSpPr txBox="1">
+            <a:spLocks noGrp="1"/>
+          </p:cNvSpPr>
           <p:nvPr>
-            <p:ph idx="12" type="sldNum"/>
+            <p:ph type="sldNum" idx="12"/>
           </p:nvPr>
         </p:nvSpPr>
         <p:spPr>
@@ -4432,7 +4666,7 @@
           </a:prstGeom>
         </p:spPr>
         <p:txBody>
-          <a:bodyPr anchorCtr="0" anchor="ctr" bIns="91425" lIns="91425" spcFirstLastPara="1" rIns="91425" wrap="square" tIns="91425">
+          <a:bodyPr spcFirstLastPara="1" wrap="square" lIns="91425" tIns="91425" rIns="91425" bIns="91425" anchor="ctr" anchorCtr="0">
             <a:normAutofit/>
           </a:bodyPr>
           <a:lstStyle>
@@ -4474,7 +4708,7 @@
             </a:lvl9pPr>
           </a:lstStyle>
           <a:p>
-            <a:pPr indent="0" lvl="0" marL="0" rtl="0" algn="r">
+            <a:pPr marL="0" lvl="0" indent="0" algn="r" rtl="0">
               <a:spcBef>
                 <a:spcPts val="0"/>
               </a:spcBef>
@@ -4484,14 +4718,19 @@
               <a:buNone/>
             </a:pPr>
             <a:fld id="{00000000-1234-1234-1234-123412341234}" type="slidenum">
-              <a:rPr lang="cs"/>
+              <a:rPr lang="cs" smtClean="0"/>
               <a:t>‹#›</a:t>
             </a:fld>
-            <a:endParaRPr/>
+            <a:endParaRPr lang="cs"/>
           </a:p>
         </p:txBody>
       </p:sp>
     </p:spTree>
+    <p:extLst>
+      <p:ext uri="{BB962C8B-B14F-4D97-AF65-F5344CB8AC3E}">
+        <p14:creationId xmlns:p14="http://schemas.microsoft.com/office/powerpoint/2010/main" val="208837197"/>
+      </p:ext>
+    </p:extLst>
   </p:cSld>
   <p:clrMapOvr>
     <a:masterClrMapping/>
@@ -4500,11 +4739,11 @@
 </file>
 
 <file path=ppt/slideLayouts/slideLayout8.xml><?xml version="1.0" encoding="utf-8"?>
-<p:sldLayout xmlns:a="http://schemas.openxmlformats.org/drawingml/2006/main" xmlns:r="http://schemas.openxmlformats.org/officeDocument/2006/relationships" xmlns:mc="http://schemas.openxmlformats.org/markup-compatibility/2006" xmlns:mv="urn:schemas-microsoft-com:mac:vml" xmlns:p="http://schemas.openxmlformats.org/presentationml/2006/main" xmlns:c="http://schemas.openxmlformats.org/drawingml/2006/chart" xmlns:dgm="http://schemas.openxmlformats.org/drawingml/2006/diagram" xmlns:o="urn:schemas-microsoft-com:office:office" xmlns:v="urn:schemas-microsoft-com:vml" xmlns:pvml="urn:schemas-microsoft-com:office:powerpoint" xmlns:com="http://schemas.openxmlformats.org/drawingml/2006/compatibility" xmlns:p14="http://schemas.microsoft.com/office/powerpoint/2010/main" xmlns:p15="http://schemas.microsoft.com/office/powerpoint/2012/main" xmlns:ahyp="http://schemas.microsoft.com/office/drawing/2018/hyperlinkcolor" matchingName="Section title and description">
-  <p:cSld name="SECTION_TITLE_AND_DESCRIPTION">
+<p:sldLayout xmlns:a="http://schemas.openxmlformats.org/drawingml/2006/main" xmlns:r="http://schemas.openxmlformats.org/officeDocument/2006/relationships" xmlns:p="http://schemas.openxmlformats.org/presentationml/2006/main" matchingName="Section title and description">
+  <p:cSld name="Section title and description">
     <p:spTree>
       <p:nvGrpSpPr>
-        <p:cNvPr id="37" name="Shape 37"/>
+        <p:cNvPr id="1" name="Shape 37"/>
         <p:cNvGrpSpPr/>
         <p:nvPr/>
       </p:nvGrpSpPr>
@@ -4538,12 +4777,12 @@
           </a:ln>
         </p:spPr>
         <p:txBody>
-          <a:bodyPr anchorCtr="0" anchor="ctr" bIns="91425" lIns="91425" spcFirstLastPara="1" rIns="91425" wrap="square" tIns="91425">
+          <a:bodyPr spcFirstLastPara="1" wrap="square" lIns="91425" tIns="91425" rIns="91425" bIns="91425" anchor="ctr" anchorCtr="0">
             <a:noAutofit/>
           </a:bodyPr>
           <a:lstStyle/>
           <a:p>
-            <a:pPr indent="0" lvl="0" marL="0" rtl="0" algn="l">
+            <a:pPr marL="0" lvl="0" indent="0" algn="l" rtl="0">
               <a:spcBef>
                 <a:spcPts val="0"/>
               </a:spcBef>
@@ -4552,9 +4791,6 @@
               </a:spcAft>
               <a:buNone/>
             </a:pPr>
-            <a:r>
-              <a:t/>
-            </a:r>
             <a:endParaRPr/>
           </a:p>
         </p:txBody>
@@ -4562,7 +4798,9 @@
       <p:sp>
         <p:nvSpPr>
           <p:cNvPr id="39" name="Google Shape;39;p9"/>
-          <p:cNvSpPr txBox="1"/>
+          <p:cNvSpPr txBox="1">
+            <a:spLocks noGrp="1"/>
+          </p:cNvSpPr>
           <p:nvPr>
             <p:ph type="title"/>
           </p:nvPr>
@@ -4577,11 +4815,11 @@
           </a:prstGeom>
         </p:spPr>
         <p:txBody>
-          <a:bodyPr anchorCtr="0" anchor="b" bIns="91425" lIns="91425" spcFirstLastPara="1" rIns="91425" wrap="square" tIns="91425">
+          <a:bodyPr spcFirstLastPara="1" wrap="square" lIns="91425" tIns="91425" rIns="91425" bIns="91425" anchor="b" anchorCtr="0">
             <a:normAutofit/>
           </a:bodyPr>
           <a:lstStyle>
-            <a:lvl1pPr lvl="0" rtl="0" algn="ctr">
+            <a:lvl1pPr lvl="0" algn="ctr" rtl="0">
               <a:spcBef>
                 <a:spcPts val="0"/>
               </a:spcBef>
@@ -4592,7 +4830,7 @@
               <a:buNone/>
               <a:defRPr sz="4200"/>
             </a:lvl1pPr>
-            <a:lvl2pPr lvl="1" rtl="0" algn="ctr">
+            <a:lvl2pPr lvl="1" algn="ctr" rtl="0">
               <a:spcBef>
                 <a:spcPts val="0"/>
               </a:spcBef>
@@ -4603,7 +4841,7 @@
               <a:buNone/>
               <a:defRPr sz="4200"/>
             </a:lvl2pPr>
-            <a:lvl3pPr lvl="2" rtl="0" algn="ctr">
+            <a:lvl3pPr lvl="2" algn="ctr" rtl="0">
               <a:spcBef>
                 <a:spcPts val="0"/>
               </a:spcBef>
@@ -4614,7 +4852,7 @@
               <a:buNone/>
               <a:defRPr sz="4200"/>
             </a:lvl3pPr>
-            <a:lvl4pPr lvl="3" rtl="0" algn="ctr">
+            <a:lvl4pPr lvl="3" algn="ctr" rtl="0">
               <a:spcBef>
                 <a:spcPts val="0"/>
               </a:spcBef>
@@ -4625,7 +4863,7 @@
               <a:buNone/>
               <a:defRPr sz="4200"/>
             </a:lvl4pPr>
-            <a:lvl5pPr lvl="4" rtl="0" algn="ctr">
+            <a:lvl5pPr lvl="4" algn="ctr" rtl="0">
               <a:spcBef>
                 <a:spcPts val="0"/>
               </a:spcBef>
@@ -4636,7 +4874,7 @@
               <a:buNone/>
               <a:defRPr sz="4200"/>
             </a:lvl5pPr>
-            <a:lvl6pPr lvl="5" rtl="0" algn="ctr">
+            <a:lvl6pPr lvl="5" algn="ctr" rtl="0">
               <a:spcBef>
                 <a:spcPts val="0"/>
               </a:spcBef>
@@ -4647,7 +4885,7 @@
               <a:buNone/>
               <a:defRPr sz="4200"/>
             </a:lvl6pPr>
-            <a:lvl7pPr lvl="6" rtl="0" algn="ctr">
+            <a:lvl7pPr lvl="6" algn="ctr" rtl="0">
               <a:spcBef>
                 <a:spcPts val="0"/>
               </a:spcBef>
@@ -4658,7 +4896,7 @@
               <a:buNone/>
               <a:defRPr sz="4200"/>
             </a:lvl7pPr>
-            <a:lvl8pPr lvl="7" rtl="0" algn="ctr">
+            <a:lvl8pPr lvl="7" algn="ctr" rtl="0">
               <a:spcBef>
                 <a:spcPts val="0"/>
               </a:spcBef>
@@ -4669,7 +4907,7 @@
               <a:buNone/>
               <a:defRPr sz="4200"/>
             </a:lvl8pPr>
-            <a:lvl9pPr lvl="8" rtl="0" algn="ctr">
+            <a:lvl9pPr lvl="8" algn="ctr" rtl="0">
               <a:spcBef>
                 <a:spcPts val="0"/>
               </a:spcBef>
@@ -4681,15 +4919,23 @@
               <a:defRPr sz="4200"/>
             </a:lvl9pPr>
           </a:lstStyle>
-          <a:p/>
+          <a:p>
+            <a:r>
+              <a:rPr lang="cs-CZ"/>
+              <a:t>Kliknutím lze upravit styl.</a:t>
+            </a:r>
+            <a:endParaRPr/>
+          </a:p>
         </p:txBody>
       </p:sp>
       <p:sp>
         <p:nvSpPr>
           <p:cNvPr id="40" name="Google Shape;40;p9"/>
-          <p:cNvSpPr txBox="1"/>
+          <p:cNvSpPr txBox="1">
+            <a:spLocks noGrp="1"/>
+          </p:cNvSpPr>
           <p:nvPr>
-            <p:ph idx="1" type="subTitle"/>
+            <p:ph type="subTitle" idx="1"/>
           </p:nvPr>
         </p:nvSpPr>
         <p:spPr>
@@ -4702,11 +4948,11 @@
           </a:prstGeom>
         </p:spPr>
         <p:txBody>
-          <a:bodyPr anchorCtr="0" anchor="t" bIns="91425" lIns="91425" spcFirstLastPara="1" rIns="91425" wrap="square" tIns="91425">
+          <a:bodyPr spcFirstLastPara="1" wrap="square" lIns="91425" tIns="91425" rIns="91425" bIns="91425" anchor="t" anchorCtr="0">
             <a:normAutofit/>
           </a:bodyPr>
           <a:lstStyle>
-            <a:lvl1pPr lvl="0" rtl="0" algn="ctr">
+            <a:lvl1pPr lvl="0" algn="ctr" rtl="0">
               <a:lnSpc>
                 <a:spcPct val="100000"/>
               </a:lnSpc>
@@ -4720,7 +4966,7 @@
               <a:buNone/>
               <a:defRPr sz="2100"/>
             </a:lvl1pPr>
-            <a:lvl2pPr lvl="1" rtl="0" algn="ctr">
+            <a:lvl2pPr lvl="1" algn="ctr" rtl="0">
               <a:lnSpc>
                 <a:spcPct val="100000"/>
               </a:lnSpc>
@@ -4734,7 +4980,7 @@
               <a:buNone/>
               <a:defRPr sz="2100"/>
             </a:lvl2pPr>
-            <a:lvl3pPr lvl="2" rtl="0" algn="ctr">
+            <a:lvl3pPr lvl="2" algn="ctr" rtl="0">
               <a:lnSpc>
                 <a:spcPct val="100000"/>
               </a:lnSpc>
@@ -4748,7 +4994,7 @@
               <a:buNone/>
               <a:defRPr sz="2100"/>
             </a:lvl3pPr>
-            <a:lvl4pPr lvl="3" rtl="0" algn="ctr">
+            <a:lvl4pPr lvl="3" algn="ctr" rtl="0">
               <a:lnSpc>
                 <a:spcPct val="100000"/>
               </a:lnSpc>
@@ -4762,7 +5008,7 @@
               <a:buNone/>
               <a:defRPr sz="2100"/>
             </a:lvl4pPr>
-            <a:lvl5pPr lvl="4" rtl="0" algn="ctr">
+            <a:lvl5pPr lvl="4" algn="ctr" rtl="0">
               <a:lnSpc>
                 <a:spcPct val="100000"/>
               </a:lnSpc>
@@ -4776,7 +5022,7 @@
               <a:buNone/>
               <a:defRPr sz="2100"/>
             </a:lvl5pPr>
-            <a:lvl6pPr lvl="5" rtl="0" algn="ctr">
+            <a:lvl6pPr lvl="5" algn="ctr" rtl="0">
               <a:lnSpc>
                 <a:spcPct val="100000"/>
               </a:lnSpc>
@@ -4790,7 +5036,7 @@
               <a:buNone/>
               <a:defRPr sz="2100"/>
             </a:lvl6pPr>
-            <a:lvl7pPr lvl="6" rtl="0" algn="ctr">
+            <a:lvl7pPr lvl="6" algn="ctr" rtl="0">
               <a:lnSpc>
                 <a:spcPct val="100000"/>
               </a:lnSpc>
@@ -4804,7 +5050,7 @@
               <a:buNone/>
               <a:defRPr sz="2100"/>
             </a:lvl7pPr>
-            <a:lvl8pPr lvl="7" rtl="0" algn="ctr">
+            <a:lvl8pPr lvl="7" algn="ctr" rtl="0">
               <a:lnSpc>
                 <a:spcPct val="100000"/>
               </a:lnSpc>
@@ -4818,7 +5064,7 @@
               <a:buNone/>
               <a:defRPr sz="2100"/>
             </a:lvl8pPr>
-            <a:lvl9pPr lvl="8" rtl="0" algn="ctr">
+            <a:lvl9pPr lvl="8" algn="ctr" rtl="0">
               <a:lnSpc>
                 <a:spcPct val="100000"/>
               </a:lnSpc>
@@ -4833,15 +5079,23 @@
               <a:defRPr sz="2100"/>
             </a:lvl9pPr>
           </a:lstStyle>
-          <a:p/>
+          <a:p>
+            <a:r>
+              <a:rPr lang="cs-CZ"/>
+              <a:t>Kliknutím můžete upravit styl předlohy.</a:t>
+            </a:r>
+            <a:endParaRPr/>
+          </a:p>
         </p:txBody>
       </p:sp>
       <p:sp>
         <p:nvSpPr>
           <p:cNvPr id="41" name="Google Shape;41;p9"/>
-          <p:cNvSpPr txBox="1"/>
+          <p:cNvSpPr txBox="1">
+            <a:spLocks noGrp="1"/>
+          </p:cNvSpPr>
           <p:nvPr>
-            <p:ph idx="2" type="body"/>
+            <p:ph type="body" idx="2"/>
           </p:nvPr>
         </p:nvSpPr>
         <p:spPr>
@@ -4854,11 +5108,11 @@
           </a:prstGeom>
         </p:spPr>
         <p:txBody>
-          <a:bodyPr anchorCtr="0" anchor="ctr" bIns="91425" lIns="91425" spcFirstLastPara="1" rIns="91425" wrap="square" tIns="91425">
+          <a:bodyPr spcFirstLastPara="1" wrap="square" lIns="91425" tIns="91425" rIns="91425" bIns="91425" anchor="ctr" anchorCtr="0">
             <a:normAutofit/>
           </a:bodyPr>
           <a:lstStyle>
-            <a:lvl1pPr indent="-342900" lvl="0" marL="457200" rtl="0">
+            <a:lvl1pPr marL="457200" lvl="0" indent="-342900" rtl="0">
               <a:spcBef>
                 <a:spcPts val="0"/>
               </a:spcBef>
@@ -4869,7 +5123,7 @@
               <a:buChar char="⎼"/>
               <a:defRPr/>
             </a:lvl1pPr>
-            <a:lvl2pPr indent="-317500" lvl="1" marL="914400" rtl="0">
+            <a:lvl2pPr marL="914400" lvl="1" indent="-317500" rtl="0">
               <a:spcBef>
                 <a:spcPts val="0"/>
               </a:spcBef>
@@ -4880,7 +5134,7 @@
               <a:buChar char="⎼"/>
               <a:defRPr/>
             </a:lvl2pPr>
-            <a:lvl3pPr indent="-317500" lvl="2" marL="1371600" rtl="0">
+            <a:lvl3pPr marL="1371600" lvl="2" indent="-317500" rtl="0">
               <a:spcBef>
                 <a:spcPts val="0"/>
               </a:spcBef>
@@ -4891,7 +5145,7 @@
               <a:buChar char="⎼"/>
               <a:defRPr/>
             </a:lvl3pPr>
-            <a:lvl4pPr indent="-317500" lvl="3" marL="1828800" rtl="0">
+            <a:lvl4pPr marL="1828800" lvl="3" indent="-317500" rtl="0">
               <a:spcBef>
                 <a:spcPts val="0"/>
               </a:spcBef>
@@ -4902,7 +5156,7 @@
               <a:buChar char="⎼"/>
               <a:defRPr/>
             </a:lvl4pPr>
-            <a:lvl5pPr indent="-317500" lvl="4" marL="2286000" rtl="0">
+            <a:lvl5pPr marL="2286000" lvl="4" indent="-317500" rtl="0">
               <a:spcBef>
                 <a:spcPts val="0"/>
               </a:spcBef>
@@ -4913,7 +5167,7 @@
               <a:buChar char="⎼"/>
               <a:defRPr/>
             </a:lvl5pPr>
-            <a:lvl6pPr indent="-317500" lvl="5" marL="2743200" rtl="0">
+            <a:lvl6pPr marL="2743200" lvl="5" indent="-317500" rtl="0">
               <a:spcBef>
                 <a:spcPts val="0"/>
               </a:spcBef>
@@ -4924,7 +5178,7 @@
               <a:buChar char="⎼"/>
               <a:defRPr/>
             </a:lvl6pPr>
-            <a:lvl7pPr indent="-317500" lvl="6" marL="3200400" rtl="0">
+            <a:lvl7pPr marL="3200400" lvl="6" indent="-317500" rtl="0">
               <a:spcBef>
                 <a:spcPts val="0"/>
               </a:spcBef>
@@ -4935,7 +5189,7 @@
               <a:buChar char="⎼"/>
               <a:defRPr/>
             </a:lvl7pPr>
-            <a:lvl8pPr indent="-317500" lvl="7" marL="3657600" rtl="0">
+            <a:lvl8pPr marL="3657600" lvl="7" indent="-317500" rtl="0">
               <a:spcBef>
                 <a:spcPts val="0"/>
               </a:spcBef>
@@ -4946,7 +5200,7 @@
               <a:buChar char="⎼"/>
               <a:defRPr/>
             </a:lvl8pPr>
-            <a:lvl9pPr indent="-317500" lvl="8" marL="4114800" rtl="0">
+            <a:lvl9pPr marL="4114800" lvl="8" indent="-317500" rtl="0">
               <a:spcBef>
                 <a:spcPts val="0"/>
               </a:spcBef>
@@ -4958,15 +5212,23 @@
               <a:defRPr/>
             </a:lvl9pPr>
           </a:lstStyle>
-          <a:p/>
+          <a:p>
+            <a:pPr lvl="0"/>
+            <a:r>
+              <a:rPr lang="cs-CZ"/>
+              <a:t>Po kliknutí můžete upravovat styly textu v předloze.</a:t>
+            </a:r>
+          </a:p>
         </p:txBody>
       </p:sp>
       <p:sp>
         <p:nvSpPr>
           <p:cNvPr id="42" name="Google Shape;42;p9"/>
-          <p:cNvSpPr txBox="1"/>
+          <p:cNvSpPr txBox="1">
+            <a:spLocks noGrp="1"/>
+          </p:cNvSpPr>
           <p:nvPr>
-            <p:ph idx="12" type="sldNum"/>
+            <p:ph type="sldNum" idx="12"/>
           </p:nvPr>
         </p:nvSpPr>
         <p:spPr>
@@ -4979,7 +5241,7 @@
           </a:prstGeom>
         </p:spPr>
         <p:txBody>
-          <a:bodyPr anchorCtr="0" anchor="ctr" bIns="91425" lIns="91425" spcFirstLastPara="1" rIns="91425" wrap="square" tIns="91425">
+          <a:bodyPr spcFirstLastPara="1" wrap="square" lIns="91425" tIns="91425" rIns="91425" bIns="91425" anchor="ctr" anchorCtr="0">
             <a:normAutofit/>
           </a:bodyPr>
           <a:lstStyle>
@@ -5021,7 +5283,7 @@
             </a:lvl9pPr>
           </a:lstStyle>
           <a:p>
-            <a:pPr indent="0" lvl="0" marL="0" rtl="0" algn="r">
+            <a:pPr marL="0" lvl="0" indent="0" algn="r" rtl="0">
               <a:spcBef>
                 <a:spcPts val="0"/>
               </a:spcBef>
@@ -5031,14 +5293,19 @@
               <a:buNone/>
             </a:pPr>
             <a:fld id="{00000000-1234-1234-1234-123412341234}" type="slidenum">
-              <a:rPr lang="cs"/>
+              <a:rPr lang="cs" smtClean="0"/>
               <a:t>‹#›</a:t>
             </a:fld>
-            <a:endParaRPr/>
+            <a:endParaRPr lang="cs"/>
           </a:p>
         </p:txBody>
       </p:sp>
     </p:spTree>
+    <p:extLst>
+      <p:ext uri="{BB962C8B-B14F-4D97-AF65-F5344CB8AC3E}">
+        <p14:creationId xmlns:p14="http://schemas.microsoft.com/office/powerpoint/2010/main" val="3040246960"/>
+      </p:ext>
+    </p:extLst>
   </p:cSld>
   <p:clrMapOvr>
     <a:masterClrMapping/>
@@ -5047,11 +5314,11 @@
 </file>
 
 <file path=ppt/slideLayouts/slideLayout9.xml><?xml version="1.0" encoding="utf-8"?>
-<p:sldLayout xmlns:a="http://schemas.openxmlformats.org/drawingml/2006/main" xmlns:r="http://schemas.openxmlformats.org/officeDocument/2006/relationships" xmlns:mc="http://schemas.openxmlformats.org/markup-compatibility/2006" xmlns:mv="urn:schemas-microsoft-com:mac:vml" xmlns:p="http://schemas.openxmlformats.org/presentationml/2006/main" xmlns:c="http://schemas.openxmlformats.org/drawingml/2006/chart" xmlns:dgm="http://schemas.openxmlformats.org/drawingml/2006/diagram" xmlns:o="urn:schemas-microsoft-com:office:office" xmlns:v="urn:schemas-microsoft-com:vml" xmlns:pvml="urn:schemas-microsoft-com:office:powerpoint" xmlns:com="http://schemas.openxmlformats.org/drawingml/2006/compatibility" xmlns:p14="http://schemas.microsoft.com/office/powerpoint/2010/main" xmlns:p15="http://schemas.microsoft.com/office/powerpoint/2012/main" xmlns:ahyp="http://schemas.microsoft.com/office/drawing/2018/hyperlinkcolor" matchingName="Caption">
-  <p:cSld name="CAPTION_ONLY">
+<p:sldLayout xmlns:a="http://schemas.openxmlformats.org/drawingml/2006/main" xmlns:r="http://schemas.openxmlformats.org/officeDocument/2006/relationships" xmlns:p="http://schemas.openxmlformats.org/presentationml/2006/main" matchingName="Caption">
+  <p:cSld name="Caption">
     <p:spTree>
       <p:nvGrpSpPr>
-        <p:cNvPr id="43" name="Shape 43"/>
+        <p:cNvPr id="1" name="Shape 43"/>
         <p:cNvGrpSpPr/>
         <p:nvPr/>
       </p:nvGrpSpPr>
@@ -5066,9 +5333,11 @@
       <p:sp>
         <p:nvSpPr>
           <p:cNvPr id="44" name="Google Shape;44;p10"/>
-          <p:cNvSpPr txBox="1"/>
+          <p:cNvSpPr txBox="1">
+            <a:spLocks noGrp="1"/>
+          </p:cNvSpPr>
           <p:nvPr>
-            <p:ph idx="1" type="body"/>
+            <p:ph type="body" idx="1"/>
           </p:nvPr>
         </p:nvSpPr>
         <p:spPr>
@@ -5081,11 +5350,11 @@
           </a:prstGeom>
         </p:spPr>
         <p:txBody>
-          <a:bodyPr anchorCtr="0" anchor="ctr" bIns="91425" lIns="91425" spcFirstLastPara="1" rIns="91425" wrap="square" tIns="91425">
+          <a:bodyPr spcFirstLastPara="1" wrap="square" lIns="91425" tIns="91425" rIns="91425" bIns="91425" anchor="ctr" anchorCtr="0">
             <a:normAutofit/>
           </a:bodyPr>
           <a:lstStyle>
-            <a:lvl1pPr indent="-228600" lvl="0" marL="457200" rtl="0">
+            <a:lvl1pPr marL="457200" lvl="0" indent="-228600" rtl="0">
               <a:lnSpc>
                 <a:spcPct val="100000"/>
               </a:lnSpc>
@@ -5100,15 +5369,23 @@
               <a:defRPr/>
             </a:lvl1pPr>
           </a:lstStyle>
-          <a:p/>
+          <a:p>
+            <a:pPr lvl="0"/>
+            <a:r>
+              <a:rPr lang="cs-CZ"/>
+              <a:t>Po kliknutí můžete upravovat styly textu v předloze.</a:t>
+            </a:r>
+          </a:p>
         </p:txBody>
       </p:sp>
       <p:sp>
         <p:nvSpPr>
           <p:cNvPr id="45" name="Google Shape;45;p10"/>
-          <p:cNvSpPr txBox="1"/>
+          <p:cNvSpPr txBox="1">
+            <a:spLocks noGrp="1"/>
+          </p:cNvSpPr>
           <p:nvPr>
-            <p:ph idx="12" type="sldNum"/>
+            <p:ph type="sldNum" idx="12"/>
           </p:nvPr>
         </p:nvSpPr>
         <p:spPr>
@@ -5121,7 +5398,7 @@
           </a:prstGeom>
         </p:spPr>
         <p:txBody>
-          <a:bodyPr anchorCtr="0" anchor="ctr" bIns="91425" lIns="91425" spcFirstLastPara="1" rIns="91425" wrap="square" tIns="91425">
+          <a:bodyPr spcFirstLastPara="1" wrap="square" lIns="91425" tIns="91425" rIns="91425" bIns="91425" anchor="ctr" anchorCtr="0">
             <a:normAutofit/>
           </a:bodyPr>
           <a:lstStyle>
@@ -5163,7 +5440,7 @@
             </a:lvl9pPr>
           </a:lstStyle>
           <a:p>
-            <a:pPr indent="0" lvl="0" marL="0" rtl="0" algn="r">
+            <a:pPr marL="0" lvl="0" indent="0" algn="r" rtl="0">
               <a:spcBef>
                 <a:spcPts val="0"/>
               </a:spcBef>
@@ -5173,14 +5450,19 @@
               <a:buNone/>
             </a:pPr>
             <a:fld id="{00000000-1234-1234-1234-123412341234}" type="slidenum">
-              <a:rPr lang="cs"/>
+              <a:rPr lang="cs" smtClean="0"/>
               <a:t>‹#›</a:t>
             </a:fld>
-            <a:endParaRPr/>
+            <a:endParaRPr lang="cs"/>
           </a:p>
         </p:txBody>
       </p:sp>
     </p:spTree>
+    <p:extLst>
+      <p:ext uri="{BB962C8B-B14F-4D97-AF65-F5344CB8AC3E}">
+        <p14:creationId xmlns:p14="http://schemas.microsoft.com/office/powerpoint/2010/main" val="4250774086"/>
+      </p:ext>
+    </p:extLst>
   </p:cSld>
   <p:clrMapOvr>
     <a:masterClrMapping/>
@@ -5189,18 +5471,19 @@
 </file>
 
 <file path=ppt/slideMasters/slideMaster1.xml><?xml version="1.0" encoding="utf-8"?>
-<p:sldMaster xmlns:a="http://schemas.openxmlformats.org/drawingml/2006/main" xmlns:r="http://schemas.openxmlformats.org/officeDocument/2006/relationships" xmlns:mc="http://schemas.openxmlformats.org/markup-compatibility/2006" xmlns:mv="urn:schemas-microsoft-com:mac:vml" xmlns:p="http://schemas.openxmlformats.org/presentationml/2006/main" xmlns:c="http://schemas.openxmlformats.org/drawingml/2006/chart" xmlns:dgm="http://schemas.openxmlformats.org/drawingml/2006/diagram" xmlns:o="urn:schemas-microsoft-com:office:office" xmlns:v="urn:schemas-microsoft-com:vml" xmlns:pvml="urn:schemas-microsoft-com:office:powerpoint" xmlns:com="http://schemas.openxmlformats.org/drawingml/2006/compatibility" xmlns:p14="http://schemas.microsoft.com/office/powerpoint/2010/main" xmlns:p15="http://schemas.microsoft.com/office/powerpoint/2012/main" xmlns:ahyp="http://schemas.microsoft.com/office/drawing/2018/hyperlinkcolor">
-  <p:cSld name="simple-light-2">
+<p:sldMaster xmlns:a="http://schemas.openxmlformats.org/drawingml/2006/main" xmlns:r="http://schemas.openxmlformats.org/officeDocument/2006/relationships" xmlns:p="http://schemas.openxmlformats.org/presentationml/2006/main">
+  <p:cSld>
     <p:bg>
       <p:bgPr>
         <a:solidFill>
           <a:schemeClr val="lt1"/>
         </a:solidFill>
+        <a:effectLst/>
       </p:bgPr>
     </p:bg>
     <p:spTree>
       <p:nvGrpSpPr>
-        <p:cNvPr id="5" name="Shape 5"/>
+        <p:cNvPr id="1" name="Shape 5"/>
         <p:cNvGrpSpPr/>
         <p:nvPr/>
       </p:nvGrpSpPr>
@@ -5215,7 +5498,9 @@
       <p:sp>
         <p:nvSpPr>
           <p:cNvPr id="6" name="Google Shape;6;p1"/>
-          <p:cNvSpPr txBox="1"/>
+          <p:cNvSpPr txBox="1">
+            <a:spLocks noGrp="1"/>
+          </p:cNvSpPr>
           <p:nvPr>
             <p:ph type="title"/>
           </p:nvPr>
@@ -5234,7 +5519,7 @@
           </a:ln>
         </p:spPr>
         <p:txBody>
-          <a:bodyPr anchorCtr="0" anchor="t" bIns="91425" lIns="91425" spcFirstLastPara="1" rIns="91425" wrap="square" tIns="91425">
+          <a:bodyPr spcFirstLastPara="1" wrap="square" lIns="91425" tIns="91425" rIns="91425" bIns="91425" anchor="t" anchorCtr="0">
             <a:normAutofit/>
           </a:bodyPr>
           <a:lstStyle>
@@ -5406,15 +5691,19 @@
               </a:defRPr>
             </a:lvl9pPr>
           </a:lstStyle>
-          <a:p/>
+          <a:p>
+            <a:endParaRPr/>
+          </a:p>
         </p:txBody>
       </p:sp>
       <p:sp>
         <p:nvSpPr>
           <p:cNvPr id="7" name="Google Shape;7;p1"/>
-          <p:cNvSpPr txBox="1"/>
+          <p:cNvSpPr txBox="1">
+            <a:spLocks noGrp="1"/>
+          </p:cNvSpPr>
           <p:nvPr>
-            <p:ph idx="1" type="body"/>
+            <p:ph type="body" idx="1"/>
           </p:nvPr>
         </p:nvSpPr>
         <p:spPr>
@@ -5431,11 +5720,11 @@
           </a:ln>
         </p:spPr>
         <p:txBody>
-          <a:bodyPr anchorCtr="0" anchor="t" bIns="91425" lIns="91425" spcFirstLastPara="1" rIns="91425" wrap="square" tIns="91425">
+          <a:bodyPr spcFirstLastPara="1" wrap="square" lIns="91425" tIns="91425" rIns="91425" bIns="91425" anchor="t" anchorCtr="0">
             <a:normAutofit/>
           </a:bodyPr>
           <a:lstStyle>
-            <a:lvl1pPr indent="-342900" lvl="0" marL="457200" rtl="0">
+            <a:lvl1pPr marL="457200" lvl="0" indent="-342900" rtl="0">
               <a:lnSpc>
                 <a:spcPct val="115000"/>
               </a:lnSpc>
@@ -5456,7 +5745,7 @@
                 </a:solidFill>
               </a:defRPr>
             </a:lvl1pPr>
-            <a:lvl2pPr indent="-317500" lvl="1" marL="914400" rtl="0">
+            <a:lvl2pPr marL="914400" lvl="1" indent="-317500" rtl="0">
               <a:lnSpc>
                 <a:spcPct val="115000"/>
               </a:lnSpc>
@@ -5477,7 +5766,7 @@
                 </a:solidFill>
               </a:defRPr>
             </a:lvl2pPr>
-            <a:lvl3pPr indent="-317500" lvl="2" marL="1371600" rtl="0">
+            <a:lvl3pPr marL="1371600" lvl="2" indent="-317500" rtl="0">
               <a:lnSpc>
                 <a:spcPct val="115000"/>
               </a:lnSpc>
@@ -5498,7 +5787,7 @@
                 </a:solidFill>
               </a:defRPr>
             </a:lvl3pPr>
-            <a:lvl4pPr indent="-317500" lvl="3" marL="1828800" rtl="0">
+            <a:lvl4pPr marL="1828800" lvl="3" indent="-317500" rtl="0">
               <a:lnSpc>
                 <a:spcPct val="115000"/>
               </a:lnSpc>
@@ -5519,7 +5808,7 @@
                 </a:solidFill>
               </a:defRPr>
             </a:lvl4pPr>
-            <a:lvl5pPr indent="-317500" lvl="4" marL="2286000" rtl="0">
+            <a:lvl5pPr marL="2286000" lvl="4" indent="-317500" rtl="0">
               <a:lnSpc>
                 <a:spcPct val="115000"/>
               </a:lnSpc>
@@ -5540,7 +5829,7 @@
                 </a:solidFill>
               </a:defRPr>
             </a:lvl5pPr>
-            <a:lvl6pPr indent="-317500" lvl="5" marL="2743200" rtl="0">
+            <a:lvl6pPr marL="2743200" lvl="5" indent="-317500" rtl="0">
               <a:lnSpc>
                 <a:spcPct val="115000"/>
               </a:lnSpc>
@@ -5561,7 +5850,7 @@
                 </a:solidFill>
               </a:defRPr>
             </a:lvl6pPr>
-            <a:lvl7pPr indent="-317500" lvl="6" marL="3200400" rtl="0">
+            <a:lvl7pPr marL="3200400" lvl="6" indent="-317500" rtl="0">
               <a:lnSpc>
                 <a:spcPct val="115000"/>
               </a:lnSpc>
@@ -5582,7 +5871,7 @@
                 </a:solidFill>
               </a:defRPr>
             </a:lvl7pPr>
-            <a:lvl8pPr indent="-317500" lvl="7" marL="3657600" rtl="0">
+            <a:lvl8pPr marL="3657600" lvl="7" indent="-317500" rtl="0">
               <a:lnSpc>
                 <a:spcPct val="115000"/>
               </a:lnSpc>
@@ -5603,7 +5892,7 @@
                 </a:solidFill>
               </a:defRPr>
             </a:lvl8pPr>
-            <a:lvl9pPr indent="-317500" lvl="8" marL="4114800" rtl="0">
+            <a:lvl9pPr marL="4114800" lvl="8" indent="-317500" rtl="0">
               <a:lnSpc>
                 <a:spcPct val="115000"/>
               </a:lnSpc>
@@ -5625,15 +5914,19 @@
               </a:defRPr>
             </a:lvl9pPr>
           </a:lstStyle>
-          <a:p/>
+          <a:p>
+            <a:endParaRPr/>
+          </a:p>
         </p:txBody>
       </p:sp>
       <p:sp>
         <p:nvSpPr>
           <p:cNvPr id="8" name="Google Shape;8;p1"/>
-          <p:cNvSpPr txBox="1"/>
+          <p:cNvSpPr txBox="1">
+            <a:spLocks noGrp="1"/>
+          </p:cNvSpPr>
           <p:nvPr>
-            <p:ph idx="12" type="sldNum"/>
+            <p:ph type="sldNum" idx="12"/>
           </p:nvPr>
         </p:nvSpPr>
         <p:spPr>
@@ -5650,11 +5943,11 @@
           </a:ln>
         </p:spPr>
         <p:txBody>
-          <a:bodyPr anchorCtr="0" anchor="ctr" bIns="91425" lIns="91425" spcFirstLastPara="1" rIns="91425" wrap="square" tIns="91425">
+          <a:bodyPr spcFirstLastPara="1" wrap="square" lIns="91425" tIns="91425" rIns="91425" bIns="91425" anchor="ctr" anchorCtr="0">
             <a:normAutofit/>
           </a:bodyPr>
           <a:lstStyle>
-            <a:lvl1pPr lvl="0" rtl="0" algn="r">
+            <a:lvl1pPr lvl="0" algn="r" rtl="0">
               <a:buNone/>
               <a:defRPr sz="1000">
                 <a:solidFill>
@@ -5662,7 +5955,7 @@
                 </a:solidFill>
               </a:defRPr>
             </a:lvl1pPr>
-            <a:lvl2pPr lvl="1" rtl="0" algn="r">
+            <a:lvl2pPr lvl="1" algn="r" rtl="0">
               <a:buNone/>
               <a:defRPr sz="1000">
                 <a:solidFill>
@@ -5670,7 +5963,7 @@
                 </a:solidFill>
               </a:defRPr>
             </a:lvl2pPr>
-            <a:lvl3pPr lvl="2" rtl="0" algn="r">
+            <a:lvl3pPr lvl="2" algn="r" rtl="0">
               <a:buNone/>
               <a:defRPr sz="1000">
                 <a:solidFill>
@@ -5678,7 +5971,7 @@
                 </a:solidFill>
               </a:defRPr>
             </a:lvl3pPr>
-            <a:lvl4pPr lvl="3" rtl="0" algn="r">
+            <a:lvl4pPr lvl="3" algn="r" rtl="0">
               <a:buNone/>
               <a:defRPr sz="1000">
                 <a:solidFill>
@@ -5686,7 +5979,7 @@
                 </a:solidFill>
               </a:defRPr>
             </a:lvl4pPr>
-            <a:lvl5pPr lvl="4" rtl="0" algn="r">
+            <a:lvl5pPr lvl="4" algn="r" rtl="0">
               <a:buNone/>
               <a:defRPr sz="1000">
                 <a:solidFill>
@@ -5694,7 +5987,7 @@
                 </a:solidFill>
               </a:defRPr>
             </a:lvl5pPr>
-            <a:lvl6pPr lvl="5" rtl="0" algn="r">
+            <a:lvl6pPr lvl="5" algn="r" rtl="0">
               <a:buNone/>
               <a:defRPr sz="1000">
                 <a:solidFill>
@@ -5702,7 +5995,7 @@
                 </a:solidFill>
               </a:defRPr>
             </a:lvl6pPr>
-            <a:lvl7pPr lvl="6" rtl="0" algn="r">
+            <a:lvl7pPr lvl="6" algn="r" rtl="0">
               <a:buNone/>
               <a:defRPr sz="1000">
                 <a:solidFill>
@@ -5710,7 +6003,7 @@
                 </a:solidFill>
               </a:defRPr>
             </a:lvl7pPr>
-            <a:lvl8pPr lvl="7" rtl="0" algn="r">
+            <a:lvl8pPr lvl="7" algn="r" rtl="0">
               <a:buNone/>
               <a:defRPr sz="1000">
                 <a:solidFill>
@@ -5718,7 +6011,7 @@
                 </a:solidFill>
               </a:defRPr>
             </a:lvl8pPr>
-            <a:lvl9pPr lvl="8" rtl="0" algn="r">
+            <a:lvl9pPr lvl="8" algn="r" rtl="0">
               <a:buNone/>
               <a:defRPr sz="1000">
                 <a:solidFill>
@@ -5728,7 +6021,7 @@
             </a:lvl9pPr>
           </a:lstStyle>
           <a:p>
-            <a:pPr indent="0" lvl="0" marL="0" rtl="0" algn="r">
+            <a:pPr marL="0" lvl="0" indent="0" algn="r" rtl="0">
               <a:spcBef>
                 <a:spcPts val="0"/>
               </a:spcBef>
@@ -5738,10 +6031,10 @@
               <a:buNone/>
             </a:pPr>
             <a:fld id="{00000000-1234-1234-1234-123412341234}" type="slidenum">
-              <a:rPr lang="cs"/>
+              <a:rPr lang="cs" smtClean="0"/>
               <a:t>‹#›</a:t>
             </a:fld>
-            <a:endParaRPr/>
+            <a:endParaRPr lang="cs"/>
           </a:p>
         </p:txBody>
       </p:sp>
@@ -5760,14 +6053,14 @@
             <a:avLst/>
           </a:prstGeom>
           <a:noFill/>
-          <a:ln cap="flat" cmpd="sng" w="28575">
+          <a:ln w="28575" cap="flat" cmpd="sng">
             <a:solidFill>
               <a:schemeClr val="dk2"/>
             </a:solidFill>
             <a:prstDash val="solid"/>
             <a:round/>
-            <a:headEnd len="med" w="med" type="none"/>
-            <a:tailEnd len="med" w="med" type="none"/>
+            <a:headEnd type="none" w="med" len="med"/>
+            <a:tailEnd type="none" w="med" len="med"/>
           </a:ln>
         </p:spPr>
       </p:cxnSp>
@@ -5778,7 +6071,7 @@
           <p:nvPr/>
         </p:nvPicPr>
         <p:blipFill>
-          <a:blip r:embed="rId1">
+          <a:blip r:embed="rId13">
             <a:alphaModFix/>
           </a:blip>
           <a:stretch>
@@ -5800,25 +6093,30 @@
         </p:spPr>
       </p:pic>
     </p:spTree>
+    <p:extLst>
+      <p:ext uri="{BB962C8B-B14F-4D97-AF65-F5344CB8AC3E}">
+        <p14:creationId xmlns:p14="http://schemas.microsoft.com/office/powerpoint/2010/main" val="136671749"/>
+      </p:ext>
+    </p:extLst>
   </p:cSld>
-  <p:clrMap accent1="accent1" accent2="accent2" accent3="accent3" accent4="accent4" accent5="accent5" accent6="accent6" bg1="lt1" bg2="dk2" tx1="dk1" tx2="lt2" folHlink="folHlink" hlink="hlink"/>
+  <p:clrMap bg1="lt1" tx1="dk1" bg2="dk2" tx2="lt2" accent1="accent1" accent2="accent2" accent3="accent3" accent4="accent4" accent5="accent5" accent6="accent6" hlink="hlink" folHlink="folHlink"/>
   <p:sldLayoutIdLst>
-    <p:sldLayoutId id="2147483648" r:id="rId2"/>
-    <p:sldLayoutId id="2147483649" r:id="rId3"/>
-    <p:sldLayoutId id="2147483650" r:id="rId4"/>
-    <p:sldLayoutId id="2147483651" r:id="rId5"/>
-    <p:sldLayoutId id="2147483652" r:id="rId6"/>
-    <p:sldLayoutId id="2147483653" r:id="rId7"/>
-    <p:sldLayoutId id="2147483654" r:id="rId8"/>
-    <p:sldLayoutId id="2147483655" r:id="rId9"/>
-    <p:sldLayoutId id="2147483656" r:id="rId10"/>
-    <p:sldLayoutId id="2147483657" r:id="rId11"/>
-    <p:sldLayoutId id="2147483658" r:id="rId12"/>
+    <p:sldLayoutId id="2147483661" r:id="rId1"/>
+    <p:sldLayoutId id="2147483662" r:id="rId2"/>
+    <p:sldLayoutId id="2147483663" r:id="rId3"/>
+    <p:sldLayoutId id="2147483664" r:id="rId4"/>
+    <p:sldLayoutId id="2147483665" r:id="rId5"/>
+    <p:sldLayoutId id="2147483666" r:id="rId6"/>
+    <p:sldLayoutId id="2147483667" r:id="rId7"/>
+    <p:sldLayoutId id="2147483668" r:id="rId8"/>
+    <p:sldLayoutId id="2147483669" r:id="rId9"/>
+    <p:sldLayoutId id="2147483670" r:id="rId10"/>
+    <p:sldLayoutId id="2147483671" r:id="rId11"/>
   </p:sldLayoutIdLst>
-  <p:hf dt="0" ftr="0" hdr="0" sldNum="0"/>
+  <p:hf sldNum="0" hdr="0" ftr="0" dt="0"/>
   <p:txStyles>
     <p:titleStyle>
-      <a:defPPr lvl="0" marR="0" rtl="0" algn="l">
+      <a:defPPr marR="0" lvl="0" algn="l" rtl="0">
         <a:lnSpc>
           <a:spcPct val="100000"/>
         </a:lnSpc>
@@ -5829,7 +6127,7 @@
           <a:spcPts val="0"/>
         </a:spcAft>
       </a:defPPr>
-      <a:lvl1pPr lvl="0" marR="0" rtl="0" algn="l">
+      <a:lvl1pPr marR="0" lvl="0" algn="l" rtl="0" eaLnBrk="1" hangingPunct="1">
         <a:lnSpc>
           <a:spcPct val="100000"/>
         </a:lnSpc>
@@ -5843,7 +6141,7 @@
           <a:srgbClr val="000000"/>
         </a:buClr>
         <a:buFont typeface="Arial"/>
-        <a:defRPr b="0" i="0" sz="1400" u="none" cap="none" strike="noStrike">
+        <a:defRPr sz="1400" b="0" i="0" u="none" strike="noStrike" cap="none">
           <a:solidFill>
             <a:srgbClr val="000000"/>
           </a:solidFill>
@@ -5853,7 +6151,7 @@
           <a:sym typeface="Arial"/>
         </a:defRPr>
       </a:lvl1pPr>
-      <a:lvl2pPr lvl="1" marR="0" rtl="0" algn="l">
+      <a:lvl2pPr marR="0" lvl="1" algn="l" rtl="0" eaLnBrk="1" hangingPunct="1">
         <a:lnSpc>
           <a:spcPct val="100000"/>
         </a:lnSpc>
@@ -5867,7 +6165,7 @@
           <a:srgbClr val="000000"/>
         </a:buClr>
         <a:buFont typeface="Arial"/>
-        <a:defRPr b="0" i="0" sz="1400" u="none" cap="none" strike="noStrike">
+        <a:defRPr sz="1400" b="0" i="0" u="none" strike="noStrike" cap="none">
           <a:solidFill>
             <a:srgbClr val="000000"/>
           </a:solidFill>
@@ -5877,7 +6175,7 @@
           <a:sym typeface="Arial"/>
         </a:defRPr>
       </a:lvl2pPr>
-      <a:lvl3pPr lvl="2" marR="0" rtl="0" algn="l">
+      <a:lvl3pPr marR="0" lvl="2" algn="l" rtl="0" eaLnBrk="1" hangingPunct="1">
         <a:lnSpc>
           <a:spcPct val="100000"/>
         </a:lnSpc>
@@ -5891,7 +6189,7 @@
           <a:srgbClr val="000000"/>
         </a:buClr>
         <a:buFont typeface="Arial"/>
-        <a:defRPr b="0" i="0" sz="1400" u="none" cap="none" strike="noStrike">
+        <a:defRPr sz="1400" b="0" i="0" u="none" strike="noStrike" cap="none">
           <a:solidFill>
             <a:srgbClr val="000000"/>
           </a:solidFill>
@@ -5901,7 +6199,7 @@
           <a:sym typeface="Arial"/>
         </a:defRPr>
       </a:lvl3pPr>
-      <a:lvl4pPr lvl="3" marR="0" rtl="0" algn="l">
+      <a:lvl4pPr marR="0" lvl="3" algn="l" rtl="0" eaLnBrk="1" hangingPunct="1">
         <a:lnSpc>
           <a:spcPct val="100000"/>
         </a:lnSpc>
@@ -5915,7 +6213,7 @@
           <a:srgbClr val="000000"/>
         </a:buClr>
         <a:buFont typeface="Arial"/>
-        <a:defRPr b="0" i="0" sz="1400" u="none" cap="none" strike="noStrike">
+        <a:defRPr sz="1400" b="0" i="0" u="none" strike="noStrike" cap="none">
           <a:solidFill>
             <a:srgbClr val="000000"/>
           </a:solidFill>
@@ -5925,7 +6223,7 @@
           <a:sym typeface="Arial"/>
         </a:defRPr>
       </a:lvl4pPr>
-      <a:lvl5pPr lvl="4" marR="0" rtl="0" algn="l">
+      <a:lvl5pPr marR="0" lvl="4" algn="l" rtl="0" eaLnBrk="1" hangingPunct="1">
         <a:lnSpc>
           <a:spcPct val="100000"/>
         </a:lnSpc>
@@ -5939,7 +6237,7 @@
           <a:srgbClr val="000000"/>
         </a:buClr>
         <a:buFont typeface="Arial"/>
-        <a:defRPr b="0" i="0" sz="1400" u="none" cap="none" strike="noStrike">
+        <a:defRPr sz="1400" b="0" i="0" u="none" strike="noStrike" cap="none">
           <a:solidFill>
             <a:srgbClr val="000000"/>
           </a:solidFill>
@@ -5949,7 +6247,7 @@
           <a:sym typeface="Arial"/>
         </a:defRPr>
       </a:lvl5pPr>
-      <a:lvl6pPr lvl="5" marR="0" rtl="0" algn="l">
+      <a:lvl6pPr marR="0" lvl="5" algn="l" rtl="0" eaLnBrk="1" hangingPunct="1">
         <a:lnSpc>
           <a:spcPct val="100000"/>
         </a:lnSpc>
@@ -5963,7 +6261,7 @@
           <a:srgbClr val="000000"/>
         </a:buClr>
         <a:buFont typeface="Arial"/>
-        <a:defRPr b="0" i="0" sz="1400" u="none" cap="none" strike="noStrike">
+        <a:defRPr sz="1400" b="0" i="0" u="none" strike="noStrike" cap="none">
           <a:solidFill>
             <a:srgbClr val="000000"/>
           </a:solidFill>
@@ -5973,7 +6271,7 @@
           <a:sym typeface="Arial"/>
         </a:defRPr>
       </a:lvl6pPr>
-      <a:lvl7pPr lvl="6" marR="0" rtl="0" algn="l">
+      <a:lvl7pPr marR="0" lvl="6" algn="l" rtl="0" eaLnBrk="1" hangingPunct="1">
         <a:lnSpc>
           <a:spcPct val="100000"/>
         </a:lnSpc>
@@ -5987,7 +6285,7 @@
           <a:srgbClr val="000000"/>
         </a:buClr>
         <a:buFont typeface="Arial"/>
-        <a:defRPr b="0" i="0" sz="1400" u="none" cap="none" strike="noStrike">
+        <a:defRPr sz="1400" b="0" i="0" u="none" strike="noStrike" cap="none">
           <a:solidFill>
             <a:srgbClr val="000000"/>
           </a:solidFill>
@@ -5997,7 +6295,7 @@
           <a:sym typeface="Arial"/>
         </a:defRPr>
       </a:lvl7pPr>
-      <a:lvl8pPr lvl="7" marR="0" rtl="0" algn="l">
+      <a:lvl8pPr marR="0" lvl="7" algn="l" rtl="0" eaLnBrk="1" hangingPunct="1">
         <a:lnSpc>
           <a:spcPct val="100000"/>
         </a:lnSpc>
@@ -6011,7 +6309,7 @@
           <a:srgbClr val="000000"/>
         </a:buClr>
         <a:buFont typeface="Arial"/>
-        <a:defRPr b="0" i="0" sz="1400" u="none" cap="none" strike="noStrike">
+        <a:defRPr sz="1400" b="0" i="0" u="none" strike="noStrike" cap="none">
           <a:solidFill>
             <a:srgbClr val="000000"/>
           </a:solidFill>
@@ -6021,7 +6319,7 @@
           <a:sym typeface="Arial"/>
         </a:defRPr>
       </a:lvl8pPr>
-      <a:lvl9pPr lvl="8" marR="0" rtl="0" algn="l">
+      <a:lvl9pPr marR="0" lvl="8" algn="l" rtl="0" eaLnBrk="1" hangingPunct="1">
         <a:lnSpc>
           <a:spcPct val="100000"/>
         </a:lnSpc>
@@ -6035,7 +6333,7 @@
           <a:srgbClr val="000000"/>
         </a:buClr>
         <a:buFont typeface="Arial"/>
-        <a:defRPr b="0" i="0" sz="1400" u="none" cap="none" strike="noStrike">
+        <a:defRPr sz="1400" b="0" i="0" u="none" strike="noStrike" cap="none">
           <a:solidFill>
             <a:srgbClr val="000000"/>
           </a:solidFill>
@@ -6047,7 +6345,7 @@
       </a:lvl9pPr>
     </p:titleStyle>
     <p:bodyStyle>
-      <a:defPPr lvl="0" marR="0" rtl="0" algn="l">
+      <a:defPPr marR="0" lvl="0" algn="l" rtl="0">
         <a:lnSpc>
           <a:spcPct val="100000"/>
         </a:lnSpc>
@@ -6058,7 +6356,7 @@
           <a:spcPts val="0"/>
         </a:spcAft>
       </a:defPPr>
-      <a:lvl1pPr lvl="0" marR="0" rtl="0" algn="l">
+      <a:lvl1pPr marR="0" lvl="0" algn="l" rtl="0" eaLnBrk="1" hangingPunct="1">
         <a:lnSpc>
           <a:spcPct val="100000"/>
         </a:lnSpc>
@@ -6072,7 +6370,7 @@
           <a:srgbClr val="000000"/>
         </a:buClr>
         <a:buFont typeface="Arial"/>
-        <a:defRPr b="0" i="0" sz="1400" u="none" cap="none" strike="noStrike">
+        <a:defRPr sz="1400" b="0" i="0" u="none" strike="noStrike" cap="none">
           <a:solidFill>
             <a:srgbClr val="000000"/>
           </a:solidFill>
@@ -6082,7 +6380,7 @@
           <a:sym typeface="Arial"/>
         </a:defRPr>
       </a:lvl1pPr>
-      <a:lvl2pPr lvl="1" marR="0" rtl="0" algn="l">
+      <a:lvl2pPr marR="0" lvl="1" algn="l" rtl="0" eaLnBrk="1" hangingPunct="1">
         <a:lnSpc>
           <a:spcPct val="100000"/>
         </a:lnSpc>
@@ -6096,7 +6394,7 @@
           <a:srgbClr val="000000"/>
         </a:buClr>
         <a:buFont typeface="Arial"/>
-        <a:defRPr b="0" i="0" sz="1400" u="none" cap="none" strike="noStrike">
+        <a:defRPr sz="1400" b="0" i="0" u="none" strike="noStrike" cap="none">
           <a:solidFill>
             <a:srgbClr val="000000"/>
           </a:solidFill>
@@ -6106,7 +6404,7 @@
           <a:sym typeface="Arial"/>
         </a:defRPr>
       </a:lvl2pPr>
-      <a:lvl3pPr lvl="2" marR="0" rtl="0" algn="l">
+      <a:lvl3pPr marR="0" lvl="2" algn="l" rtl="0" eaLnBrk="1" hangingPunct="1">
         <a:lnSpc>
           <a:spcPct val="100000"/>
         </a:lnSpc>
@@ -6120,7 +6418,7 @@
           <a:srgbClr val="000000"/>
         </a:buClr>
         <a:buFont typeface="Arial"/>
-        <a:defRPr b="0" i="0" sz="1400" u="none" cap="none" strike="noStrike">
+        <a:defRPr sz="1400" b="0" i="0" u="none" strike="noStrike" cap="none">
           <a:solidFill>
             <a:srgbClr val="000000"/>
           </a:solidFill>
@@ -6130,7 +6428,7 @@
           <a:sym typeface="Arial"/>
         </a:defRPr>
       </a:lvl3pPr>
-      <a:lvl4pPr lvl="3" marR="0" rtl="0" algn="l">
+      <a:lvl4pPr marR="0" lvl="3" algn="l" rtl="0" eaLnBrk="1" hangingPunct="1">
         <a:lnSpc>
           <a:spcPct val="100000"/>
         </a:lnSpc>
@@ -6144,7 +6442,7 @@
           <a:srgbClr val="000000"/>
         </a:buClr>
         <a:buFont typeface="Arial"/>
-        <a:defRPr b="0" i="0" sz="1400" u="none" cap="none" strike="noStrike">
+        <a:defRPr sz="1400" b="0" i="0" u="none" strike="noStrike" cap="none">
           <a:solidFill>
             <a:srgbClr val="000000"/>
           </a:solidFill>
@@ -6154,7 +6452,7 @@
           <a:sym typeface="Arial"/>
         </a:defRPr>
       </a:lvl4pPr>
-      <a:lvl5pPr lvl="4" marR="0" rtl="0" algn="l">
+      <a:lvl5pPr marR="0" lvl="4" algn="l" rtl="0" eaLnBrk="1" hangingPunct="1">
         <a:lnSpc>
           <a:spcPct val="100000"/>
         </a:lnSpc>
@@ -6168,7 +6466,7 @@
           <a:srgbClr val="000000"/>
         </a:buClr>
         <a:buFont typeface="Arial"/>
-        <a:defRPr b="0" i="0" sz="1400" u="none" cap="none" strike="noStrike">
+        <a:defRPr sz="1400" b="0" i="0" u="none" strike="noStrike" cap="none">
           <a:solidFill>
             <a:srgbClr val="000000"/>
           </a:solidFill>
@@ -6178,7 +6476,7 @@
           <a:sym typeface="Arial"/>
         </a:defRPr>
       </a:lvl5pPr>
-      <a:lvl6pPr lvl="5" marR="0" rtl="0" algn="l">
+      <a:lvl6pPr marR="0" lvl="5" algn="l" rtl="0" eaLnBrk="1" hangingPunct="1">
         <a:lnSpc>
           <a:spcPct val="100000"/>
         </a:lnSpc>
@@ -6192,7 +6490,7 @@
           <a:srgbClr val="000000"/>
         </a:buClr>
         <a:buFont typeface="Arial"/>
-        <a:defRPr b="0" i="0" sz="1400" u="none" cap="none" strike="noStrike">
+        <a:defRPr sz="1400" b="0" i="0" u="none" strike="noStrike" cap="none">
           <a:solidFill>
             <a:srgbClr val="000000"/>
           </a:solidFill>
@@ -6202,7 +6500,7 @@
           <a:sym typeface="Arial"/>
         </a:defRPr>
       </a:lvl6pPr>
-      <a:lvl7pPr lvl="6" marR="0" rtl="0" algn="l">
+      <a:lvl7pPr marR="0" lvl="6" algn="l" rtl="0" eaLnBrk="1" hangingPunct="1">
         <a:lnSpc>
           <a:spcPct val="100000"/>
         </a:lnSpc>
@@ -6216,7 +6514,7 @@
           <a:srgbClr val="000000"/>
         </a:buClr>
         <a:buFont typeface="Arial"/>
-        <a:defRPr b="0" i="0" sz="1400" u="none" cap="none" strike="noStrike">
+        <a:defRPr sz="1400" b="0" i="0" u="none" strike="noStrike" cap="none">
           <a:solidFill>
             <a:srgbClr val="000000"/>
           </a:solidFill>
@@ -6226,7 +6524,7 @@
           <a:sym typeface="Arial"/>
         </a:defRPr>
       </a:lvl7pPr>
-      <a:lvl8pPr lvl="7" marR="0" rtl="0" algn="l">
+      <a:lvl8pPr marR="0" lvl="7" algn="l" rtl="0" eaLnBrk="1" hangingPunct="1">
         <a:lnSpc>
           <a:spcPct val="100000"/>
         </a:lnSpc>
@@ -6240,7 +6538,7 @@
           <a:srgbClr val="000000"/>
         </a:buClr>
         <a:buFont typeface="Arial"/>
-        <a:defRPr b="0" i="0" sz="1400" u="none" cap="none" strike="noStrike">
+        <a:defRPr sz="1400" b="0" i="0" u="none" strike="noStrike" cap="none">
           <a:solidFill>
             <a:srgbClr val="000000"/>
           </a:solidFill>
@@ -6250,7 +6548,7 @@
           <a:sym typeface="Arial"/>
         </a:defRPr>
       </a:lvl8pPr>
-      <a:lvl9pPr lvl="8" marR="0" rtl="0" algn="l">
+      <a:lvl9pPr marR="0" lvl="8" algn="l" rtl="0" eaLnBrk="1" hangingPunct="1">
         <a:lnSpc>
           <a:spcPct val="100000"/>
         </a:lnSpc>
@@ -6264,7 +6562,7 @@
           <a:srgbClr val="000000"/>
         </a:buClr>
         <a:buFont typeface="Arial"/>
-        <a:defRPr b="0" i="0" sz="1400" u="none" cap="none" strike="noStrike">
+        <a:defRPr sz="1400" b="0" i="0" u="none" strike="noStrike" cap="none">
           <a:solidFill>
             <a:srgbClr val="000000"/>
           </a:solidFill>
@@ -6276,7 +6574,7 @@
       </a:lvl9pPr>
     </p:bodyStyle>
     <p:otherStyle>
-      <a:defPPr lvl="0" marR="0" rtl="0" algn="l">
+      <a:defPPr marR="0" lvl="0" algn="l" rtl="0">
         <a:lnSpc>
           <a:spcPct val="100000"/>
         </a:lnSpc>
@@ -6287,7 +6585,7 @@
           <a:spcPts val="0"/>
         </a:spcAft>
       </a:defPPr>
-      <a:lvl1pPr lvl="0" marR="0" rtl="0" algn="l">
+      <a:lvl1pPr marR="0" lvl="0" algn="l" rtl="0" eaLnBrk="1" hangingPunct="1">
         <a:lnSpc>
           <a:spcPct val="100000"/>
         </a:lnSpc>
@@ -6301,7 +6599,7 @@
           <a:srgbClr val="000000"/>
         </a:buClr>
         <a:buFont typeface="Arial"/>
-        <a:defRPr b="0" i="0" sz="1400" u="none" cap="none" strike="noStrike">
+        <a:defRPr sz="1400" b="0" i="0" u="none" strike="noStrike" cap="none">
           <a:solidFill>
             <a:srgbClr val="000000"/>
           </a:solidFill>
@@ -6311,7 +6609,7 @@
           <a:sym typeface="Arial"/>
         </a:defRPr>
       </a:lvl1pPr>
-      <a:lvl2pPr lvl="1" marR="0" rtl="0" algn="l">
+      <a:lvl2pPr marR="0" lvl="1" algn="l" rtl="0" eaLnBrk="1" hangingPunct="1">
         <a:lnSpc>
           <a:spcPct val="100000"/>
         </a:lnSpc>
@@ -6325,7 +6623,7 @@
           <a:srgbClr val="000000"/>
         </a:buClr>
         <a:buFont typeface="Arial"/>
-        <a:defRPr b="0" i="0" sz="1400" u="none" cap="none" strike="noStrike">
+        <a:defRPr sz="1400" b="0" i="0" u="none" strike="noStrike" cap="none">
           <a:solidFill>
             <a:srgbClr val="000000"/>
           </a:solidFill>
@@ -6335,7 +6633,7 @@
           <a:sym typeface="Arial"/>
         </a:defRPr>
       </a:lvl2pPr>
-      <a:lvl3pPr lvl="2" marR="0" rtl="0" algn="l">
+      <a:lvl3pPr marR="0" lvl="2" algn="l" rtl="0" eaLnBrk="1" hangingPunct="1">
         <a:lnSpc>
           <a:spcPct val="100000"/>
         </a:lnSpc>
@@ -6349,7 +6647,7 @@
           <a:srgbClr val="000000"/>
         </a:buClr>
         <a:buFont typeface="Arial"/>
-        <a:defRPr b="0" i="0" sz="1400" u="none" cap="none" strike="noStrike">
+        <a:defRPr sz="1400" b="0" i="0" u="none" strike="noStrike" cap="none">
           <a:solidFill>
             <a:srgbClr val="000000"/>
           </a:solidFill>
@@ -6359,7 +6657,7 @@
           <a:sym typeface="Arial"/>
         </a:defRPr>
       </a:lvl3pPr>
-      <a:lvl4pPr lvl="3" marR="0" rtl="0" algn="l">
+      <a:lvl4pPr marR="0" lvl="3" algn="l" rtl="0" eaLnBrk="1" hangingPunct="1">
         <a:lnSpc>
           <a:spcPct val="100000"/>
         </a:lnSpc>
@@ -6373,7 +6671,7 @@
           <a:srgbClr val="000000"/>
         </a:buClr>
         <a:buFont typeface="Arial"/>
-        <a:defRPr b="0" i="0" sz="1400" u="none" cap="none" strike="noStrike">
+        <a:defRPr sz="1400" b="0" i="0" u="none" strike="noStrike" cap="none">
           <a:solidFill>
             <a:srgbClr val="000000"/>
           </a:solidFill>
@@ -6383,7 +6681,7 @@
           <a:sym typeface="Arial"/>
         </a:defRPr>
       </a:lvl4pPr>
-      <a:lvl5pPr lvl="4" marR="0" rtl="0" algn="l">
+      <a:lvl5pPr marR="0" lvl="4" algn="l" rtl="0" eaLnBrk="1" hangingPunct="1">
         <a:lnSpc>
           <a:spcPct val="100000"/>
         </a:lnSpc>
@@ -6397,7 +6695,7 @@
           <a:srgbClr val="000000"/>
         </a:buClr>
         <a:buFont typeface="Arial"/>
-        <a:defRPr b="0" i="0" sz="1400" u="none" cap="none" strike="noStrike">
+        <a:defRPr sz="1400" b="0" i="0" u="none" strike="noStrike" cap="none">
           <a:solidFill>
             <a:srgbClr val="000000"/>
           </a:solidFill>
@@ -6407,7 +6705,7 @@
           <a:sym typeface="Arial"/>
         </a:defRPr>
       </a:lvl5pPr>
-      <a:lvl6pPr lvl="5" marR="0" rtl="0" algn="l">
+      <a:lvl6pPr marR="0" lvl="5" algn="l" rtl="0" eaLnBrk="1" hangingPunct="1">
         <a:lnSpc>
           <a:spcPct val="100000"/>
         </a:lnSpc>
@@ -6421,7 +6719,7 @@
           <a:srgbClr val="000000"/>
         </a:buClr>
         <a:buFont typeface="Arial"/>
-        <a:defRPr b="0" i="0" sz="1400" u="none" cap="none" strike="noStrike">
+        <a:defRPr sz="1400" b="0" i="0" u="none" strike="noStrike" cap="none">
           <a:solidFill>
             <a:srgbClr val="000000"/>
           </a:solidFill>
@@ -6431,7 +6729,7 @@
           <a:sym typeface="Arial"/>
         </a:defRPr>
       </a:lvl6pPr>
-      <a:lvl7pPr lvl="6" marR="0" rtl="0" algn="l">
+      <a:lvl7pPr marR="0" lvl="6" algn="l" rtl="0" eaLnBrk="1" hangingPunct="1">
         <a:lnSpc>
           <a:spcPct val="100000"/>
         </a:lnSpc>
@@ -6445,7 +6743,7 @@
           <a:srgbClr val="000000"/>
         </a:buClr>
         <a:buFont typeface="Arial"/>
-        <a:defRPr b="0" i="0" sz="1400" u="none" cap="none" strike="noStrike">
+        <a:defRPr sz="1400" b="0" i="0" u="none" strike="noStrike" cap="none">
           <a:solidFill>
             <a:srgbClr val="000000"/>
           </a:solidFill>
@@ -6455,7 +6753,7 @@
           <a:sym typeface="Arial"/>
         </a:defRPr>
       </a:lvl7pPr>
-      <a:lvl8pPr lvl="7" marR="0" rtl="0" algn="l">
+      <a:lvl8pPr marR="0" lvl="7" algn="l" rtl="0" eaLnBrk="1" hangingPunct="1">
         <a:lnSpc>
           <a:spcPct val="100000"/>
         </a:lnSpc>
@@ -6469,7 +6767,7 @@
           <a:srgbClr val="000000"/>
         </a:buClr>
         <a:buFont typeface="Arial"/>
-        <a:defRPr b="0" i="0" sz="1400" u="none" cap="none" strike="noStrike">
+        <a:defRPr sz="1400" b="0" i="0" u="none" strike="noStrike" cap="none">
           <a:solidFill>
             <a:srgbClr val="000000"/>
           </a:solidFill>
@@ -6479,7 +6777,7 @@
           <a:sym typeface="Arial"/>
         </a:defRPr>
       </a:lvl8pPr>
-      <a:lvl9pPr lvl="8" marR="0" rtl="0" algn="l">
+      <a:lvl9pPr marR="0" lvl="8" algn="l" rtl="0" eaLnBrk="1" hangingPunct="1">
         <a:lnSpc>
           <a:spcPct val="100000"/>
         </a:lnSpc>
@@ -6493,7 +6791,7 @@
           <a:srgbClr val="000000"/>
         </a:buClr>
         <a:buFont typeface="Arial"/>
-        <a:defRPr b="0" i="0" sz="1400" u="none" cap="none" strike="noStrike">
+        <a:defRPr sz="1400" b="0" i="0" u="none" strike="noStrike" cap="none">
           <a:solidFill>
             <a:srgbClr val="000000"/>
           </a:solidFill>
@@ -6509,11 +6807,11 @@
 </file>
 
 <file path=ppt/slides/slide1.xml><?xml version="1.0" encoding="utf-8"?>
-<p:sld xmlns:a="http://schemas.openxmlformats.org/drawingml/2006/main" xmlns:r="http://schemas.openxmlformats.org/officeDocument/2006/relationships" xmlns:mc="http://schemas.openxmlformats.org/markup-compatibility/2006" xmlns:mv="urn:schemas-microsoft-com:mac:vml" xmlns:p="http://schemas.openxmlformats.org/presentationml/2006/main" xmlns:c="http://schemas.openxmlformats.org/drawingml/2006/chart" xmlns:dgm="http://schemas.openxmlformats.org/drawingml/2006/diagram" xmlns:o="urn:schemas-microsoft-com:office:office" xmlns:v="urn:schemas-microsoft-com:vml" xmlns:pvml="urn:schemas-microsoft-com:office:powerpoint" xmlns:com="http://schemas.openxmlformats.org/drawingml/2006/compatibility" xmlns:p14="http://schemas.microsoft.com/office/powerpoint/2010/main" xmlns:p15="http://schemas.microsoft.com/office/powerpoint/2012/main" xmlns:ahyp="http://schemas.microsoft.com/office/drawing/2018/hyperlinkcolor">
+<p:sld xmlns:a="http://schemas.openxmlformats.org/drawingml/2006/main" xmlns:r="http://schemas.openxmlformats.org/officeDocument/2006/relationships" xmlns:p="http://schemas.openxmlformats.org/presentationml/2006/main">
   <p:cSld>
     <p:spTree>
       <p:nvGrpSpPr>
-        <p:cNvPr id="55" name="Shape 55"/>
+        <p:cNvPr id="1" name="Shape 55"/>
         <p:cNvGrpSpPr/>
         <p:nvPr/>
       </p:nvGrpSpPr>
@@ -6528,27 +6826,25 @@
       <p:sp>
         <p:nvSpPr>
           <p:cNvPr id="56" name="Google Shape;56;p13"/>
-          <p:cNvSpPr txBox="1"/>
+          <p:cNvSpPr txBox="1">
+            <a:spLocks noGrp="1"/>
+          </p:cNvSpPr>
           <p:nvPr>
             <p:ph type="ctrTitle"/>
           </p:nvPr>
         </p:nvSpPr>
         <p:spPr>
-          <a:xfrm>
-            <a:off x="311708" y="744575"/>
-            <a:ext cx="8520600" cy="2052600"/>
-          </a:xfrm>
           <a:prstGeom prst="rect">
             <a:avLst/>
           </a:prstGeom>
         </p:spPr>
         <p:txBody>
-          <a:bodyPr anchorCtr="0" anchor="b" bIns="91425" lIns="91425" spcFirstLastPara="1" rIns="91425" wrap="square" tIns="91425">
+          <a:bodyPr spcFirstLastPara="1" wrap="square" lIns="91425" tIns="91425" rIns="91425" bIns="91425" anchor="b" anchorCtr="0">
             <a:normAutofit/>
           </a:bodyPr>
           <a:lstStyle/>
           <a:p>
-            <a:pPr indent="0" lvl="0" marL="0" rtl="0" algn="ctr">
+            <a:pPr marL="0" lvl="0" indent="0" algn="ctr" rtl="0">
               <a:spcBef>
                 <a:spcPts val="0"/>
               </a:spcBef>
@@ -6568,27 +6864,25 @@
       <p:sp>
         <p:nvSpPr>
           <p:cNvPr id="57" name="Google Shape;57;p13"/>
-          <p:cNvSpPr txBox="1"/>
+          <p:cNvSpPr txBox="1">
+            <a:spLocks noGrp="1"/>
+          </p:cNvSpPr>
           <p:nvPr>
-            <p:ph idx="1" type="subTitle"/>
+            <p:ph type="subTitle" idx="1"/>
           </p:nvPr>
         </p:nvSpPr>
         <p:spPr>
-          <a:xfrm>
-            <a:off x="311700" y="2834125"/>
-            <a:ext cx="8520600" cy="792600"/>
-          </a:xfrm>
           <a:prstGeom prst="rect">
             <a:avLst/>
           </a:prstGeom>
         </p:spPr>
         <p:txBody>
-          <a:bodyPr anchorCtr="0" anchor="t" bIns="91425" lIns="91425" spcFirstLastPara="1" rIns="91425" wrap="square" tIns="91425">
+          <a:bodyPr spcFirstLastPara="1" wrap="square" lIns="91425" tIns="91425" rIns="91425" bIns="91425" anchor="t" anchorCtr="0">
             <a:normAutofit/>
           </a:bodyPr>
           <a:lstStyle/>
           <a:p>
-            <a:pPr indent="0" lvl="0" marL="0" rtl="0" algn="ctr">
+            <a:pPr marL="0" lvl="0" indent="0" algn="ctr" rtl="0">
               <a:spcBef>
                 <a:spcPts val="0"/>
               </a:spcBef>
@@ -6614,11 +6908,11 @@
 </file>
 
 <file path=ppt/slides/slide10.xml><?xml version="1.0" encoding="utf-8"?>
-<p:sld xmlns:a="http://schemas.openxmlformats.org/drawingml/2006/main" xmlns:r="http://schemas.openxmlformats.org/officeDocument/2006/relationships" xmlns:mc="http://schemas.openxmlformats.org/markup-compatibility/2006" xmlns:mv="urn:schemas-microsoft-com:mac:vml" xmlns:p="http://schemas.openxmlformats.org/presentationml/2006/main" xmlns:c="http://schemas.openxmlformats.org/drawingml/2006/chart" xmlns:dgm="http://schemas.openxmlformats.org/drawingml/2006/diagram" xmlns:o="urn:schemas-microsoft-com:office:office" xmlns:v="urn:schemas-microsoft-com:vml" xmlns:pvml="urn:schemas-microsoft-com:office:powerpoint" xmlns:com="http://schemas.openxmlformats.org/drawingml/2006/compatibility" xmlns:p14="http://schemas.microsoft.com/office/powerpoint/2010/main" xmlns:p15="http://schemas.microsoft.com/office/powerpoint/2012/main" xmlns:ahyp="http://schemas.microsoft.com/office/drawing/2018/hyperlinkcolor">
+<p:sld xmlns:a="http://schemas.openxmlformats.org/drawingml/2006/main" xmlns:r="http://schemas.openxmlformats.org/officeDocument/2006/relationships" xmlns:p="http://schemas.openxmlformats.org/presentationml/2006/main">
   <p:cSld>
     <p:spTree>
       <p:nvGrpSpPr>
-        <p:cNvPr id="107" name="Shape 107"/>
+        <p:cNvPr id="1" name="Shape 107"/>
         <p:cNvGrpSpPr/>
         <p:nvPr/>
       </p:nvGrpSpPr>
@@ -6633,27 +6927,25 @@
       <p:sp>
         <p:nvSpPr>
           <p:cNvPr id="108" name="Google Shape;108;p22"/>
-          <p:cNvSpPr txBox="1"/>
+          <p:cNvSpPr txBox="1">
+            <a:spLocks noGrp="1"/>
+          </p:cNvSpPr>
           <p:nvPr>
             <p:ph type="title"/>
           </p:nvPr>
         </p:nvSpPr>
         <p:spPr>
-          <a:xfrm>
-            <a:off x="311700" y="1106125"/>
-            <a:ext cx="8520600" cy="1963500"/>
-          </a:xfrm>
           <a:prstGeom prst="rect">
             <a:avLst/>
           </a:prstGeom>
         </p:spPr>
         <p:txBody>
-          <a:bodyPr anchorCtr="0" anchor="b" bIns="91425" lIns="91425" spcFirstLastPara="1" rIns="91425" wrap="square" tIns="91425">
+          <a:bodyPr spcFirstLastPara="1" wrap="square" lIns="91425" tIns="91425" rIns="91425" bIns="91425" anchor="b" anchorCtr="0">
             <a:normAutofit fontScale="90000"/>
           </a:bodyPr>
           <a:lstStyle/>
           <a:p>
-            <a:pPr indent="0" lvl="0" marL="0" rtl="0" algn="ctr">
+            <a:pPr marL="0" lvl="0" indent="0" algn="ctr" rtl="0">
               <a:spcBef>
                 <a:spcPts val="0"/>
               </a:spcBef>
@@ -6673,27 +6965,25 @@
       <p:sp>
         <p:nvSpPr>
           <p:cNvPr id="109" name="Google Shape;109;p22"/>
-          <p:cNvSpPr txBox="1"/>
+          <p:cNvSpPr txBox="1">
+            <a:spLocks noGrp="1"/>
+          </p:cNvSpPr>
           <p:nvPr>
-            <p:ph idx="1" type="body"/>
+            <p:ph type="body" idx="1"/>
           </p:nvPr>
         </p:nvSpPr>
         <p:spPr>
-          <a:xfrm>
-            <a:off x="311700" y="3152225"/>
-            <a:ext cx="8520600" cy="916200"/>
-          </a:xfrm>
           <a:prstGeom prst="rect">
             <a:avLst/>
           </a:prstGeom>
         </p:spPr>
         <p:txBody>
-          <a:bodyPr anchorCtr="0" anchor="t" bIns="91425" lIns="91425" spcFirstLastPara="1" rIns="91425" wrap="square" tIns="91425">
-            <a:normAutofit lnSpcReduction="10000"/>
+          <a:bodyPr spcFirstLastPara="1" wrap="square" lIns="91425" tIns="91425" rIns="91425" bIns="91425" anchor="t" anchorCtr="0">
+            <a:normAutofit/>
           </a:bodyPr>
           <a:lstStyle/>
           <a:p>
-            <a:pPr indent="0" lvl="0" marL="0" rtl="0" algn="ctr">
+            <a:pPr marL="0" lvl="0" indent="0" algn="ctr" rtl="0">
               <a:spcBef>
                 <a:spcPts val="0"/>
               </a:spcBef>
@@ -6709,7 +6999,7 @@
             <a:endParaRPr/>
           </a:p>
           <a:p>
-            <a:pPr indent="0" lvl="0" marL="0" rtl="0" algn="ctr">
+            <a:pPr marL="0" lvl="0" indent="0" algn="ctr" rtl="0">
               <a:spcBef>
                 <a:spcPts val="1200"/>
               </a:spcBef>
@@ -6718,9 +7008,6 @@
               </a:spcAft>
               <a:buNone/>
             </a:pPr>
-            <a:r>
-              <a:t/>
-            </a:r>
             <a:endParaRPr/>
           </a:p>
         </p:txBody>
@@ -6734,11 +7021,11 @@
 </file>
 
 <file path=ppt/slides/slide11.xml><?xml version="1.0" encoding="utf-8"?>
-<p:sld xmlns:a="http://schemas.openxmlformats.org/drawingml/2006/main" xmlns:r="http://schemas.openxmlformats.org/officeDocument/2006/relationships" xmlns:mc="http://schemas.openxmlformats.org/markup-compatibility/2006" xmlns:mv="urn:schemas-microsoft-com:mac:vml" xmlns:p="http://schemas.openxmlformats.org/presentationml/2006/main" xmlns:c="http://schemas.openxmlformats.org/drawingml/2006/chart" xmlns:dgm="http://schemas.openxmlformats.org/drawingml/2006/diagram" xmlns:o="urn:schemas-microsoft-com:office:office" xmlns:v="urn:schemas-microsoft-com:vml" xmlns:pvml="urn:schemas-microsoft-com:office:powerpoint" xmlns:com="http://schemas.openxmlformats.org/drawingml/2006/compatibility" xmlns:p14="http://schemas.microsoft.com/office/powerpoint/2010/main" xmlns:p15="http://schemas.microsoft.com/office/powerpoint/2012/main" xmlns:ahyp="http://schemas.microsoft.com/office/drawing/2018/hyperlinkcolor">
+<p:sld xmlns:a="http://schemas.openxmlformats.org/drawingml/2006/main" xmlns:r="http://schemas.openxmlformats.org/officeDocument/2006/relationships" xmlns:p="http://schemas.openxmlformats.org/presentationml/2006/main">
   <p:cSld>
     <p:spTree>
       <p:nvGrpSpPr>
-        <p:cNvPr id="113" name="Shape 113"/>
+        <p:cNvPr id="1" name="Shape 113"/>
         <p:cNvGrpSpPr/>
         <p:nvPr/>
       </p:nvGrpSpPr>
@@ -6759,11 +7046,11 @@
 </file>
 
 <file path=ppt/slides/slide2.xml><?xml version="1.0" encoding="utf-8"?>
-<p:sld xmlns:a="http://schemas.openxmlformats.org/drawingml/2006/main" xmlns:r="http://schemas.openxmlformats.org/officeDocument/2006/relationships" xmlns:mc="http://schemas.openxmlformats.org/markup-compatibility/2006" xmlns:mv="urn:schemas-microsoft-com:mac:vml" xmlns:p="http://schemas.openxmlformats.org/presentationml/2006/main" xmlns:c="http://schemas.openxmlformats.org/drawingml/2006/chart" xmlns:dgm="http://schemas.openxmlformats.org/drawingml/2006/diagram" xmlns:o="urn:schemas-microsoft-com:office:office" xmlns:v="urn:schemas-microsoft-com:vml" xmlns:pvml="urn:schemas-microsoft-com:office:powerpoint" xmlns:com="http://schemas.openxmlformats.org/drawingml/2006/compatibility" xmlns:p14="http://schemas.microsoft.com/office/powerpoint/2010/main" xmlns:p15="http://schemas.microsoft.com/office/powerpoint/2012/main" xmlns:ahyp="http://schemas.microsoft.com/office/drawing/2018/hyperlinkcolor">
+<p:sld xmlns:a="http://schemas.openxmlformats.org/drawingml/2006/main" xmlns:r="http://schemas.openxmlformats.org/officeDocument/2006/relationships" xmlns:p="http://schemas.openxmlformats.org/presentationml/2006/main">
   <p:cSld>
     <p:spTree>
       <p:nvGrpSpPr>
-        <p:cNvPr id="61" name="Shape 61"/>
+        <p:cNvPr id="1" name="Shape 61"/>
         <p:cNvGrpSpPr/>
         <p:nvPr/>
       </p:nvGrpSpPr>
@@ -6778,27 +7065,25 @@
       <p:sp>
         <p:nvSpPr>
           <p:cNvPr id="62" name="Google Shape;62;p14"/>
-          <p:cNvSpPr txBox="1"/>
+          <p:cNvSpPr txBox="1">
+            <a:spLocks noGrp="1"/>
+          </p:cNvSpPr>
           <p:nvPr>
             <p:ph type="title"/>
           </p:nvPr>
         </p:nvSpPr>
         <p:spPr>
-          <a:xfrm>
-            <a:off x="311700" y="2150850"/>
-            <a:ext cx="8520600" cy="841800"/>
-          </a:xfrm>
           <a:prstGeom prst="rect">
             <a:avLst/>
           </a:prstGeom>
         </p:spPr>
         <p:txBody>
-          <a:bodyPr anchorCtr="0" anchor="ctr" bIns="91425" lIns="91425" spcFirstLastPara="1" rIns="91425" wrap="square" tIns="91425">
+          <a:bodyPr spcFirstLastPara="1" wrap="square" lIns="91425" tIns="91425" rIns="91425" bIns="91425" anchor="ctr" anchorCtr="0">
             <a:normAutofit/>
           </a:bodyPr>
           <a:lstStyle/>
           <a:p>
-            <a:pPr indent="0" lvl="0" marL="0" rtl="0" algn="ctr">
+            <a:pPr marL="0" lvl="0" indent="0" algn="ctr" rtl="0">
               <a:spcBef>
                 <a:spcPts val="0"/>
               </a:spcBef>
@@ -6824,11 +7109,11 @@
 </file>
 
 <file path=ppt/slides/slide3.xml><?xml version="1.0" encoding="utf-8"?>
-<p:sld xmlns:a="http://schemas.openxmlformats.org/drawingml/2006/main" xmlns:r="http://schemas.openxmlformats.org/officeDocument/2006/relationships" xmlns:mc="http://schemas.openxmlformats.org/markup-compatibility/2006" xmlns:mv="urn:schemas-microsoft-com:mac:vml" xmlns:p="http://schemas.openxmlformats.org/presentationml/2006/main" xmlns:c="http://schemas.openxmlformats.org/drawingml/2006/chart" xmlns:dgm="http://schemas.openxmlformats.org/drawingml/2006/diagram" xmlns:o="urn:schemas-microsoft-com:office:office" xmlns:v="urn:schemas-microsoft-com:vml" xmlns:pvml="urn:schemas-microsoft-com:office:powerpoint" xmlns:com="http://schemas.openxmlformats.org/drawingml/2006/compatibility" xmlns:p14="http://schemas.microsoft.com/office/powerpoint/2010/main" xmlns:p15="http://schemas.microsoft.com/office/powerpoint/2012/main" xmlns:ahyp="http://schemas.microsoft.com/office/drawing/2018/hyperlinkcolor">
+<p:sld xmlns:a="http://schemas.openxmlformats.org/drawingml/2006/main" xmlns:r="http://schemas.openxmlformats.org/officeDocument/2006/relationships" xmlns:p="http://schemas.openxmlformats.org/presentationml/2006/main">
   <p:cSld>
     <p:spTree>
       <p:nvGrpSpPr>
-        <p:cNvPr id="66" name="Shape 66"/>
+        <p:cNvPr id="1" name="Shape 66"/>
         <p:cNvGrpSpPr/>
         <p:nvPr/>
       </p:nvGrpSpPr>
@@ -6843,27 +7128,25 @@
       <p:sp>
         <p:nvSpPr>
           <p:cNvPr id="67" name="Google Shape;67;p15"/>
-          <p:cNvSpPr txBox="1"/>
+          <p:cNvSpPr txBox="1">
+            <a:spLocks noGrp="1"/>
+          </p:cNvSpPr>
           <p:nvPr>
             <p:ph type="title"/>
           </p:nvPr>
         </p:nvSpPr>
         <p:spPr>
-          <a:xfrm>
-            <a:off x="311700" y="445025"/>
-            <a:ext cx="8520600" cy="572700"/>
-          </a:xfrm>
           <a:prstGeom prst="rect">
             <a:avLst/>
           </a:prstGeom>
         </p:spPr>
         <p:txBody>
-          <a:bodyPr anchorCtr="0" anchor="t" bIns="91425" lIns="91425" spcFirstLastPara="1" rIns="91425" wrap="square" tIns="91425">
+          <a:bodyPr spcFirstLastPara="1" wrap="square" lIns="91425" tIns="91425" rIns="91425" bIns="91425" anchor="t" anchorCtr="0">
             <a:normAutofit fontScale="90000"/>
           </a:bodyPr>
           <a:lstStyle/>
           <a:p>
-            <a:pPr indent="0" lvl="0" marL="0" rtl="0" algn="l">
+            <a:pPr marL="0" lvl="0" indent="0" algn="l" rtl="0">
               <a:spcBef>
                 <a:spcPts val="0"/>
               </a:spcBef>
@@ -6883,27 +7166,25 @@
       <p:sp>
         <p:nvSpPr>
           <p:cNvPr id="68" name="Google Shape;68;p15"/>
-          <p:cNvSpPr txBox="1"/>
+          <p:cNvSpPr txBox="1">
+            <a:spLocks noGrp="1"/>
+          </p:cNvSpPr>
           <p:nvPr>
-            <p:ph idx="1" type="body"/>
+            <p:ph type="body" idx="1"/>
           </p:nvPr>
         </p:nvSpPr>
         <p:spPr>
-          <a:xfrm>
-            <a:off x="311700" y="1152475"/>
-            <a:ext cx="8520600" cy="3079200"/>
-          </a:xfrm>
           <a:prstGeom prst="rect">
             <a:avLst/>
           </a:prstGeom>
         </p:spPr>
         <p:txBody>
-          <a:bodyPr anchorCtr="0" anchor="t" bIns="91425" lIns="91425" spcFirstLastPara="1" rIns="91425" wrap="square" tIns="91425">
+          <a:bodyPr spcFirstLastPara="1" wrap="square" lIns="91425" tIns="91425" rIns="91425" bIns="91425" anchor="t" anchorCtr="0">
             <a:normAutofit fontScale="85000" lnSpcReduction="10000"/>
           </a:bodyPr>
           <a:lstStyle/>
           <a:p>
-            <a:pPr indent="-325755" lvl="0" marL="457200" rtl="0" algn="l">
+            <a:pPr marL="457200" lvl="0" indent="-325755" algn="l" rtl="0">
               <a:spcBef>
                 <a:spcPts val="0"/>
               </a:spcBef>
@@ -6920,7 +7201,7 @@
             <a:endParaRPr/>
           </a:p>
           <a:p>
-            <a:pPr indent="-304165" lvl="1" marL="914400" rtl="0" algn="l">
+            <a:pPr marL="914400" lvl="1" indent="-304165" algn="l" rtl="0">
               <a:spcBef>
                 <a:spcPts val="0"/>
               </a:spcBef>
@@ -6937,7 +7218,7 @@
             <a:endParaRPr/>
           </a:p>
           <a:p>
-            <a:pPr indent="-304165" lvl="1" marL="914400" rtl="0" algn="l">
+            <a:pPr marL="914400" lvl="1" indent="-304165" algn="l" rtl="0">
               <a:spcBef>
                 <a:spcPts val="0"/>
               </a:spcBef>
@@ -6954,7 +7235,7 @@
             <a:endParaRPr/>
           </a:p>
           <a:p>
-            <a:pPr indent="-304165" lvl="1" marL="914400" rtl="0" algn="l">
+            <a:pPr marL="914400" lvl="1" indent="-304165" algn="l" rtl="0">
               <a:spcBef>
                 <a:spcPts val="0"/>
               </a:spcBef>
@@ -6971,7 +7252,7 @@
             <a:endParaRPr/>
           </a:p>
           <a:p>
-            <a:pPr indent="-304164" lvl="2" marL="1371600" rtl="0" algn="l">
+            <a:pPr marL="1371600" lvl="2" indent="-304164" algn="l" rtl="0">
               <a:spcBef>
                 <a:spcPts val="0"/>
               </a:spcBef>
@@ -6988,7 +7269,7 @@
             <a:endParaRPr/>
           </a:p>
           <a:p>
-            <a:pPr indent="-304164" lvl="2" marL="1371600" rtl="0" algn="l">
+            <a:pPr marL="1371600" lvl="2" indent="-304164" algn="l" rtl="0">
               <a:spcBef>
                 <a:spcPts val="0"/>
               </a:spcBef>
@@ -7005,7 +7286,7 @@
             <a:endParaRPr/>
           </a:p>
           <a:p>
-            <a:pPr indent="-304165" lvl="1" marL="914400" rtl="0" algn="l">
+            <a:pPr marL="914400" lvl="1" indent="-304165" algn="l" rtl="0">
               <a:spcBef>
                 <a:spcPts val="0"/>
               </a:spcBef>
@@ -7022,7 +7303,7 @@
             <a:endParaRPr/>
           </a:p>
           <a:p>
-            <a:pPr indent="-325755" lvl="0" marL="457200" rtl="0" algn="l">
+            <a:pPr marL="457200" lvl="0" indent="-325755" algn="l" rtl="0">
               <a:spcBef>
                 <a:spcPts val="0"/>
               </a:spcBef>
@@ -7039,7 +7320,7 @@
             <a:endParaRPr/>
           </a:p>
           <a:p>
-            <a:pPr indent="-325755" lvl="0" marL="457200" rtl="0" algn="l">
+            <a:pPr marL="457200" lvl="0" indent="-325755" algn="l" rtl="0">
               <a:spcBef>
                 <a:spcPts val="0"/>
               </a:spcBef>
@@ -7066,11 +7347,11 @@
 </file>
 
 <file path=ppt/slides/slide4.xml><?xml version="1.0" encoding="utf-8"?>
-<p:sld xmlns:a="http://schemas.openxmlformats.org/drawingml/2006/main" xmlns:r="http://schemas.openxmlformats.org/officeDocument/2006/relationships" xmlns:mc="http://schemas.openxmlformats.org/markup-compatibility/2006" xmlns:mv="urn:schemas-microsoft-com:mac:vml" xmlns:p="http://schemas.openxmlformats.org/presentationml/2006/main" xmlns:c="http://schemas.openxmlformats.org/drawingml/2006/chart" xmlns:dgm="http://schemas.openxmlformats.org/drawingml/2006/diagram" xmlns:o="urn:schemas-microsoft-com:office:office" xmlns:v="urn:schemas-microsoft-com:vml" xmlns:pvml="urn:schemas-microsoft-com:office:powerpoint" xmlns:com="http://schemas.openxmlformats.org/drawingml/2006/compatibility" xmlns:p14="http://schemas.microsoft.com/office/powerpoint/2010/main" xmlns:p15="http://schemas.microsoft.com/office/powerpoint/2012/main" xmlns:ahyp="http://schemas.microsoft.com/office/drawing/2018/hyperlinkcolor">
+<p:sld xmlns:a="http://schemas.openxmlformats.org/drawingml/2006/main" xmlns:r="http://schemas.openxmlformats.org/officeDocument/2006/relationships" xmlns:p="http://schemas.openxmlformats.org/presentationml/2006/main">
   <p:cSld>
     <p:spTree>
       <p:nvGrpSpPr>
-        <p:cNvPr id="72" name="Shape 72"/>
+        <p:cNvPr id="1" name="Shape 72"/>
         <p:cNvGrpSpPr/>
         <p:nvPr/>
       </p:nvGrpSpPr>
@@ -7085,27 +7366,25 @@
       <p:sp>
         <p:nvSpPr>
           <p:cNvPr id="73" name="Google Shape;73;p16"/>
-          <p:cNvSpPr txBox="1"/>
+          <p:cNvSpPr txBox="1">
+            <a:spLocks noGrp="1"/>
+          </p:cNvSpPr>
           <p:nvPr>
             <p:ph type="title"/>
           </p:nvPr>
         </p:nvSpPr>
         <p:spPr>
-          <a:xfrm>
-            <a:off x="311700" y="445025"/>
-            <a:ext cx="8520600" cy="572700"/>
-          </a:xfrm>
           <a:prstGeom prst="rect">
             <a:avLst/>
           </a:prstGeom>
         </p:spPr>
         <p:txBody>
-          <a:bodyPr anchorCtr="0" anchor="t" bIns="91425" lIns="91425" spcFirstLastPara="1" rIns="91425" wrap="square" tIns="91425">
+          <a:bodyPr spcFirstLastPara="1" wrap="square" lIns="91425" tIns="91425" rIns="91425" bIns="91425" anchor="t" anchorCtr="0">
             <a:normAutofit fontScale="90000"/>
           </a:bodyPr>
           <a:lstStyle/>
           <a:p>
-            <a:pPr indent="0" lvl="0" marL="0" rtl="0" algn="l">
+            <a:pPr marL="0" lvl="0" indent="0" algn="l" rtl="0">
               <a:spcBef>
                 <a:spcPts val="0"/>
               </a:spcBef>
@@ -7125,27 +7404,25 @@
       <p:sp>
         <p:nvSpPr>
           <p:cNvPr id="74" name="Google Shape;74;p16"/>
-          <p:cNvSpPr txBox="1"/>
+          <p:cNvSpPr txBox="1">
+            <a:spLocks noGrp="1"/>
+          </p:cNvSpPr>
           <p:nvPr>
-            <p:ph idx="1" type="body"/>
+            <p:ph type="body" idx="1"/>
           </p:nvPr>
         </p:nvSpPr>
         <p:spPr>
-          <a:xfrm>
-            <a:off x="311700" y="1152475"/>
-            <a:ext cx="3999900" cy="3102300"/>
-          </a:xfrm>
           <a:prstGeom prst="rect">
             <a:avLst/>
           </a:prstGeom>
         </p:spPr>
         <p:txBody>
-          <a:bodyPr anchorCtr="0" anchor="t" bIns="91425" lIns="91425" spcFirstLastPara="1" rIns="91425" wrap="square" tIns="91425">
+          <a:bodyPr spcFirstLastPara="1" wrap="square" lIns="91425" tIns="91425" rIns="91425" bIns="91425" anchor="t" anchorCtr="0">
             <a:normAutofit lnSpcReduction="10000"/>
           </a:bodyPr>
           <a:lstStyle/>
           <a:p>
-            <a:pPr indent="-317500" lvl="0" marL="457200" rtl="0" algn="just">
+            <a:pPr marL="457200" lvl="0" indent="-317500" algn="just" rtl="0">
               <a:spcBef>
                 <a:spcPts val="0"/>
               </a:spcBef>
@@ -7162,7 +7439,7 @@
             <a:endParaRPr/>
           </a:p>
           <a:p>
-            <a:pPr indent="-304800" lvl="1" marL="914400" rtl="0" algn="just">
+            <a:pPr marL="914400" lvl="1" indent="-304800" algn="just" rtl="0">
               <a:spcBef>
                 <a:spcPts val="0"/>
               </a:spcBef>
@@ -7179,7 +7456,7 @@
             <a:endParaRPr/>
           </a:p>
           <a:p>
-            <a:pPr indent="-304800" lvl="1" marL="914400" rtl="0" algn="just">
+            <a:pPr marL="914400" lvl="1" indent="-304800" algn="just" rtl="0">
               <a:spcBef>
                 <a:spcPts val="0"/>
               </a:spcBef>
@@ -7196,7 +7473,7 @@
             <a:endParaRPr/>
           </a:p>
           <a:p>
-            <a:pPr indent="-304800" lvl="1" marL="914400" rtl="0" algn="just">
+            <a:pPr marL="914400" lvl="1" indent="-304800" algn="just" rtl="0">
               <a:spcBef>
                 <a:spcPts val="0"/>
               </a:spcBef>
@@ -7213,7 +7490,7 @@
             <a:endParaRPr/>
           </a:p>
           <a:p>
-            <a:pPr indent="-304800" lvl="2" marL="1371600" rtl="0" algn="just">
+            <a:pPr marL="1371600" lvl="2" indent="-304800" algn="just" rtl="0">
               <a:spcBef>
                 <a:spcPts val="0"/>
               </a:spcBef>
@@ -7230,7 +7507,7 @@
             <a:endParaRPr/>
           </a:p>
           <a:p>
-            <a:pPr indent="-304800" lvl="2" marL="1371600" rtl="0" algn="just">
+            <a:pPr marL="1371600" lvl="2" indent="-304800" algn="just" rtl="0">
               <a:spcBef>
                 <a:spcPts val="0"/>
               </a:spcBef>
@@ -7251,27 +7528,25 @@
       <p:sp>
         <p:nvSpPr>
           <p:cNvPr id="75" name="Google Shape;75;p16"/>
-          <p:cNvSpPr txBox="1"/>
+          <p:cNvSpPr txBox="1">
+            <a:spLocks noGrp="1"/>
+          </p:cNvSpPr>
           <p:nvPr>
-            <p:ph idx="2" type="body"/>
+            <p:ph type="body" idx="2"/>
           </p:nvPr>
         </p:nvSpPr>
         <p:spPr>
-          <a:xfrm>
-            <a:off x="4832400" y="1152475"/>
-            <a:ext cx="3999900" cy="3102300"/>
-          </a:xfrm>
           <a:prstGeom prst="rect">
             <a:avLst/>
           </a:prstGeom>
         </p:spPr>
         <p:txBody>
-          <a:bodyPr anchorCtr="0" anchor="t" bIns="91425" lIns="91425" spcFirstLastPara="1" rIns="91425" wrap="square" tIns="91425">
-            <a:normAutofit fontScale="85000"/>
+          <a:bodyPr spcFirstLastPara="1" wrap="square" lIns="91425" tIns="91425" rIns="91425" bIns="91425" anchor="t" anchorCtr="0">
+            <a:normAutofit fontScale="85000" lnSpcReduction="10000"/>
           </a:bodyPr>
           <a:lstStyle/>
           <a:p>
-            <a:pPr indent="0" lvl="0" marL="0" rtl="0" algn="just">
+            <a:pPr marL="0" lvl="0" indent="0" algn="just" rtl="0">
               <a:spcBef>
                 <a:spcPts val="0"/>
               </a:spcBef>
@@ -7297,11 +7572,11 @@
 </file>
 
 <file path=ppt/slides/slide5.xml><?xml version="1.0" encoding="utf-8"?>
-<p:sld xmlns:a="http://schemas.openxmlformats.org/drawingml/2006/main" xmlns:r="http://schemas.openxmlformats.org/officeDocument/2006/relationships" xmlns:mc="http://schemas.openxmlformats.org/markup-compatibility/2006" xmlns:mv="urn:schemas-microsoft-com:mac:vml" xmlns:p="http://schemas.openxmlformats.org/presentationml/2006/main" xmlns:c="http://schemas.openxmlformats.org/drawingml/2006/chart" xmlns:dgm="http://schemas.openxmlformats.org/drawingml/2006/diagram" xmlns:o="urn:schemas-microsoft-com:office:office" xmlns:v="urn:schemas-microsoft-com:vml" xmlns:pvml="urn:schemas-microsoft-com:office:powerpoint" xmlns:com="http://schemas.openxmlformats.org/drawingml/2006/compatibility" xmlns:p14="http://schemas.microsoft.com/office/powerpoint/2010/main" xmlns:p15="http://schemas.microsoft.com/office/powerpoint/2012/main" xmlns:ahyp="http://schemas.microsoft.com/office/drawing/2018/hyperlinkcolor">
+<p:sld xmlns:a="http://schemas.openxmlformats.org/drawingml/2006/main" xmlns:r="http://schemas.openxmlformats.org/officeDocument/2006/relationships" xmlns:p="http://schemas.openxmlformats.org/presentationml/2006/main">
   <p:cSld>
     <p:spTree>
       <p:nvGrpSpPr>
-        <p:cNvPr id="79" name="Shape 79"/>
+        <p:cNvPr id="1" name="Shape 79"/>
         <p:cNvGrpSpPr/>
         <p:nvPr/>
       </p:nvGrpSpPr>
@@ -7316,27 +7591,25 @@
       <p:sp>
         <p:nvSpPr>
           <p:cNvPr id="80" name="Google Shape;80;p17"/>
-          <p:cNvSpPr txBox="1"/>
+          <p:cNvSpPr txBox="1">
+            <a:spLocks noGrp="1"/>
+          </p:cNvSpPr>
           <p:nvPr>
             <p:ph type="title"/>
           </p:nvPr>
         </p:nvSpPr>
         <p:spPr>
-          <a:xfrm>
-            <a:off x="311700" y="445025"/>
-            <a:ext cx="8520600" cy="572700"/>
-          </a:xfrm>
           <a:prstGeom prst="rect">
             <a:avLst/>
           </a:prstGeom>
         </p:spPr>
         <p:txBody>
-          <a:bodyPr anchorCtr="0" anchor="t" bIns="91425" lIns="91425" spcFirstLastPara="1" rIns="91425" wrap="square" tIns="91425">
+          <a:bodyPr spcFirstLastPara="1" wrap="square" lIns="91425" tIns="91425" rIns="91425" bIns="91425" anchor="t" anchorCtr="0">
             <a:normAutofit fontScale="90000"/>
           </a:bodyPr>
           <a:lstStyle/>
           <a:p>
-            <a:pPr indent="0" lvl="0" marL="0" rtl="0" algn="l">
+            <a:pPr marL="0" lvl="0" indent="0" algn="l" rtl="0">
               <a:spcBef>
                 <a:spcPts val="0"/>
               </a:spcBef>
@@ -7362,11 +7635,11 @@
 </file>
 
 <file path=ppt/slides/slide6.xml><?xml version="1.0" encoding="utf-8"?>
-<p:sld xmlns:a="http://schemas.openxmlformats.org/drawingml/2006/main" xmlns:r="http://schemas.openxmlformats.org/officeDocument/2006/relationships" xmlns:mc="http://schemas.openxmlformats.org/markup-compatibility/2006" xmlns:mv="urn:schemas-microsoft-com:mac:vml" xmlns:p="http://schemas.openxmlformats.org/presentationml/2006/main" xmlns:c="http://schemas.openxmlformats.org/drawingml/2006/chart" xmlns:dgm="http://schemas.openxmlformats.org/drawingml/2006/diagram" xmlns:o="urn:schemas-microsoft-com:office:office" xmlns:v="urn:schemas-microsoft-com:vml" xmlns:pvml="urn:schemas-microsoft-com:office:powerpoint" xmlns:com="http://schemas.openxmlformats.org/drawingml/2006/compatibility" xmlns:p14="http://schemas.microsoft.com/office/powerpoint/2010/main" xmlns:p15="http://schemas.microsoft.com/office/powerpoint/2012/main" xmlns:ahyp="http://schemas.microsoft.com/office/drawing/2018/hyperlinkcolor">
+<p:sld xmlns:a="http://schemas.openxmlformats.org/drawingml/2006/main" xmlns:r="http://schemas.openxmlformats.org/officeDocument/2006/relationships" xmlns:p="http://schemas.openxmlformats.org/presentationml/2006/main">
   <p:cSld>
     <p:spTree>
       <p:nvGrpSpPr>
-        <p:cNvPr id="84" name="Shape 84"/>
+        <p:cNvPr id="1" name="Shape 84"/>
         <p:cNvGrpSpPr/>
         <p:nvPr/>
       </p:nvGrpSpPr>
@@ -7381,27 +7654,25 @@
       <p:sp>
         <p:nvSpPr>
           <p:cNvPr id="85" name="Google Shape;85;p18"/>
-          <p:cNvSpPr txBox="1"/>
+          <p:cNvSpPr txBox="1">
+            <a:spLocks noGrp="1"/>
+          </p:cNvSpPr>
           <p:nvPr>
             <p:ph type="title"/>
           </p:nvPr>
         </p:nvSpPr>
         <p:spPr>
-          <a:xfrm>
-            <a:off x="311700" y="555600"/>
-            <a:ext cx="2808000" cy="755700"/>
-          </a:xfrm>
           <a:prstGeom prst="rect">
             <a:avLst/>
           </a:prstGeom>
         </p:spPr>
         <p:txBody>
-          <a:bodyPr anchorCtr="0" anchor="b" bIns="91425" lIns="91425" spcFirstLastPara="1" rIns="91425" wrap="square" tIns="91425">
+          <a:bodyPr spcFirstLastPara="1" wrap="square" lIns="91425" tIns="91425" rIns="91425" bIns="91425" anchor="b" anchorCtr="0">
             <a:normAutofit fontScale="90000"/>
           </a:bodyPr>
           <a:lstStyle/>
           <a:p>
-            <a:pPr indent="0" lvl="0" marL="0" rtl="0" algn="l">
+            <a:pPr marL="0" lvl="0" indent="0" algn="l" rtl="0">
               <a:spcBef>
                 <a:spcPts val="0"/>
               </a:spcBef>
@@ -7421,27 +7692,25 @@
       <p:sp>
         <p:nvSpPr>
           <p:cNvPr id="86" name="Google Shape;86;p18"/>
-          <p:cNvSpPr txBox="1"/>
+          <p:cNvSpPr txBox="1">
+            <a:spLocks noGrp="1"/>
+          </p:cNvSpPr>
           <p:nvPr>
-            <p:ph idx="1" type="body"/>
+            <p:ph type="body" idx="1"/>
           </p:nvPr>
         </p:nvSpPr>
         <p:spPr>
-          <a:xfrm>
-            <a:off x="311700" y="1389600"/>
-            <a:ext cx="2808000" cy="2865300"/>
-          </a:xfrm>
           <a:prstGeom prst="rect">
             <a:avLst/>
           </a:prstGeom>
         </p:spPr>
         <p:txBody>
-          <a:bodyPr anchorCtr="0" anchor="t" bIns="91425" lIns="91425" spcFirstLastPara="1" rIns="91425" wrap="square" tIns="91425">
+          <a:bodyPr spcFirstLastPara="1" wrap="square" lIns="91425" tIns="91425" rIns="91425" bIns="91425" anchor="t" anchorCtr="0">
             <a:normAutofit/>
           </a:bodyPr>
           <a:lstStyle/>
           <a:p>
-            <a:pPr indent="0" lvl="0" marL="0" rtl="0" algn="just">
+            <a:pPr marL="0" lvl="0" indent="0" algn="just" rtl="0">
               <a:spcBef>
                 <a:spcPts val="0"/>
               </a:spcBef>
@@ -7467,11 +7736,11 @@
 </file>
 
 <file path=ppt/slides/slide7.xml><?xml version="1.0" encoding="utf-8"?>
-<p:sld xmlns:a="http://schemas.openxmlformats.org/drawingml/2006/main" xmlns:r="http://schemas.openxmlformats.org/officeDocument/2006/relationships" xmlns:mc="http://schemas.openxmlformats.org/markup-compatibility/2006" xmlns:mv="urn:schemas-microsoft-com:mac:vml" xmlns:p="http://schemas.openxmlformats.org/presentationml/2006/main" xmlns:c="http://schemas.openxmlformats.org/drawingml/2006/chart" xmlns:dgm="http://schemas.openxmlformats.org/drawingml/2006/diagram" xmlns:o="urn:schemas-microsoft-com:office:office" xmlns:v="urn:schemas-microsoft-com:vml" xmlns:pvml="urn:schemas-microsoft-com:office:powerpoint" xmlns:com="http://schemas.openxmlformats.org/drawingml/2006/compatibility" xmlns:p14="http://schemas.microsoft.com/office/powerpoint/2010/main" xmlns:p15="http://schemas.microsoft.com/office/powerpoint/2012/main" xmlns:ahyp="http://schemas.microsoft.com/office/drawing/2018/hyperlinkcolor">
+<p:sld xmlns:a="http://schemas.openxmlformats.org/drawingml/2006/main" xmlns:r="http://schemas.openxmlformats.org/officeDocument/2006/relationships" xmlns:p="http://schemas.openxmlformats.org/presentationml/2006/main">
   <p:cSld>
     <p:spTree>
       <p:nvGrpSpPr>
-        <p:cNvPr id="90" name="Shape 90"/>
+        <p:cNvPr id="1" name="Shape 90"/>
         <p:cNvGrpSpPr/>
         <p:nvPr/>
       </p:nvGrpSpPr>
@@ -7486,27 +7755,25 @@
       <p:sp>
         <p:nvSpPr>
           <p:cNvPr id="91" name="Google Shape;91;p19"/>
-          <p:cNvSpPr txBox="1"/>
+          <p:cNvSpPr txBox="1">
+            <a:spLocks noGrp="1"/>
+          </p:cNvSpPr>
           <p:nvPr>
             <p:ph type="title"/>
           </p:nvPr>
         </p:nvSpPr>
         <p:spPr>
-          <a:xfrm>
-            <a:off x="490250" y="450150"/>
-            <a:ext cx="6367800" cy="3618300"/>
-          </a:xfrm>
           <a:prstGeom prst="rect">
             <a:avLst/>
           </a:prstGeom>
         </p:spPr>
         <p:txBody>
-          <a:bodyPr anchorCtr="0" anchor="ctr" bIns="91425" lIns="91425" spcFirstLastPara="1" rIns="91425" wrap="square" tIns="91425">
+          <a:bodyPr spcFirstLastPara="1" wrap="square" lIns="91425" tIns="91425" rIns="91425" bIns="91425" anchor="ctr" anchorCtr="0">
             <a:normAutofit/>
           </a:bodyPr>
           <a:lstStyle/>
           <a:p>
-            <a:pPr indent="0" lvl="0" marL="0" rtl="0" algn="l">
+            <a:pPr marL="0" lvl="0" indent="0" algn="l" rtl="0">
               <a:spcBef>
                 <a:spcPts val="0"/>
               </a:spcBef>
@@ -7532,11 +7799,11 @@
 </file>
 
 <file path=ppt/slides/slide8.xml><?xml version="1.0" encoding="utf-8"?>
-<p:sld xmlns:a="http://schemas.openxmlformats.org/drawingml/2006/main" xmlns:r="http://schemas.openxmlformats.org/officeDocument/2006/relationships" xmlns:mc="http://schemas.openxmlformats.org/markup-compatibility/2006" xmlns:mv="urn:schemas-microsoft-com:mac:vml" xmlns:p="http://schemas.openxmlformats.org/presentationml/2006/main" xmlns:c="http://schemas.openxmlformats.org/drawingml/2006/chart" xmlns:dgm="http://schemas.openxmlformats.org/drawingml/2006/diagram" xmlns:o="urn:schemas-microsoft-com:office:office" xmlns:v="urn:schemas-microsoft-com:vml" xmlns:pvml="urn:schemas-microsoft-com:office:powerpoint" xmlns:com="http://schemas.openxmlformats.org/drawingml/2006/compatibility" xmlns:p14="http://schemas.microsoft.com/office/powerpoint/2010/main" xmlns:p15="http://schemas.microsoft.com/office/powerpoint/2012/main" xmlns:ahyp="http://schemas.microsoft.com/office/drawing/2018/hyperlinkcolor">
+<p:sld xmlns:a="http://schemas.openxmlformats.org/drawingml/2006/main" xmlns:r="http://schemas.openxmlformats.org/officeDocument/2006/relationships" xmlns:p="http://schemas.openxmlformats.org/presentationml/2006/main">
   <p:cSld>
     <p:spTree>
       <p:nvGrpSpPr>
-        <p:cNvPr id="95" name="Shape 95"/>
+        <p:cNvPr id="1" name="Shape 95"/>
         <p:cNvGrpSpPr/>
         <p:nvPr/>
       </p:nvGrpSpPr>
@@ -7551,27 +7818,25 @@
       <p:sp>
         <p:nvSpPr>
           <p:cNvPr id="96" name="Google Shape;96;p20"/>
-          <p:cNvSpPr txBox="1"/>
+          <p:cNvSpPr txBox="1">
+            <a:spLocks noGrp="1"/>
+          </p:cNvSpPr>
           <p:nvPr>
             <p:ph type="title"/>
           </p:nvPr>
         </p:nvSpPr>
         <p:spPr>
-          <a:xfrm>
-            <a:off x="265500" y="1233175"/>
-            <a:ext cx="4045200" cy="1482300"/>
-          </a:xfrm>
           <a:prstGeom prst="rect">
             <a:avLst/>
           </a:prstGeom>
         </p:spPr>
         <p:txBody>
-          <a:bodyPr anchorCtr="0" anchor="b" bIns="91425" lIns="91425" spcFirstLastPara="1" rIns="91425" wrap="square" tIns="91425">
+          <a:bodyPr spcFirstLastPara="1" wrap="square" lIns="91425" tIns="91425" rIns="91425" bIns="91425" anchor="b" anchorCtr="0">
             <a:normAutofit/>
           </a:bodyPr>
           <a:lstStyle/>
           <a:p>
-            <a:pPr indent="0" lvl="0" marL="0" rtl="0" algn="ctr">
+            <a:pPr marL="0" lvl="0" indent="0" algn="ctr" rtl="0">
               <a:spcBef>
                 <a:spcPts val="0"/>
               </a:spcBef>
@@ -7591,27 +7856,25 @@
       <p:sp>
         <p:nvSpPr>
           <p:cNvPr id="97" name="Google Shape;97;p20"/>
-          <p:cNvSpPr txBox="1"/>
+          <p:cNvSpPr txBox="1">
+            <a:spLocks noGrp="1"/>
+          </p:cNvSpPr>
           <p:nvPr>
-            <p:ph idx="1" type="subTitle"/>
+            <p:ph type="subTitle" idx="1"/>
           </p:nvPr>
         </p:nvSpPr>
         <p:spPr>
-          <a:xfrm>
-            <a:off x="265500" y="2803075"/>
-            <a:ext cx="4045200" cy="1235100"/>
-          </a:xfrm>
           <a:prstGeom prst="rect">
             <a:avLst/>
           </a:prstGeom>
         </p:spPr>
         <p:txBody>
-          <a:bodyPr anchorCtr="0" anchor="t" bIns="91425" lIns="91425" spcFirstLastPara="1" rIns="91425" wrap="square" tIns="91425">
+          <a:bodyPr spcFirstLastPara="1" wrap="square" lIns="91425" tIns="91425" rIns="91425" bIns="91425" anchor="t" anchorCtr="0">
             <a:normAutofit/>
           </a:bodyPr>
           <a:lstStyle/>
           <a:p>
-            <a:pPr indent="0" lvl="0" marL="0" rtl="0" algn="ctr">
+            <a:pPr marL="0" lvl="0" indent="0" algn="ctr" rtl="0">
               <a:spcBef>
                 <a:spcPts val="0"/>
               </a:spcBef>
@@ -7631,27 +7894,25 @@
       <p:sp>
         <p:nvSpPr>
           <p:cNvPr id="98" name="Google Shape;98;p20"/>
-          <p:cNvSpPr txBox="1"/>
+          <p:cNvSpPr txBox="1">
+            <a:spLocks noGrp="1"/>
+          </p:cNvSpPr>
           <p:nvPr>
-            <p:ph idx="2" type="body"/>
+            <p:ph type="body" idx="2"/>
           </p:nvPr>
         </p:nvSpPr>
         <p:spPr>
-          <a:xfrm>
-            <a:off x="4939500" y="216125"/>
-            <a:ext cx="3837000" cy="4015500"/>
-          </a:xfrm>
           <a:prstGeom prst="rect">
             <a:avLst/>
           </a:prstGeom>
         </p:spPr>
         <p:txBody>
-          <a:bodyPr anchorCtr="0" anchor="ctr" bIns="91425" lIns="91425" spcFirstLastPara="1" rIns="91425" wrap="square" tIns="91425">
-            <a:normAutofit lnSpcReduction="20000"/>
+          <a:bodyPr spcFirstLastPara="1" wrap="square" lIns="91425" tIns="91425" rIns="91425" bIns="91425" anchor="ctr" anchorCtr="0">
+            <a:normAutofit fontScale="92500"/>
           </a:bodyPr>
           <a:lstStyle/>
           <a:p>
-            <a:pPr indent="0" lvl="0" marL="0" rtl="0" algn="just">
+            <a:pPr marL="0" lvl="0" indent="0" algn="just" rtl="0">
               <a:spcBef>
                 <a:spcPts val="0"/>
               </a:spcBef>
@@ -7677,11 +7938,11 @@
 </file>
 
 <file path=ppt/slides/slide9.xml><?xml version="1.0" encoding="utf-8"?>
-<p:sld xmlns:a="http://schemas.openxmlformats.org/drawingml/2006/main" xmlns:r="http://schemas.openxmlformats.org/officeDocument/2006/relationships" xmlns:mc="http://schemas.openxmlformats.org/markup-compatibility/2006" xmlns:mv="urn:schemas-microsoft-com:mac:vml" xmlns:p="http://schemas.openxmlformats.org/presentationml/2006/main" xmlns:c="http://schemas.openxmlformats.org/drawingml/2006/chart" xmlns:dgm="http://schemas.openxmlformats.org/drawingml/2006/diagram" xmlns:o="urn:schemas-microsoft-com:office:office" xmlns:v="urn:schemas-microsoft-com:vml" xmlns:pvml="urn:schemas-microsoft-com:office:powerpoint" xmlns:com="http://schemas.openxmlformats.org/drawingml/2006/compatibility" xmlns:p14="http://schemas.microsoft.com/office/powerpoint/2010/main" xmlns:p15="http://schemas.microsoft.com/office/powerpoint/2012/main" xmlns:ahyp="http://schemas.microsoft.com/office/drawing/2018/hyperlinkcolor">
+<p:sld xmlns:a="http://schemas.openxmlformats.org/drawingml/2006/main" xmlns:r="http://schemas.openxmlformats.org/officeDocument/2006/relationships" xmlns:p="http://schemas.openxmlformats.org/presentationml/2006/main">
   <p:cSld>
     <p:spTree>
       <p:nvGrpSpPr>
-        <p:cNvPr id="102" name="Shape 102"/>
+        <p:cNvPr id="1" name="Shape 102"/>
         <p:cNvGrpSpPr/>
         <p:nvPr/>
       </p:nvGrpSpPr>
@@ -7696,27 +7957,25 @@
       <p:sp>
         <p:nvSpPr>
           <p:cNvPr id="103" name="Google Shape;103;p21"/>
-          <p:cNvSpPr txBox="1"/>
+          <p:cNvSpPr txBox="1">
+            <a:spLocks noGrp="1"/>
+          </p:cNvSpPr>
           <p:nvPr>
-            <p:ph idx="1" type="body"/>
+            <p:ph type="body" idx="1"/>
           </p:nvPr>
         </p:nvSpPr>
         <p:spPr>
-          <a:xfrm>
-            <a:off x="311175" y="3725900"/>
-            <a:ext cx="5998800" cy="605100"/>
-          </a:xfrm>
           <a:prstGeom prst="rect">
             <a:avLst/>
           </a:prstGeom>
         </p:spPr>
         <p:txBody>
-          <a:bodyPr anchorCtr="0" anchor="ctr" bIns="91425" lIns="91425" spcFirstLastPara="1" rIns="91425" wrap="square" tIns="91425">
+          <a:bodyPr spcFirstLastPara="1" wrap="square" lIns="91425" tIns="91425" rIns="91425" bIns="91425" anchor="ctr" anchorCtr="0">
             <a:normAutofit/>
           </a:bodyPr>
           <a:lstStyle/>
           <a:p>
-            <a:pPr indent="0" lvl="0" marL="0" rtl="0" algn="l">
+            <a:pPr marL="0" lvl="0" indent="0" algn="l" rtl="0">
               <a:spcBef>
                 <a:spcPts val="0"/>
               </a:spcBef>
@@ -7742,7 +8001,7 @@
 </file>
 
 <file path=ppt/theme/theme1.xml><?xml version="1.0" encoding="utf-8"?>
-<a:theme xmlns:a="http://schemas.openxmlformats.org/drawingml/2006/main" xmlns:r="http://schemas.openxmlformats.org/officeDocument/2006/relationships" name="Simple Light">
+<a:theme xmlns:a="http://schemas.openxmlformats.org/drawingml/2006/main" name="Prezentace GJK">
   <a:themeElements>
     <a:clrScheme name="Simple Light">
       <a:dk1>
@@ -8017,11 +8276,18 @@
       </a:bgFillStyleLst>
     </a:fmtScheme>
   </a:themeElements>
+  <a:objectDefaults/>
+  <a:extraClrSchemeLst/>
+  <a:extLst>
+    <a:ext uri="{05A4C25C-085E-4340-85A3-A5531E510DB2}">
+      <thm15:themeFamily xmlns:thm15="http://schemas.microsoft.com/office/thememl/2012/main" name="Prezentace GJK" id="{7EB7149F-5242-4AE9-8B35-2CED5225FB27}" vid="{7000E70C-F245-41EF-9C44-1323EAB84848}"/>
+    </a:ext>
+  </a:extLst>
 </a:theme>
 </file>
 
 <file path=ppt/theme/theme2.xml><?xml version="1.0" encoding="utf-8"?>
-<a:theme xmlns:a="http://schemas.openxmlformats.org/drawingml/2006/main" xmlns:r="http://schemas.openxmlformats.org/officeDocument/2006/relationships">
+<a:theme xmlns:a="http://schemas.openxmlformats.org/drawingml/2006/main">
   <a:themeElements>
     <a:clrScheme name="Default">
       <a:dk1>
@@ -8296,5 +8562,7 @@
       </a:bgFillStyleLst>
     </a:fmtScheme>
   </a:themeElements>
+  <a:objectDefaults/>
+  <a:extraClrSchemeLst/>
 </a:theme>
 </file>